--- a/SubstrateAcadWorkshop.pptx
+++ b/SubstrateAcadWorkshop.pptx
@@ -5,25 +5,26 @@
     <p:sldMasterId id="2147483648" r:id="rId1"/>
   </p:sldMasterIdLst>
   <p:notesMasterIdLst>
-    <p:notesMasterId r:id="rId18"/>
+    <p:notesMasterId r:id="rId19"/>
   </p:notesMasterIdLst>
   <p:sldIdLst>
     <p:sldId id="256" r:id="rId2"/>
     <p:sldId id="266" r:id="rId3"/>
     <p:sldId id="267" r:id="rId4"/>
-    <p:sldId id="258" r:id="rId5"/>
-    <p:sldId id="260" r:id="rId6"/>
-    <p:sldId id="263" r:id="rId7"/>
-    <p:sldId id="264" r:id="rId8"/>
-    <p:sldId id="265" r:id="rId9"/>
-    <p:sldId id="268" r:id="rId10"/>
-    <p:sldId id="274" r:id="rId11"/>
-    <p:sldId id="259" r:id="rId12"/>
-    <p:sldId id="261" r:id="rId13"/>
-    <p:sldId id="272" r:id="rId14"/>
-    <p:sldId id="270" r:id="rId15"/>
-    <p:sldId id="273" r:id="rId16"/>
-    <p:sldId id="269" r:id="rId17"/>
+    <p:sldId id="275" r:id="rId5"/>
+    <p:sldId id="277" r:id="rId6"/>
+    <p:sldId id="276" r:id="rId7"/>
+    <p:sldId id="279" r:id="rId8"/>
+    <p:sldId id="264" r:id="rId9"/>
+    <p:sldId id="265" r:id="rId10"/>
+    <p:sldId id="278" r:id="rId11"/>
+    <p:sldId id="263" r:id="rId12"/>
+    <p:sldId id="273" r:id="rId13"/>
+    <p:sldId id="280" r:id="rId14"/>
+    <p:sldId id="274" r:id="rId15"/>
+    <p:sldId id="281" r:id="rId16"/>
+    <p:sldId id="272" r:id="rId17"/>
+    <p:sldId id="269" r:id="rId18"/>
   </p:sldIdLst>
   <p:sldSz cx="12192000" cy="6858000"/>
   <p:notesSz cx="6858000" cy="9144000"/>
@@ -212,7 +213,7 @@
           <a:p>
             <a:fld id="{2B8C7371-37CC-9D4F-A8E6-A8D0C6EBA5F8}" type="datetimeFigureOut">
               <a:rPr lang="en-US" smtClean="0"/>
-              <a:t>1/20/21</a:t>
+              <a:t>3/7/21</a:t>
             </a:fld>
             <a:endParaRPr lang="en-US"/>
           </a:p>
@@ -545,7 +546,279 @@
           <a:p>
             <a:fld id="{6263A4BE-7538-8748-ADF5-B8AF2173E2B2}" type="slidenum">
               <a:rPr lang="en-US" smtClean="0"/>
-              <a:t>16</a:t>
+              <a:t>1</a:t>
+            </a:fld>
+            <a:endParaRPr lang="en-US"/>
+          </a:p>
+        </p:txBody>
+      </p:sp>
+    </p:spTree>
+    <p:extLst>
+      <p:ext uri="{BB962C8B-B14F-4D97-AF65-F5344CB8AC3E}">
+        <p14:creationId xmlns:p14="http://schemas.microsoft.com/office/powerpoint/2010/main" val="3014908860"/>
+      </p:ext>
+    </p:extLst>
+  </p:cSld>
+  <p:clrMapOvr>
+    <a:masterClrMapping/>
+  </p:clrMapOvr>
+</p:notes>
+</file>
+
+<file path=ppt/notesSlides/notesSlide2.xml><?xml version="1.0" encoding="utf-8"?>
+<p:notes xmlns:a="http://schemas.openxmlformats.org/drawingml/2006/main" xmlns:r="http://schemas.openxmlformats.org/officeDocument/2006/relationships" xmlns:p="http://schemas.openxmlformats.org/presentationml/2006/main">
+  <p:cSld>
+    <p:spTree>
+      <p:nvGrpSpPr>
+        <p:cNvPr id="1" name=""/>
+        <p:cNvGrpSpPr/>
+        <p:nvPr/>
+      </p:nvGrpSpPr>
+      <p:grpSpPr>
+        <a:xfrm>
+          <a:off x="0" y="0"/>
+          <a:ext cx="0" cy="0"/>
+          <a:chOff x="0" y="0"/>
+          <a:chExt cx="0" cy="0"/>
+        </a:xfrm>
+      </p:grpSpPr>
+      <p:sp>
+        <p:nvSpPr>
+          <p:cNvPr id="2" name="Slide Image Placeholder 1"/>
+          <p:cNvSpPr>
+            <a:spLocks noGrp="1" noRot="1" noChangeAspect="1"/>
+          </p:cNvSpPr>
+          <p:nvPr>
+            <p:ph type="sldImg"/>
+          </p:nvPr>
+        </p:nvSpPr>
+        <p:spPr/>
+      </p:sp>
+      <p:sp>
+        <p:nvSpPr>
+          <p:cNvPr id="3" name="Notes Placeholder 2"/>
+          <p:cNvSpPr>
+            <a:spLocks noGrp="1"/>
+          </p:cNvSpPr>
+          <p:nvPr>
+            <p:ph type="body" idx="1"/>
+          </p:nvPr>
+        </p:nvSpPr>
+        <p:spPr/>
+        <p:txBody>
+          <a:bodyPr/>
+          <a:lstStyle/>
+          <a:p>
+            <a:endParaRPr lang="en-US" dirty="0"/>
+          </a:p>
+        </p:txBody>
+      </p:sp>
+      <p:sp>
+        <p:nvSpPr>
+          <p:cNvPr id="4" name="Slide Number Placeholder 3"/>
+          <p:cNvSpPr>
+            <a:spLocks noGrp="1"/>
+          </p:cNvSpPr>
+          <p:nvPr>
+            <p:ph type="sldNum" sz="quarter" idx="5"/>
+          </p:nvPr>
+        </p:nvSpPr>
+        <p:spPr/>
+        <p:txBody>
+          <a:bodyPr/>
+          <a:lstStyle/>
+          <a:p>
+            <a:fld id="{6263A4BE-7538-8748-ADF5-B8AF2173E2B2}" type="slidenum">
+              <a:rPr lang="en-US" smtClean="0"/>
+              <a:t>5</a:t>
+            </a:fld>
+            <a:endParaRPr lang="en-US"/>
+          </a:p>
+        </p:txBody>
+      </p:sp>
+    </p:spTree>
+    <p:extLst>
+      <p:ext uri="{BB962C8B-B14F-4D97-AF65-F5344CB8AC3E}">
+        <p14:creationId xmlns:p14="http://schemas.microsoft.com/office/powerpoint/2010/main" val="3371544859"/>
+      </p:ext>
+    </p:extLst>
+  </p:cSld>
+  <p:clrMapOvr>
+    <a:masterClrMapping/>
+  </p:clrMapOvr>
+</p:notes>
+</file>
+
+<file path=ppt/notesSlides/notesSlide3.xml><?xml version="1.0" encoding="utf-8"?>
+<p:notes xmlns:a="http://schemas.openxmlformats.org/drawingml/2006/main" xmlns:r="http://schemas.openxmlformats.org/officeDocument/2006/relationships" xmlns:p="http://schemas.openxmlformats.org/presentationml/2006/main">
+  <p:cSld>
+    <p:spTree>
+      <p:nvGrpSpPr>
+        <p:cNvPr id="1" name=""/>
+        <p:cNvGrpSpPr/>
+        <p:nvPr/>
+      </p:nvGrpSpPr>
+      <p:grpSpPr>
+        <a:xfrm>
+          <a:off x="0" y="0"/>
+          <a:ext cx="0" cy="0"/>
+          <a:chOff x="0" y="0"/>
+          <a:chExt cx="0" cy="0"/>
+        </a:xfrm>
+      </p:grpSpPr>
+      <p:sp>
+        <p:nvSpPr>
+          <p:cNvPr id="2" name="Slide Image Placeholder 1"/>
+          <p:cNvSpPr>
+            <a:spLocks noGrp="1" noRot="1" noChangeAspect="1"/>
+          </p:cNvSpPr>
+          <p:nvPr>
+            <p:ph type="sldImg"/>
+          </p:nvPr>
+        </p:nvSpPr>
+        <p:spPr/>
+      </p:sp>
+      <p:sp>
+        <p:nvSpPr>
+          <p:cNvPr id="3" name="Notes Placeholder 2"/>
+          <p:cNvSpPr>
+            <a:spLocks noGrp="1"/>
+          </p:cNvSpPr>
+          <p:nvPr>
+            <p:ph type="body" idx="1"/>
+          </p:nvPr>
+        </p:nvSpPr>
+        <p:spPr/>
+        <p:txBody>
+          <a:bodyPr/>
+          <a:lstStyle/>
+          <a:p>
+            <a:r>
+              <a:rPr lang="en-US" sz="1200" dirty="0">
+                <a:latin typeface="Monaco" pitchFamily="2" charset="77"/>
+              </a:rPr>
+              <a:t>How to find a kitty if I only know </a:t>
+            </a:r>
+            <a:r>
+              <a:rPr lang="en-US" sz="1200" dirty="0" err="1">
+                <a:latin typeface="Monaco" pitchFamily="2" charset="77"/>
+              </a:rPr>
+              <a:t>KittyId</a:t>
+            </a:r>
+            <a:r>
+              <a:rPr lang="en-US" sz="1200" dirty="0">
+                <a:latin typeface="Monaco" pitchFamily="2" charset="77"/>
+              </a:rPr>
+              <a:t>?</a:t>
+            </a:r>
+          </a:p>
+          <a:p>
+            <a:endParaRPr lang="en-US" dirty="0"/>
+          </a:p>
+        </p:txBody>
+      </p:sp>
+      <p:sp>
+        <p:nvSpPr>
+          <p:cNvPr id="4" name="Slide Number Placeholder 3"/>
+          <p:cNvSpPr>
+            <a:spLocks noGrp="1"/>
+          </p:cNvSpPr>
+          <p:nvPr>
+            <p:ph type="sldNum" sz="quarter" idx="5"/>
+          </p:nvPr>
+        </p:nvSpPr>
+        <p:spPr/>
+        <p:txBody>
+          <a:bodyPr/>
+          <a:lstStyle/>
+          <a:p>
+            <a:fld id="{6263A4BE-7538-8748-ADF5-B8AF2173E2B2}" type="slidenum">
+              <a:rPr lang="en-US" smtClean="0"/>
+              <a:t>10</a:t>
+            </a:fld>
+            <a:endParaRPr lang="en-US"/>
+          </a:p>
+        </p:txBody>
+      </p:sp>
+    </p:spTree>
+    <p:extLst>
+      <p:ext uri="{BB962C8B-B14F-4D97-AF65-F5344CB8AC3E}">
+        <p14:creationId xmlns:p14="http://schemas.microsoft.com/office/powerpoint/2010/main" val="84045281"/>
+      </p:ext>
+    </p:extLst>
+  </p:cSld>
+  <p:clrMapOvr>
+    <a:masterClrMapping/>
+  </p:clrMapOvr>
+</p:notes>
+</file>
+
+<file path=ppt/notesSlides/notesSlide4.xml><?xml version="1.0" encoding="utf-8"?>
+<p:notes xmlns:a="http://schemas.openxmlformats.org/drawingml/2006/main" xmlns:r="http://schemas.openxmlformats.org/officeDocument/2006/relationships" xmlns:p="http://schemas.openxmlformats.org/presentationml/2006/main">
+  <p:cSld>
+    <p:spTree>
+      <p:nvGrpSpPr>
+        <p:cNvPr id="1" name=""/>
+        <p:cNvGrpSpPr/>
+        <p:nvPr/>
+      </p:nvGrpSpPr>
+      <p:grpSpPr>
+        <a:xfrm>
+          <a:off x="0" y="0"/>
+          <a:ext cx="0" cy="0"/>
+          <a:chOff x="0" y="0"/>
+          <a:chExt cx="0" cy="0"/>
+        </a:xfrm>
+      </p:grpSpPr>
+      <p:sp>
+        <p:nvSpPr>
+          <p:cNvPr id="2" name="Slide Image Placeholder 1"/>
+          <p:cNvSpPr>
+            <a:spLocks noGrp="1" noRot="1" noChangeAspect="1"/>
+          </p:cNvSpPr>
+          <p:nvPr>
+            <p:ph type="sldImg"/>
+          </p:nvPr>
+        </p:nvSpPr>
+        <p:spPr/>
+      </p:sp>
+      <p:sp>
+        <p:nvSpPr>
+          <p:cNvPr id="3" name="Notes Placeholder 2"/>
+          <p:cNvSpPr>
+            <a:spLocks noGrp="1"/>
+          </p:cNvSpPr>
+          <p:nvPr>
+            <p:ph type="body" idx="1"/>
+          </p:nvPr>
+        </p:nvSpPr>
+        <p:spPr/>
+        <p:txBody>
+          <a:bodyPr/>
+          <a:lstStyle/>
+          <a:p>
+            <a:endParaRPr lang="en-US" dirty="0"/>
+          </a:p>
+        </p:txBody>
+      </p:sp>
+      <p:sp>
+        <p:nvSpPr>
+          <p:cNvPr id="4" name="Slide Number Placeholder 3"/>
+          <p:cNvSpPr>
+            <a:spLocks noGrp="1"/>
+          </p:cNvSpPr>
+          <p:nvPr>
+            <p:ph type="sldNum" sz="quarter" idx="5"/>
+          </p:nvPr>
+        </p:nvSpPr>
+        <p:spPr/>
+        <p:txBody>
+          <a:bodyPr/>
+          <a:lstStyle/>
+          <a:p>
+            <a:fld id="{6263A4BE-7538-8748-ADF5-B8AF2173E2B2}" type="slidenum">
+              <a:rPr lang="en-US" smtClean="0"/>
+              <a:t>17</a:t>
             </a:fld>
             <a:endParaRPr lang="en-US"/>
           </a:p>
@@ -778,7 +1051,7 @@
             <a:fld id="{B61BEF0D-F0BB-DE4B-95CE-6DB70DBA9567}" type="datetimeFigureOut">
               <a:rPr lang="en-US" dirty="0"/>
               <a:pPr/>
-              <a:t>1/20/21</a:t>
+              <a:t>3/7/21</a:t>
             </a:fld>
             <a:endParaRPr lang="en-US" dirty="0"/>
           </a:p>
@@ -1066,7 +1339,7 @@
             <a:fld id="{B61BEF0D-F0BB-DE4B-95CE-6DB70DBA9567}" type="datetimeFigureOut">
               <a:rPr lang="en-US" dirty="0"/>
               <a:pPr/>
-              <a:t>1/20/21</a:t>
+              <a:t>3/7/21</a:t>
             </a:fld>
             <a:endParaRPr lang="en-US" dirty="0"/>
           </a:p>
@@ -1322,7 +1595,7 @@
             <a:fld id="{B61BEF0D-F0BB-DE4B-95CE-6DB70DBA9567}" type="datetimeFigureOut">
               <a:rPr lang="en-US" dirty="0"/>
               <a:pPr/>
-              <a:t>1/20/21</a:t>
+              <a:t>3/7/21</a:t>
             </a:fld>
             <a:endParaRPr lang="en-US" dirty="0"/>
           </a:p>
@@ -1788,7 +2061,7 @@
             <a:fld id="{B61BEF0D-F0BB-DE4B-95CE-6DB70DBA9567}" type="datetimeFigureOut">
               <a:rPr lang="en-US" dirty="0"/>
               <a:pPr/>
-              <a:t>1/20/21</a:t>
+              <a:t>3/7/21</a:t>
             </a:fld>
             <a:endParaRPr lang="en-US" dirty="0"/>
           </a:p>
@@ -1965,7 +2238,7 @@
             <a:fld id="{B61BEF0D-F0BB-DE4B-95CE-6DB70DBA9567}" type="datetimeFigureOut">
               <a:rPr lang="en-US" dirty="0"/>
               <a:pPr/>
-              <a:t>1/20/21</a:t>
+              <a:t>3/7/21</a:t>
             </a:fld>
             <a:endParaRPr lang="en-US" dirty="0"/>
           </a:p>
@@ -2538,7 +2811,7 @@
             <a:fld id="{B61BEF0D-F0BB-DE4B-95CE-6DB70DBA9567}" type="datetimeFigureOut">
               <a:rPr lang="en-US" dirty="0"/>
               <a:pPr/>
-              <a:t>1/20/21</a:t>
+              <a:t>3/7/21</a:t>
             </a:fld>
             <a:endParaRPr lang="en-US" dirty="0"/>
           </a:p>
@@ -2867,7 +3140,7 @@
             <a:fld id="{B61BEF0D-F0BB-DE4B-95CE-6DB70DBA9567}" type="datetimeFigureOut">
               <a:rPr lang="en-US" dirty="0"/>
               <a:pPr/>
-              <a:t>1/20/21</a:t>
+              <a:t>3/7/21</a:t>
             </a:fld>
             <a:endParaRPr lang="en-US" dirty="0"/>
           </a:p>
@@ -3039,7 +3312,7 @@
             <a:fld id="{B61BEF0D-F0BB-DE4B-95CE-6DB70DBA9567}" type="datetimeFigureOut">
               <a:rPr lang="en-US" dirty="0"/>
               <a:pPr/>
-              <a:t>1/20/21</a:t>
+              <a:t>3/7/21</a:t>
             </a:fld>
             <a:endParaRPr lang="en-US" dirty="0"/>
           </a:p>
@@ -3216,7 +3489,7 @@
             <a:fld id="{B61BEF0D-F0BB-DE4B-95CE-6DB70DBA9567}" type="datetimeFigureOut">
               <a:rPr lang="en-US" dirty="0"/>
               <a:pPr/>
-              <a:t>1/20/21</a:t>
+              <a:t>3/7/21</a:t>
             </a:fld>
             <a:endParaRPr lang="en-US" dirty="0"/>
           </a:p>
@@ -3383,7 +3656,7 @@
             <a:fld id="{B61BEF0D-F0BB-DE4B-95CE-6DB70DBA9567}" type="datetimeFigureOut">
               <a:rPr lang="en-US" dirty="0"/>
               <a:pPr/>
-              <a:t>1/20/21</a:t>
+              <a:t>3/7/21</a:t>
             </a:fld>
             <a:endParaRPr lang="en-US" dirty="0"/>
           </a:p>
@@ -3637,7 +3910,7 @@
             <a:fld id="{B61BEF0D-F0BB-DE4B-95CE-6DB70DBA9567}" type="datetimeFigureOut">
               <a:rPr lang="en-US" dirty="0"/>
               <a:pPr/>
-              <a:t>1/20/21</a:t>
+              <a:t>3/7/21</a:t>
             </a:fld>
             <a:endParaRPr lang="en-US" dirty="0"/>
           </a:p>
@@ -3926,7 +4199,7 @@
             <a:fld id="{B61BEF0D-F0BB-DE4B-95CE-6DB70DBA9567}" type="datetimeFigureOut">
               <a:rPr lang="en-US" dirty="0"/>
               <a:pPr/>
-              <a:t>1/20/21</a:t>
+              <a:t>3/7/21</a:t>
             </a:fld>
             <a:endParaRPr lang="en-US" dirty="0"/>
           </a:p>
@@ -4353,7 +4626,7 @@
             <a:fld id="{B61BEF0D-F0BB-DE4B-95CE-6DB70DBA9567}" type="datetimeFigureOut">
               <a:rPr lang="en-US" dirty="0"/>
               <a:pPr/>
-              <a:t>1/20/21</a:t>
+              <a:t>3/7/21</a:t>
             </a:fld>
             <a:endParaRPr lang="en-US" dirty="0"/>
           </a:p>
@@ -4468,7 +4741,7 @@
             <a:fld id="{B61BEF0D-F0BB-DE4B-95CE-6DB70DBA9567}" type="datetimeFigureOut">
               <a:rPr lang="en-US" dirty="0"/>
               <a:pPr/>
-              <a:t>1/20/21</a:t>
+              <a:t>3/7/21</a:t>
             </a:fld>
             <a:endParaRPr lang="en-US" dirty="0"/>
           </a:p>
@@ -4560,7 +4833,7 @@
             <a:fld id="{B61BEF0D-F0BB-DE4B-95CE-6DB70DBA9567}" type="datetimeFigureOut">
               <a:rPr lang="en-US" dirty="0"/>
               <a:pPr/>
-              <a:t>1/20/21</a:t>
+              <a:t>3/7/21</a:t>
             </a:fld>
             <a:endParaRPr lang="en-US" dirty="0"/>
           </a:p>
@@ -4840,7 +5113,7 @@
             <a:fld id="{B61BEF0D-F0BB-DE4B-95CE-6DB70DBA9567}" type="datetimeFigureOut">
               <a:rPr lang="en-US" dirty="0"/>
               <a:pPr/>
-              <a:t>1/20/21</a:t>
+              <a:t>3/7/21</a:t>
             </a:fld>
             <a:endParaRPr lang="en-US" dirty="0"/>
           </a:p>
@@ -5128,7 +5401,7 @@
             <a:fld id="{B61BEF0D-F0BB-DE4B-95CE-6DB70DBA9567}" type="datetimeFigureOut">
               <a:rPr lang="en-US" dirty="0"/>
               <a:pPr/>
-              <a:t>1/20/21</a:t>
+              <a:t>3/7/21</a:t>
             </a:fld>
             <a:endParaRPr lang="en-US" dirty="0"/>
           </a:p>
@@ -5356,7 +5629,7 @@
             <a:fld id="{B61BEF0D-F0BB-DE4B-95CE-6DB70DBA9567}" type="datetimeFigureOut">
               <a:rPr lang="en-US" dirty="0"/>
               <a:pPr/>
-              <a:t>1/20/21</a:t>
+              <a:t>3/7/21</a:t>
             </a:fld>
             <a:endParaRPr lang="en-US" dirty="0"/>
           </a:p>
@@ -6282,47 +6555,10 @@
       </p:grpSpPr>
       <p:sp>
         <p:nvSpPr>
-          <p:cNvPr id="2" name="Title 1">
+          <p:cNvPr id="2" name="TextBox 1">
             <a:extLst>
               <a:ext uri="{FF2B5EF4-FFF2-40B4-BE49-F238E27FC236}">
-                <a16:creationId xmlns:a16="http://schemas.microsoft.com/office/drawing/2014/main" id="{FC5F89FD-1E4F-3144-A76A-2AB49E146C37}"/>
-              </a:ext>
-            </a:extLst>
-          </p:cNvPr>
-          <p:cNvSpPr>
-            <a:spLocks noGrp="1"/>
-          </p:cNvSpPr>
-          <p:nvPr>
-            <p:ph type="title"/>
-          </p:nvPr>
-        </p:nvSpPr>
-        <p:spPr/>
-        <p:txBody>
-          <a:bodyPr/>
-          <a:lstStyle/>
-          <a:p>
-            <a:r>
-              <a:rPr lang="en-US" altLang="zh-CN" cap="none" dirty="0"/>
-              <a:t>Debug</a:t>
-            </a:r>
-            <a:r>
-              <a:rPr lang="zh-CN" altLang="en-US" cap="none" dirty="0"/>
-              <a:t> </a:t>
-            </a:r>
-            <a:r>
-              <a:rPr lang="en-US" altLang="zh-CN" cap="none" dirty="0" err="1"/>
-              <a:t>polkadot-api</a:t>
-            </a:r>
-            <a:endParaRPr lang="en-US" cap="none" dirty="0"/>
-          </a:p>
-        </p:txBody>
-      </p:sp>
-      <p:sp>
-        <p:nvSpPr>
-          <p:cNvPr id="3" name="TextBox 2">
-            <a:extLst>
-              <a:ext uri="{FF2B5EF4-FFF2-40B4-BE49-F238E27FC236}">
-                <a16:creationId xmlns:a16="http://schemas.microsoft.com/office/drawing/2014/main" id="{8CCA5926-31ED-BE4B-860A-D927144CF86D}"/>
+                <a16:creationId xmlns:a16="http://schemas.microsoft.com/office/drawing/2014/main" id="{BFCD9749-2155-D546-90E6-AF8A35946B82}"/>
               </a:ext>
             </a:extLst>
           </p:cNvPr>
@@ -6331,8 +6567,8 @@
         </p:nvSpPr>
         <p:spPr>
           <a:xfrm>
-            <a:off x="1242391" y="2852530"/>
-            <a:ext cx="3958135" cy="584775"/>
+            <a:off x="685800" y="905607"/>
+            <a:ext cx="2792752" cy="584775"/>
           </a:xfrm>
           <a:prstGeom prst="rect">
             <a:avLst/>
@@ -6347,28 +6583,151 @@
           <a:p>
             <a:r>
               <a:rPr lang="en-US" altLang="zh-CN" sz="3200" dirty="0"/>
-              <a:t>env</a:t>
+              <a:t>Query</a:t>
             </a:r>
             <a:r>
               <a:rPr lang="zh-CN" altLang="en-US" sz="3200" dirty="0"/>
               <a:t> </a:t>
             </a:r>
             <a:r>
-              <a:rPr lang="en-US" sz="3200" dirty="0"/>
-              <a:t>DEBUG=</a:t>
-            </a:r>
-            <a:r>
-              <a:rPr lang="en-US" sz="3200" dirty="0" err="1"/>
-              <a:t>api-ws</a:t>
+              <a:rPr lang="en-US" altLang="zh-CN" sz="3200" dirty="0"/>
+              <a:t>Kittens</a:t>
             </a:r>
             <a:endParaRPr lang="en-US" sz="3200" dirty="0"/>
+          </a:p>
+        </p:txBody>
+      </p:sp>
+      <p:sp>
+        <p:nvSpPr>
+          <p:cNvPr id="3" name="TextBox 2">
+            <a:extLst>
+              <a:ext uri="{FF2B5EF4-FFF2-40B4-BE49-F238E27FC236}">
+                <a16:creationId xmlns:a16="http://schemas.microsoft.com/office/drawing/2014/main" id="{145278CD-949D-D54C-8104-9D24119E952F}"/>
+              </a:ext>
+            </a:extLst>
+          </p:cNvPr>
+          <p:cNvSpPr txBox="1"/>
+          <p:nvPr/>
+        </p:nvSpPr>
+        <p:spPr>
+          <a:xfrm>
+            <a:off x="1503485" y="2233246"/>
+            <a:ext cx="5089855" cy="2930610"/>
+          </a:xfrm>
+          <a:prstGeom prst="rect">
+            <a:avLst/>
+          </a:prstGeom>
+          <a:noFill/>
+        </p:spPr>
+        <p:txBody>
+          <a:bodyPr wrap="none" rtlCol="0">
+            <a:spAutoFit/>
+          </a:bodyPr>
+          <a:lstStyle/>
+          <a:p>
+            <a:pPr marL="342900" indent="-342900">
+              <a:lnSpc>
+                <a:spcPct val="200000"/>
+              </a:lnSpc>
+              <a:buAutoNum type="arabicPeriod"/>
+            </a:pPr>
+            <a:r>
+              <a:rPr lang="en-US" altLang="zh-CN" sz="2400" dirty="0"/>
+              <a:t>Direct</a:t>
+            </a:r>
+            <a:r>
+              <a:rPr lang="zh-CN" altLang="en-US" sz="2400" dirty="0"/>
+              <a:t> </a:t>
+            </a:r>
+            <a:r>
+              <a:rPr lang="en-US" altLang="zh-CN" sz="2400" dirty="0"/>
+              <a:t>storage</a:t>
+            </a:r>
+            <a:r>
+              <a:rPr lang="zh-CN" altLang="en-US" sz="2400" dirty="0"/>
+              <a:t> </a:t>
+            </a:r>
+            <a:r>
+              <a:rPr lang="en-US" altLang="zh-CN" sz="2400" dirty="0"/>
+              <a:t>query</a:t>
+            </a:r>
+          </a:p>
+          <a:p>
+            <a:pPr marL="342900" indent="-342900">
+              <a:lnSpc>
+                <a:spcPct val="200000"/>
+              </a:lnSpc>
+              <a:buAutoNum type="arabicPeriod"/>
+            </a:pPr>
+            <a:r>
+              <a:rPr lang="en-US" altLang="zh-CN" sz="2400" dirty="0"/>
+              <a:t>Derived</a:t>
+            </a:r>
+            <a:r>
+              <a:rPr lang="zh-CN" altLang="en-US" sz="2400" dirty="0"/>
+              <a:t> </a:t>
+            </a:r>
+            <a:r>
+              <a:rPr lang="en-US" altLang="zh-CN" sz="2400" dirty="0"/>
+              <a:t>queries</a:t>
+            </a:r>
+          </a:p>
+          <a:p>
+            <a:pPr marL="342900" indent="-342900">
+              <a:lnSpc>
+                <a:spcPct val="200000"/>
+              </a:lnSpc>
+              <a:buAutoNum type="arabicPeriod"/>
+            </a:pPr>
+            <a:r>
+              <a:rPr lang="en-US" altLang="zh-CN" sz="2400" dirty="0"/>
+              <a:t>Indexed</a:t>
+            </a:r>
+            <a:r>
+              <a:rPr lang="zh-CN" altLang="en-US" sz="2400" dirty="0"/>
+              <a:t> </a:t>
+            </a:r>
+            <a:r>
+              <a:rPr lang="en-US" altLang="zh-CN" sz="2400" dirty="0"/>
+              <a:t>queries</a:t>
+            </a:r>
+            <a:r>
+              <a:rPr lang="zh-CN" altLang="en-US" sz="2400" dirty="0"/>
+              <a:t>   </a:t>
+            </a:r>
+            <a:r>
+              <a:rPr lang="en-US" altLang="zh-CN" sz="2400" dirty="0"/>
+              <a:t>-</a:t>
+            </a:r>
+            <a:r>
+              <a:rPr lang="zh-CN" altLang="en-US" sz="2400" dirty="0"/>
+              <a:t>  </a:t>
+            </a:r>
+            <a:r>
+              <a:rPr lang="en-US" altLang="zh-CN" sz="2400" dirty="0"/>
+              <a:t>Subquery</a:t>
+            </a:r>
+            <a:r>
+              <a:rPr lang="zh-CN" altLang="en-US" sz="2400" dirty="0"/>
+              <a:t> ™️</a:t>
+            </a:r>
+            <a:endParaRPr lang="en-US" altLang="zh-CN" sz="2400" dirty="0"/>
+          </a:p>
+          <a:p>
+            <a:pPr marL="342900" indent="-342900">
+              <a:lnSpc>
+                <a:spcPct val="200000"/>
+              </a:lnSpc>
+              <a:buAutoNum type="arabicPeriod"/>
+            </a:pPr>
+            <a:endParaRPr lang="en-US" sz="2400" dirty="0"/>
           </a:p>
         </p:txBody>
       </p:sp>
     </p:spTree>
     <p:extLst>
       <p:ext uri="{BB962C8B-B14F-4D97-AF65-F5344CB8AC3E}">
-        <p14:creationId xmlns:p14="http://schemas.microsoft.com/office/powerpoint/2010/main" val="885771369"/>
+        <p14:creationId xmlns:p14="http://schemas.microsoft.com/office/powerpoint/2010/main" val="3489020483"/>
       </p:ext>
     </p:extLst>
   </p:cSld>
@@ -6400,7 +6759,7 @@
           <p:cNvPr id="2" name="Title 1">
             <a:extLst>
               <a:ext uri="{FF2B5EF4-FFF2-40B4-BE49-F238E27FC236}">
-                <a16:creationId xmlns:a16="http://schemas.microsoft.com/office/drawing/2014/main" id="{8F98DFF4-847C-334C-AD15-C502AB40423C}"/>
+                <a16:creationId xmlns:a16="http://schemas.microsoft.com/office/drawing/2014/main" id="{47494EEE-31B9-C44B-AA50-A3AAEA4C49C5}"/>
               </a:ext>
             </a:extLst>
           </p:cNvPr>
@@ -6413,17 +6772,54 @@
         </p:nvSpPr>
         <p:spPr>
           <a:xfrm>
-            <a:off x="1141413" y="609600"/>
-            <a:ext cx="9905998" cy="749643"/>
+            <a:off x="708927" y="584887"/>
+            <a:ext cx="9905998" cy="786713"/>
           </a:xfrm>
         </p:spPr>
         <p:txBody>
-          <a:bodyPr anchor="t"/>
+          <a:bodyPr anchor="t">
+            <a:normAutofit fontScale="90000"/>
+          </a:bodyPr>
           <a:lstStyle/>
           <a:p>
             <a:r>
+              <a:rPr lang="en-US" altLang="zh-CN" cap="none" dirty="0" err="1">
+                <a:latin typeface="Droid Sans Mono Dotted for Powe" panose="020B0609030804020204" pitchFamily="49" charset="0"/>
+                <a:ea typeface="Droid Sans Mono Dotted for Powe" panose="020B0609030804020204" pitchFamily="49" charset="0"/>
+                <a:cs typeface="Droid Sans Mono Dotted for Powe" panose="020B0609030804020204" pitchFamily="49" charset="0"/>
+              </a:rPr>
+              <a:t>api.query</a:t>
+            </a:r>
+            <a:r>
+              <a:rPr lang="en-US" altLang="zh-CN" cap="none" dirty="0">
+                <a:latin typeface="Droid Sans Mono Dotted for Powe" panose="020B0609030804020204" pitchFamily="49" charset="0"/>
+                <a:ea typeface="Droid Sans Mono Dotted for Powe" panose="020B0609030804020204" pitchFamily="49" charset="0"/>
+                <a:cs typeface="Droid Sans Mono Dotted for Powe" panose="020B0609030804020204" pitchFamily="49" charset="0"/>
+              </a:rPr>
+              <a:t>.</a:t>
+            </a:r>
+            <a:r>
+              <a:rPr lang="zh-CN" altLang="en-US" cap="none" dirty="0">
+                <a:latin typeface="Droid Sans Mono Dotted for Powe" panose="020B0609030804020204" pitchFamily="49" charset="0"/>
+                <a:cs typeface="Droid Sans Mono Dotted for Powe" panose="020B0609030804020204" pitchFamily="49" charset="0"/>
+              </a:rPr>
+              <a:t>*</a:t>
+            </a:r>
+            <a:r>
+              <a:rPr lang="zh-CN" altLang="en-US" cap="none" dirty="0"/>
+              <a:t>  </a:t>
+            </a:r>
+            <a:r>
               <a:rPr lang="en-US" altLang="zh-CN" cap="none" dirty="0"/>
-              <a:t>Difference</a:t>
+              <a:t>-</a:t>
+            </a:r>
+            <a:r>
+              <a:rPr lang="zh-CN" altLang="en-US" dirty="0"/>
+              <a:t>  </a:t>
+            </a:r>
+            <a:r>
+              <a:rPr lang="en-US" altLang="zh-CN" cap="none" dirty="0"/>
+              <a:t>Storage</a:t>
             </a:r>
             <a:r>
               <a:rPr lang="zh-CN" altLang="en-US" cap="none" dirty="0"/>
@@ -6431,42 +6827,21 @@
             </a:r>
             <a:r>
               <a:rPr lang="en-US" altLang="zh-CN" cap="none" dirty="0"/>
-              <a:t>between</a:t>
-            </a:r>
-            <a:r>
-              <a:rPr lang="zh-CN" altLang="en-US" cap="none" dirty="0"/>
-              <a:t> </a:t>
-            </a:r>
-            <a:r>
-              <a:rPr lang="en-US" altLang="zh-CN" cap="none" dirty="0" err="1"/>
-              <a:t>WsProvider</a:t>
-            </a:r>
-            <a:r>
-              <a:rPr lang="zh-CN" altLang="en-US" cap="none" dirty="0"/>
-              <a:t> </a:t>
-            </a:r>
-            <a:r>
-              <a:rPr lang="en-US" altLang="zh-CN" cap="none" dirty="0"/>
-              <a:t>and</a:t>
-            </a:r>
-            <a:r>
-              <a:rPr lang="zh-CN" altLang="en-US" cap="none" dirty="0"/>
-              <a:t> </a:t>
-            </a:r>
-            <a:r>
-              <a:rPr lang="en-US" altLang="zh-CN" cap="none" dirty="0" err="1"/>
-              <a:t>HttpProvider</a:t>
-            </a:r>
+              <a:t>queries</a:t>
+            </a:r>
+            <a:br>
+              <a:rPr lang="en-US" dirty="0"/>
+            </a:br>
             <a:endParaRPr lang="en-US" cap="none" dirty="0"/>
           </a:p>
         </p:txBody>
       </p:sp>
       <p:sp>
         <p:nvSpPr>
-          <p:cNvPr id="5" name="TextBox 4">
+          <p:cNvPr id="3" name="TextBox 2">
             <a:extLst>
               <a:ext uri="{FF2B5EF4-FFF2-40B4-BE49-F238E27FC236}">
-                <a16:creationId xmlns:a16="http://schemas.microsoft.com/office/drawing/2014/main" id="{E687B83B-0E23-0545-B3E7-54ABE94E198B}"/>
+                <a16:creationId xmlns:a16="http://schemas.microsoft.com/office/drawing/2014/main" id="{B3B28341-5690-F846-B444-FAB1FC4AD125}"/>
               </a:ext>
             </a:extLst>
           </p:cNvPr>
@@ -6475,18 +6850,13 @@
         </p:nvSpPr>
         <p:spPr>
           <a:xfrm>
-            <a:off x="1141413" y="1359243"/>
-            <a:ext cx="4952999" cy="4524315"/>
+            <a:off x="708927" y="1460845"/>
+            <a:ext cx="9028197" cy="3046988"/>
           </a:xfrm>
           <a:prstGeom prst="rect">
             <a:avLst/>
           </a:prstGeom>
           <a:noFill/>
-          <a:ln w="25400">
-            <a:solidFill>
-              <a:schemeClr val="accent1"/>
-            </a:solidFill>
-          </a:ln>
         </p:spPr>
         <p:txBody>
           <a:bodyPr wrap="square" rtlCol="0">
@@ -6495,611 +6865,359 @@
           <a:lstStyle/>
           <a:p>
             <a:r>
-              <a:rPr lang="en-US" altLang="zh-CN" dirty="0" err="1"/>
-              <a:t>WsProvider</a:t>
-            </a:r>
-            <a:endParaRPr lang="en-US" altLang="zh-CN" dirty="0"/>
-          </a:p>
-          <a:p>
-            <a:endParaRPr lang="en-US" altLang="zh-CN" dirty="0"/>
-          </a:p>
-          <a:p>
-            <a:r>
-              <a:rPr lang="en-US" altLang="zh-CN" dirty="0"/>
+              <a:rPr lang="en-US" altLang="zh-CN" sz="2800" dirty="0"/>
+              <a:t>Some</a:t>
+            </a:r>
+            <a:r>
+              <a:rPr lang="zh-CN" altLang="en-US" sz="2800" dirty="0"/>
+              <a:t> </a:t>
+            </a:r>
+            <a:r>
+              <a:rPr lang="en-US" altLang="zh-CN" sz="2800" dirty="0"/>
+              <a:t>tips</a:t>
+            </a:r>
+            <a:r>
+              <a:rPr lang="zh-CN" altLang="en-US" sz="2800" dirty="0"/>
+              <a:t> </a:t>
+            </a:r>
+            <a:r>
+              <a:rPr lang="en-US" altLang="zh-CN" sz="2800" dirty="0"/>
+              <a:t>(</a:t>
+            </a:r>
+            <a:r>
+              <a:rPr lang="en-US" altLang="zh-CN" sz="2800" dirty="0" err="1"/>
+              <a:t>api.query</a:t>
+            </a:r>
+            <a:r>
+              <a:rPr lang="en-US" altLang="zh-CN" sz="2800" dirty="0"/>
               <a:t>.</a:t>
             </a:r>
             <a:r>
-              <a:rPr lang="en-US" altLang="zh-CN" dirty="0" err="1"/>
-              <a:t>hasSubscriptions</a:t>
-            </a:r>
-            <a:r>
-              <a:rPr lang="zh-CN" altLang="en-US" dirty="0"/>
-              <a:t>    </a:t>
-            </a:r>
-            <a:r>
-              <a:rPr lang="en-US" altLang="zh-CN" dirty="0"/>
-              <a:t>=&gt;</a:t>
-            </a:r>
-            <a:r>
-              <a:rPr lang="zh-CN" altLang="en-US" dirty="0"/>
-              <a:t>      </a:t>
-            </a:r>
-            <a:r>
-              <a:rPr lang="en-US" altLang="zh-CN" dirty="0"/>
-              <a:t>true</a:t>
-            </a:r>
-            <a:endParaRPr lang="en-US" dirty="0"/>
-          </a:p>
-          <a:p>
-            <a:endParaRPr lang="en-US" dirty="0"/>
-          </a:p>
-          <a:p>
-            <a:r>
-              <a:rPr lang="en-US" altLang="zh-CN" dirty="0"/>
-              <a:t>.query</a:t>
-            </a:r>
-            <a:r>
-              <a:rPr lang="zh-CN" altLang="en-US" dirty="0"/>
+              <a:rPr lang="zh-CN" altLang="en-US" sz="2800" dirty="0"/>
+              <a:t>*</a:t>
+            </a:r>
+            <a:r>
+              <a:rPr lang="en-US" altLang="zh-CN" sz="2800" dirty="0"/>
+              <a:t>.</a:t>
+            </a:r>
+            <a:r>
+              <a:rPr lang="zh-CN" altLang="en-US" sz="2800" dirty="0"/>
+              <a:t>*</a:t>
+            </a:r>
+            <a:r>
+              <a:rPr lang="en-US" altLang="zh-CN" sz="2800" dirty="0"/>
+              <a:t>):</a:t>
+            </a:r>
+          </a:p>
+          <a:p>
+            <a:r>
+              <a:rPr lang="en-US" altLang="zh-CN" sz="2800" dirty="0"/>
+              <a:t>#</a:t>
+            </a:r>
+            <a:r>
+              <a:rPr lang="zh-CN" altLang="en-US" sz="2800" dirty="0"/>
               <a:t> </a:t>
             </a:r>
             <a:r>
-              <a:rPr lang="en-US" altLang="zh-CN" dirty="0"/>
-              <a:t>callback</a:t>
-            </a:r>
-            <a:r>
-              <a:rPr lang="zh-CN" altLang="en-US" dirty="0"/>
-              <a:t>      </a:t>
-            </a:r>
-            <a:r>
-              <a:rPr lang="en-US" altLang="zh-CN" dirty="0"/>
-              <a:t>=&gt;</a:t>
-            </a:r>
-            <a:r>
-              <a:rPr lang="zh-CN" altLang="en-US" dirty="0"/>
-              <a:t>      </a:t>
-            </a:r>
-            <a:r>
-              <a:rPr lang="en-US" altLang="zh-CN" dirty="0"/>
-              <a:t>trigger</a:t>
-            </a:r>
-            <a:r>
-              <a:rPr lang="zh-CN" altLang="en-US" dirty="0"/>
+              <a:rPr lang="en-US" altLang="zh-CN" sz="2800" dirty="0"/>
+              <a:t>query</a:t>
+            </a:r>
+            <a:r>
+              <a:rPr lang="zh-CN" altLang="en-US" sz="2800" dirty="0"/>
               <a:t> </a:t>
             </a:r>
             <a:r>
-              <a:rPr lang="en-US" altLang="zh-CN" dirty="0"/>
-              <a:t>times</a:t>
-            </a:r>
-            <a:r>
-              <a:rPr lang="zh-CN" altLang="en-US" dirty="0"/>
+              <a:rPr lang="en-US" altLang="zh-CN" sz="2800" dirty="0"/>
+              <a:t>historical</a:t>
+            </a:r>
+            <a:r>
+              <a:rPr lang="zh-CN" altLang="en-US" sz="2800" dirty="0"/>
               <a:t> </a:t>
             </a:r>
             <a:r>
-              <a:rPr lang="en-US" altLang="zh-CN" dirty="0"/>
-              <a:t>&gt;=</a:t>
-            </a:r>
-            <a:r>
-              <a:rPr lang="zh-CN" altLang="en-US" dirty="0"/>
+              <a:rPr lang="en-US" altLang="zh-CN" sz="2800" dirty="0"/>
+              <a:t>states</a:t>
+            </a:r>
+            <a:endParaRPr lang="en-NZ" sz="2800" dirty="0"/>
+          </a:p>
+          <a:p>
+            <a:r>
+              <a:rPr lang="zh-CN" altLang="en-US" sz="2800" dirty="0">
+                <a:latin typeface="Droid Sans Mono Dotted for Powe" panose="020B0609030804020204" pitchFamily="49" charset="0"/>
+                <a:ea typeface="Droid Sans Mono Dotted for Powe" panose="020B0609030804020204" pitchFamily="49" charset="0"/>
+                <a:cs typeface="Droid Sans Mono Dotted for Powe" panose="020B0609030804020204" pitchFamily="49" charset="0"/>
+              </a:rPr>
+              <a:t>  </a:t>
+            </a:r>
+            <a:r>
+              <a:rPr lang="en-US" altLang="zh-CN" sz="2400" dirty="0">
+                <a:latin typeface="Droid Sans Mono Dotted for Powe" panose="020B0609030804020204" pitchFamily="49" charset="0"/>
+                <a:ea typeface="Droid Sans Mono Dotted for Powe" panose="020B0609030804020204" pitchFamily="49" charset="0"/>
+                <a:cs typeface="Droid Sans Mono Dotted for Powe" panose="020B0609030804020204" pitchFamily="49" charset="0"/>
+              </a:rPr>
+              <a:t>.at(hash: Hash, arg1?: </a:t>
+            </a:r>
+            <a:r>
+              <a:rPr lang="en-US" altLang="zh-CN" sz="2400" dirty="0" err="1">
+                <a:latin typeface="Droid Sans Mono Dotted for Powe" panose="020B0609030804020204" pitchFamily="49" charset="0"/>
+                <a:ea typeface="Droid Sans Mono Dotted for Powe" panose="020B0609030804020204" pitchFamily="49" charset="0"/>
+                <a:cs typeface="Droid Sans Mono Dotted for Powe" panose="020B0609030804020204" pitchFamily="49" charset="0"/>
+              </a:rPr>
+              <a:t>Arg</a:t>
+            </a:r>
+            <a:r>
+              <a:rPr lang="en-US" altLang="zh-CN" sz="2400" dirty="0">
+                <a:latin typeface="Droid Sans Mono Dotted for Powe" panose="020B0609030804020204" pitchFamily="49" charset="0"/>
+                <a:ea typeface="Droid Sans Mono Dotted for Powe" panose="020B0609030804020204" pitchFamily="49" charset="0"/>
+                <a:cs typeface="Droid Sans Mono Dotted for Powe" panose="020B0609030804020204" pitchFamily="49" charset="0"/>
+              </a:rPr>
+              <a:t>, arg2?: </a:t>
+            </a:r>
+            <a:r>
+              <a:rPr lang="en-US" altLang="zh-CN" sz="2400" dirty="0" err="1">
+                <a:latin typeface="Droid Sans Mono Dotted for Powe" panose="020B0609030804020204" pitchFamily="49" charset="0"/>
+                <a:ea typeface="Droid Sans Mono Dotted for Powe" panose="020B0609030804020204" pitchFamily="49" charset="0"/>
+                <a:cs typeface="Droid Sans Mono Dotted for Powe" panose="020B0609030804020204" pitchFamily="49" charset="0"/>
+              </a:rPr>
+              <a:t>Arg</a:t>
+            </a:r>
+            <a:r>
+              <a:rPr lang="en-US" altLang="zh-CN" sz="2400" dirty="0">
+                <a:latin typeface="Droid Sans Mono Dotted for Powe" panose="020B0609030804020204" pitchFamily="49" charset="0"/>
+                <a:ea typeface="Droid Sans Mono Dotted for Powe" panose="020B0609030804020204" pitchFamily="49" charset="0"/>
+                <a:cs typeface="Droid Sans Mono Dotted for Powe" panose="020B0609030804020204" pitchFamily="49" charset="0"/>
+              </a:rPr>
+              <a:t>)</a:t>
+            </a:r>
+          </a:p>
+          <a:p>
+            <a:r>
+              <a:rPr lang="en-US" altLang="zh-CN" sz="2800" dirty="0"/>
+              <a:t>#</a:t>
+            </a:r>
+            <a:r>
+              <a:rPr lang="zh-CN" altLang="en-US" sz="2800" dirty="0"/>
               <a:t> </a:t>
             </a:r>
             <a:r>
-              <a:rPr lang="en-US" altLang="zh-CN" dirty="0"/>
-              <a:t>1</a:t>
-            </a:r>
-            <a:endParaRPr lang="en-US" dirty="0"/>
-          </a:p>
-          <a:p>
-            <a:endParaRPr lang="en-US" dirty="0"/>
-          </a:p>
-          <a:p>
-            <a:r>
-              <a:rPr lang="en-US" altLang="zh-CN" dirty="0"/>
-              <a:t>.</a:t>
-            </a:r>
-            <a:r>
-              <a:rPr lang="en-US" altLang="zh-CN" dirty="0" err="1"/>
-              <a:t>tx</a:t>
-            </a:r>
-            <a:r>
-              <a:rPr lang="zh-CN" altLang="en-US" dirty="0"/>
+              <a:rPr lang="en-US" altLang="zh-CN" sz="2800" dirty="0"/>
+              <a:t>get</a:t>
+            </a:r>
+            <a:r>
+              <a:rPr lang="zh-CN" altLang="en-US" sz="2800" dirty="0"/>
+              <a:t> </a:t>
+            </a:r>
+            <a:r>
+              <a:rPr lang="en-US" altLang="zh-CN" sz="2800" dirty="0"/>
+              <a:t>the</a:t>
+            </a:r>
+            <a:r>
+              <a:rPr lang="zh-CN" altLang="en-US" sz="2800" dirty="0"/>
+              <a:t> </a:t>
+            </a:r>
+            <a:r>
+              <a:rPr lang="en-US" altLang="zh-CN" sz="2800" dirty="0"/>
+              <a:t>storage</a:t>
+            </a:r>
+            <a:r>
+              <a:rPr lang="zh-CN" altLang="en-US" sz="2800" dirty="0"/>
+              <a:t> </a:t>
+            </a:r>
+            <a:r>
+              <a:rPr lang="en-US" altLang="zh-CN" sz="2800" dirty="0"/>
+              <a:t>key</a:t>
+            </a:r>
+            <a:r>
+              <a:rPr lang="zh-CN" altLang="en-US" sz="2800" dirty="0"/>
+              <a:t> </a:t>
+            </a:r>
+            <a:r>
+              <a:rPr lang="en-US" altLang="zh-CN" sz="2800" dirty="0"/>
+              <a:t>(not</a:t>
+            </a:r>
+            <a:r>
+              <a:rPr lang="zh-CN" altLang="en-US" sz="2800" dirty="0"/>
+              <a:t> </a:t>
+            </a:r>
+            <a:r>
+              <a:rPr lang="en-US" altLang="zh-CN" sz="2800" dirty="0"/>
+              <a:t>perform</a:t>
+            </a:r>
+            <a:r>
+              <a:rPr lang="zh-CN" altLang="en-US" sz="2800" dirty="0"/>
+              <a:t> </a:t>
+            </a:r>
+            <a:r>
+              <a:rPr lang="en-US" altLang="zh-CN" sz="2800" dirty="0"/>
+              <a:t>query)</a:t>
+            </a:r>
+            <a:endParaRPr lang="en-NZ" altLang="zh-CN" sz="2800" dirty="0"/>
+          </a:p>
+          <a:p>
+            <a:r>
+              <a:rPr lang="en-NZ" sz="2800" dirty="0"/>
+              <a:t>	</a:t>
+            </a:r>
+            <a:r>
+              <a:rPr lang="en-US" altLang="zh-CN" sz="2400" dirty="0">
+                <a:latin typeface="Droid Sans Mono Dotted for Powe" panose="020B0609030804020204" pitchFamily="49" charset="0"/>
+                <a:ea typeface="Droid Sans Mono Dotted for Powe" panose="020B0609030804020204" pitchFamily="49" charset="0"/>
+                <a:cs typeface="Droid Sans Mono Dotted for Powe" panose="020B0609030804020204" pitchFamily="49" charset="0"/>
+              </a:rPr>
+              <a:t>.key(</a:t>
+            </a:r>
+            <a:r>
+              <a:rPr lang="en-NZ" sz="2400" dirty="0">
+                <a:latin typeface="Droid Sans Mono Dotted for Powe" panose="020B0609030804020204" pitchFamily="49" charset="0"/>
+                <a:ea typeface="Droid Sans Mono Dotted for Powe" panose="020B0609030804020204" pitchFamily="49" charset="0"/>
+                <a:cs typeface="Droid Sans Mono Dotted for Powe" panose="020B0609030804020204" pitchFamily="49" charset="0"/>
+              </a:rPr>
+              <a:t>arg1?: </a:t>
+            </a:r>
+            <a:r>
+              <a:rPr lang="en-NZ" sz="2400" dirty="0" err="1">
+                <a:latin typeface="Droid Sans Mono Dotted for Powe" panose="020B0609030804020204" pitchFamily="49" charset="0"/>
+                <a:ea typeface="Droid Sans Mono Dotted for Powe" panose="020B0609030804020204" pitchFamily="49" charset="0"/>
+                <a:cs typeface="Droid Sans Mono Dotted for Powe" panose="020B0609030804020204" pitchFamily="49" charset="0"/>
+              </a:rPr>
+              <a:t>Arg</a:t>
+            </a:r>
+            <a:r>
+              <a:rPr lang="en-NZ" sz="2400" dirty="0">
+                <a:latin typeface="Droid Sans Mono Dotted for Powe" panose="020B0609030804020204" pitchFamily="49" charset="0"/>
+                <a:ea typeface="Droid Sans Mono Dotted for Powe" panose="020B0609030804020204" pitchFamily="49" charset="0"/>
+                <a:cs typeface="Droid Sans Mono Dotted for Powe" panose="020B0609030804020204" pitchFamily="49" charset="0"/>
+              </a:rPr>
+              <a:t>, arg2?: </a:t>
+            </a:r>
+            <a:r>
+              <a:rPr lang="en-NZ" sz="2400" dirty="0" err="1">
+                <a:latin typeface="Droid Sans Mono Dotted for Powe" panose="020B0609030804020204" pitchFamily="49" charset="0"/>
+                <a:ea typeface="Droid Sans Mono Dotted for Powe" panose="020B0609030804020204" pitchFamily="49" charset="0"/>
+                <a:cs typeface="Droid Sans Mono Dotted for Powe" panose="020B0609030804020204" pitchFamily="49" charset="0"/>
+              </a:rPr>
+              <a:t>Arg</a:t>
+            </a:r>
+            <a:r>
+              <a:rPr lang="en-US" altLang="zh-CN" sz="2400" dirty="0">
+                <a:latin typeface="Droid Sans Mono Dotted for Powe" panose="020B0609030804020204" pitchFamily="49" charset="0"/>
+                <a:ea typeface="Droid Sans Mono Dotted for Powe" panose="020B0609030804020204" pitchFamily="49" charset="0"/>
+                <a:cs typeface="Droid Sans Mono Dotted for Powe" panose="020B0609030804020204" pitchFamily="49" charset="0"/>
+              </a:rPr>
+              <a:t>)</a:t>
+            </a:r>
+          </a:p>
+          <a:p>
+            <a:r>
+              <a:rPr lang="en-US" altLang="zh-CN" sz="2400" dirty="0">
+                <a:latin typeface="Droid Sans Mono Dotted for Powe" panose="020B0609030804020204" pitchFamily="49" charset="0"/>
+                <a:ea typeface="Droid Sans Mono Dotted for Powe" panose="020B0609030804020204" pitchFamily="49" charset="0"/>
+                <a:cs typeface="Droid Sans Mono Dotted for Powe" panose="020B0609030804020204" pitchFamily="49" charset="0"/>
+              </a:rPr>
+              <a:t>#</a:t>
+            </a:r>
+            <a:r>
+              <a:rPr lang="zh-CN" altLang="en-US" sz="2400" dirty="0">
+                <a:latin typeface="Droid Sans Mono Dotted for Powe" panose="020B0609030804020204" pitchFamily="49" charset="0"/>
+                <a:ea typeface="Droid Sans Mono Dotted for Powe" panose="020B0609030804020204" pitchFamily="49" charset="0"/>
+                <a:cs typeface="Droid Sans Mono Dotted for Powe" panose="020B0609030804020204" pitchFamily="49" charset="0"/>
+              </a:rPr>
+              <a:t> </a:t>
+            </a:r>
+            <a:r>
+              <a:rPr lang="en-US" altLang="zh-CN" sz="2400" dirty="0">
+                <a:latin typeface="Droid Sans Mono Dotted for Powe" panose="020B0609030804020204" pitchFamily="49" charset="0"/>
+                <a:ea typeface="Droid Sans Mono Dotted for Powe" panose="020B0609030804020204" pitchFamily="49" charset="0"/>
+                <a:cs typeface="Droid Sans Mono Dotted for Powe" panose="020B0609030804020204" pitchFamily="49" charset="0"/>
+              </a:rPr>
+              <a:t>batch</a:t>
+            </a:r>
+            <a:r>
+              <a:rPr lang="zh-CN" altLang="en-US" sz="2400" dirty="0">
+                <a:latin typeface="Droid Sans Mono Dotted for Powe" panose="020B0609030804020204" pitchFamily="49" charset="0"/>
+                <a:ea typeface="Droid Sans Mono Dotted for Powe" panose="020B0609030804020204" pitchFamily="49" charset="0"/>
+                <a:cs typeface="Droid Sans Mono Dotted for Powe" panose="020B0609030804020204" pitchFamily="49" charset="0"/>
+              </a:rPr>
+              <a:t> </a:t>
+            </a:r>
+            <a:r>
+              <a:rPr lang="en-US" altLang="zh-CN" sz="2400" dirty="0">
+                <a:latin typeface="Droid Sans Mono Dotted for Powe" panose="020B0609030804020204" pitchFamily="49" charset="0"/>
+                <a:ea typeface="Droid Sans Mono Dotted for Powe" panose="020B0609030804020204" pitchFamily="49" charset="0"/>
+                <a:cs typeface="Droid Sans Mono Dotted for Powe" panose="020B0609030804020204" pitchFamily="49" charset="0"/>
+              </a:rPr>
+              <a:t>query</a:t>
+            </a:r>
+          </a:p>
+          <a:p>
+            <a:r>
+              <a:rPr lang="en-US" sz="2400" dirty="0">
+                <a:latin typeface="Droid Sans Mono Dotted for Powe" panose="020B0609030804020204" pitchFamily="49" charset="0"/>
+                <a:ea typeface="Droid Sans Mono Dotted for Powe" panose="020B0609030804020204" pitchFamily="49" charset="0"/>
+                <a:cs typeface="Droid Sans Mono Dotted for Powe" panose="020B0609030804020204" pitchFamily="49" charset="0"/>
+              </a:rPr>
+              <a:t>	</a:t>
+            </a:r>
+            <a:r>
+              <a:rPr lang="en-US" altLang="zh-CN" sz="2400" dirty="0">
+                <a:latin typeface="Droid Sans Mono Dotted for Powe" panose="020B0609030804020204" pitchFamily="49" charset="0"/>
+                <a:ea typeface="Droid Sans Mono Dotted for Powe" panose="020B0609030804020204" pitchFamily="49" charset="0"/>
+                <a:cs typeface="Droid Sans Mono Dotted for Powe" panose="020B0609030804020204" pitchFamily="49" charset="0"/>
+              </a:rPr>
+              <a:t>.multi()</a:t>
+            </a:r>
+            <a:r>
+              <a:rPr lang="zh-CN" altLang="en-US" sz="2400" dirty="0">
+                <a:latin typeface="Droid Sans Mono Dotted for Powe" panose="020B0609030804020204" pitchFamily="49" charset="0"/>
+                <a:ea typeface="Droid Sans Mono Dotted for Powe" panose="020B0609030804020204" pitchFamily="49" charset="0"/>
+                <a:cs typeface="Droid Sans Mono Dotted for Powe" panose="020B0609030804020204" pitchFamily="49" charset="0"/>
+              </a:rPr>
               <a:t>   </a:t>
             </a:r>
             <a:r>
-              <a:rPr lang="en-US" altLang="zh-CN" dirty="0"/>
-              <a:t>=&gt;</a:t>
-            </a:r>
-            <a:r>
-              <a:rPr lang="zh-CN" altLang="en-US" dirty="0"/>
+              <a:rPr lang="en-US" altLang="zh-CN" sz="2400" dirty="0">
+                <a:latin typeface="Droid Sans Mono Dotted for Powe" panose="020B0609030804020204" pitchFamily="49" charset="0"/>
+                <a:ea typeface="Droid Sans Mono Dotted for Powe" panose="020B0609030804020204" pitchFamily="49" charset="0"/>
+                <a:cs typeface="Droid Sans Mono Dotted for Powe" panose="020B0609030804020204" pitchFamily="49" charset="0"/>
+              </a:rPr>
+              <a:t>[see</a:t>
+            </a:r>
+            <a:r>
+              <a:rPr lang="zh-CN" altLang="en-US" sz="2400" dirty="0">
+                <a:latin typeface="Droid Sans Mono Dotted for Powe" panose="020B0609030804020204" pitchFamily="49" charset="0"/>
+                <a:ea typeface="Droid Sans Mono Dotted for Powe" panose="020B0609030804020204" pitchFamily="49" charset="0"/>
+                <a:cs typeface="Droid Sans Mono Dotted for Powe" panose="020B0609030804020204" pitchFamily="49" charset="0"/>
+              </a:rPr>
               <a:t> </a:t>
             </a:r>
-            <a:endParaRPr lang="en-NZ" altLang="zh-CN" dirty="0"/>
-          </a:p>
-          <a:p>
-            <a:r>
-              <a:rPr lang="zh-CN" altLang="en-US" dirty="0"/>
-              <a:t>      </a:t>
-            </a:r>
-            <a:r>
-              <a:rPr lang="en-US" altLang="zh-CN" dirty="0"/>
-              <a:t>1.</a:t>
-            </a:r>
-            <a:r>
-              <a:rPr lang="zh-CN" altLang="en-US" dirty="0"/>
-              <a:t> </a:t>
-            </a:r>
-            <a:r>
-              <a:rPr lang="en-US" altLang="zh-CN" dirty="0"/>
-              <a:t>use</a:t>
-            </a:r>
-            <a:r>
-              <a:rPr lang="zh-CN" altLang="en-US" dirty="0"/>
-              <a:t> </a:t>
-            </a:r>
-            <a:r>
-              <a:rPr lang="en-NZ" dirty="0" err="1"/>
-              <a:t>rpc.author</a:t>
-            </a:r>
-            <a:r>
-              <a:rPr lang="en-NZ" dirty="0"/>
-              <a:t>. </a:t>
-            </a:r>
-            <a:r>
-              <a:rPr lang="en-NZ" dirty="0" err="1"/>
-              <a:t>submitAndWatchExtrinsic</a:t>
-            </a:r>
-            <a:endParaRPr lang="en-US" dirty="0"/>
-          </a:p>
-          <a:p>
-            <a:r>
-              <a:rPr lang="zh-CN" altLang="en-US" dirty="0"/>
-              <a:t>      </a:t>
-            </a:r>
-            <a:r>
-              <a:rPr lang="en-US" altLang="zh-CN" dirty="0"/>
-              <a:t>2.</a:t>
-            </a:r>
-            <a:r>
-              <a:rPr lang="zh-CN" altLang="en-US" dirty="0"/>
-              <a:t> </a:t>
-            </a:r>
-            <a:r>
-              <a:rPr lang="en-US" altLang="zh-CN" dirty="0"/>
-              <a:t>can</a:t>
-            </a:r>
-            <a:r>
-              <a:rPr lang="zh-CN" altLang="en-US" dirty="0"/>
-              <a:t> </a:t>
-            </a:r>
-            <a:r>
-              <a:rPr lang="en-US" altLang="zh-CN" dirty="0"/>
-              <a:t>receive</a:t>
-            </a:r>
-            <a:r>
-              <a:rPr lang="zh-CN" altLang="en-US" dirty="0"/>
-              <a:t> </a:t>
-            </a:r>
-            <a:r>
-              <a:rPr lang="en-US" altLang="zh-CN" dirty="0"/>
-              <a:t>extrinsic</a:t>
-            </a:r>
-            <a:r>
-              <a:rPr lang="zh-CN" altLang="en-US" dirty="0"/>
-              <a:t> </a:t>
-            </a:r>
-            <a:r>
-              <a:rPr lang="en-US" altLang="zh-CN" dirty="0"/>
-              <a:t>status</a:t>
-            </a:r>
-            <a:r>
-              <a:rPr lang="zh-CN" altLang="en-US" dirty="0"/>
-              <a:t>   </a:t>
-            </a:r>
-            <a:endParaRPr lang="en-NZ" altLang="zh-CN" dirty="0"/>
-          </a:p>
-          <a:p>
-            <a:endParaRPr lang="en-NZ" altLang="zh-CN" dirty="0"/>
-          </a:p>
-          <a:p>
-            <a:r>
-              <a:rPr lang="en-US" altLang="zh-CN" dirty="0"/>
-              <a:t>.multi</a:t>
-            </a:r>
-            <a:r>
-              <a:rPr lang="zh-CN" altLang="en-US" dirty="0"/>
-              <a:t> </a:t>
-            </a:r>
-            <a:r>
-              <a:rPr lang="en-US" altLang="zh-CN" dirty="0"/>
-              <a:t>and</a:t>
-            </a:r>
-            <a:r>
-              <a:rPr lang="zh-CN" altLang="en-US" dirty="0"/>
-              <a:t> </a:t>
-            </a:r>
-            <a:r>
-              <a:rPr lang="en-US" altLang="zh-CN" dirty="0"/>
-              <a:t>.</a:t>
-            </a:r>
-            <a:r>
-              <a:rPr lang="en-US" altLang="zh-CN" dirty="0" err="1"/>
-              <a:t>query.xxx.yyy.multi</a:t>
-            </a:r>
-            <a:r>
-              <a:rPr lang="en-US" altLang="zh-CN" dirty="0"/>
-              <a:t>()</a:t>
-            </a:r>
-            <a:r>
-              <a:rPr lang="zh-CN" altLang="en-US" dirty="0"/>
-              <a:t> </a:t>
-            </a:r>
-            <a:r>
-              <a:rPr lang="en-US" altLang="zh-CN" dirty="0"/>
-              <a:t>=&gt;</a:t>
-            </a:r>
-          </a:p>
-          <a:p>
-            <a:r>
-              <a:rPr lang="en-US" dirty="0"/>
-              <a:t>	</a:t>
-            </a:r>
-            <a:r>
-              <a:rPr lang="en-US" altLang="zh-CN" dirty="0"/>
-              <a:t>use</a:t>
-            </a:r>
-            <a:r>
-              <a:rPr lang="zh-CN" altLang="en-US" dirty="0"/>
-              <a:t> </a:t>
-            </a:r>
-            <a:r>
-              <a:rPr lang="en-US" altLang="zh-CN" dirty="0" err="1"/>
-              <a:t>rpc.state</a:t>
-            </a:r>
-            <a:r>
-              <a:rPr lang="en-US" altLang="zh-CN" dirty="0"/>
-              <a:t>.</a:t>
-            </a:r>
-            <a:r>
-              <a:rPr lang="en-NZ" dirty="0" err="1"/>
-              <a:t>subscribeStorage</a:t>
-            </a:r>
-            <a:endParaRPr lang="en-US" dirty="0"/>
-          </a:p>
-          <a:p>
-            <a:endParaRPr lang="en-US" dirty="0"/>
-          </a:p>
-          <a:p>
-            <a:endParaRPr lang="en-US" dirty="0"/>
-          </a:p>
-          <a:p>
-            <a:endParaRPr lang="en-US" dirty="0"/>
-          </a:p>
-        </p:txBody>
-      </p:sp>
-      <p:sp>
-        <p:nvSpPr>
-          <p:cNvPr id="6" name="TextBox 5">
-            <a:extLst>
-              <a:ext uri="{FF2B5EF4-FFF2-40B4-BE49-F238E27FC236}">
-                <a16:creationId xmlns:a16="http://schemas.microsoft.com/office/drawing/2014/main" id="{BCB4A96B-2269-1C44-9C85-A9547CC33328}"/>
-              </a:ext>
-            </a:extLst>
-          </p:cNvPr>
-          <p:cNvSpPr txBox="1"/>
-          <p:nvPr/>
-        </p:nvSpPr>
-        <p:spPr>
-          <a:xfrm>
-            <a:off x="6094412" y="1359243"/>
-            <a:ext cx="4952999" cy="4524315"/>
-          </a:xfrm>
-          <a:prstGeom prst="rect">
-            <a:avLst/>
-          </a:prstGeom>
-          <a:noFill/>
-          <a:ln w="25400">
-            <a:solidFill>
-              <a:schemeClr val="accent1"/>
-            </a:solidFill>
-          </a:ln>
-        </p:spPr>
-        <p:txBody>
-          <a:bodyPr wrap="square" rtlCol="0">
-            <a:spAutoFit/>
-          </a:bodyPr>
-          <a:lstStyle/>
-          <a:p>
-            <a:r>
-              <a:rPr lang="en-US" altLang="zh-CN" dirty="0" err="1"/>
-              <a:t>HttpProvider</a:t>
-            </a:r>
-            <a:endParaRPr lang="en-US" altLang="zh-CN" dirty="0"/>
-          </a:p>
-          <a:p>
-            <a:endParaRPr lang="en-US" altLang="zh-CN" dirty="0"/>
-          </a:p>
-          <a:p>
-            <a:r>
-              <a:rPr lang="en-US" altLang="zh-CN" dirty="0"/>
-              <a:t>.</a:t>
-            </a:r>
-            <a:r>
-              <a:rPr lang="en-US" altLang="zh-CN" dirty="0" err="1"/>
-              <a:t>hasSubscriptions</a:t>
-            </a:r>
-            <a:r>
-              <a:rPr lang="zh-CN" altLang="en-US" dirty="0"/>
-              <a:t>   </a:t>
-            </a:r>
-            <a:r>
-              <a:rPr lang="en-US" altLang="zh-CN" dirty="0"/>
-              <a:t>=&gt;</a:t>
-            </a:r>
-            <a:r>
-              <a:rPr lang="zh-CN" altLang="en-US" dirty="0"/>
-              <a:t>    </a:t>
-            </a:r>
-            <a:r>
-              <a:rPr lang="en-US" altLang="zh-CN" dirty="0"/>
-              <a:t>false</a:t>
-            </a:r>
-            <a:endParaRPr lang="en-US" dirty="0"/>
-          </a:p>
-          <a:p>
-            <a:endParaRPr lang="en-US" dirty="0"/>
-          </a:p>
-          <a:p>
-            <a:r>
-              <a:rPr lang="en-US" altLang="zh-CN" dirty="0"/>
-              <a:t>.query</a:t>
-            </a:r>
-            <a:r>
-              <a:rPr lang="zh-CN" altLang="en-US" dirty="0"/>
-              <a:t> </a:t>
-            </a:r>
-            <a:r>
-              <a:rPr lang="en-US" altLang="zh-CN" dirty="0"/>
-              <a:t>callback</a:t>
-            </a:r>
-            <a:r>
-              <a:rPr lang="zh-CN" altLang="en-US" dirty="0"/>
-              <a:t>     </a:t>
-            </a:r>
-            <a:r>
-              <a:rPr lang="en-US" altLang="zh-CN" dirty="0"/>
-              <a:t>=&gt;</a:t>
-            </a:r>
-            <a:r>
-              <a:rPr lang="zh-CN" altLang="en-US" dirty="0"/>
-              <a:t>   </a:t>
-            </a:r>
-            <a:r>
-              <a:rPr lang="en-US" altLang="zh-CN" dirty="0"/>
-              <a:t>trigger</a:t>
-            </a:r>
-            <a:r>
-              <a:rPr lang="zh-CN" altLang="en-US" dirty="0"/>
-              <a:t> </a:t>
-            </a:r>
-            <a:r>
-              <a:rPr lang="en-US" altLang="zh-CN" dirty="0"/>
-              <a:t>times</a:t>
-            </a:r>
-            <a:r>
-              <a:rPr lang="zh-CN" altLang="en-US" dirty="0"/>
-              <a:t> </a:t>
-            </a:r>
-            <a:r>
-              <a:rPr lang="en-US" altLang="zh-CN" dirty="0"/>
-              <a:t>=</a:t>
-            </a:r>
-            <a:r>
-              <a:rPr lang="zh-CN" altLang="en-US" dirty="0"/>
-              <a:t> </a:t>
-            </a:r>
-            <a:r>
-              <a:rPr lang="en-US" altLang="zh-CN" dirty="0"/>
-              <a:t>1</a:t>
-            </a:r>
-            <a:endParaRPr lang="en-US" dirty="0"/>
-          </a:p>
-          <a:p>
-            <a:endParaRPr lang="en-US" dirty="0"/>
-          </a:p>
-          <a:p>
-            <a:r>
-              <a:rPr lang="en-US" altLang="zh-CN" dirty="0"/>
-              <a:t>.</a:t>
-            </a:r>
-            <a:r>
-              <a:rPr lang="en-US" altLang="zh-CN" dirty="0" err="1"/>
-              <a:t>tx</a:t>
-            </a:r>
-            <a:r>
-              <a:rPr lang="zh-CN" altLang="en-US" dirty="0"/>
-              <a:t>   </a:t>
-            </a:r>
-            <a:r>
-              <a:rPr lang="en-US" altLang="zh-CN" dirty="0"/>
-              <a:t>=&gt;</a:t>
-            </a:r>
-            <a:r>
-              <a:rPr lang="zh-CN" altLang="en-US" dirty="0"/>
-              <a:t> </a:t>
-            </a:r>
-            <a:endParaRPr lang="en-NZ" altLang="zh-CN" dirty="0"/>
-          </a:p>
-          <a:p>
-            <a:r>
-              <a:rPr lang="zh-CN" altLang="en-US" dirty="0"/>
-              <a:t>      </a:t>
-            </a:r>
-            <a:r>
-              <a:rPr lang="en-US" altLang="zh-CN" dirty="0"/>
-              <a:t>1.</a:t>
-            </a:r>
-            <a:r>
-              <a:rPr lang="zh-CN" altLang="en-US" dirty="0"/>
-              <a:t> </a:t>
-            </a:r>
-            <a:r>
-              <a:rPr lang="en-US" altLang="zh-CN" dirty="0"/>
-              <a:t>use</a:t>
-            </a:r>
-            <a:r>
-              <a:rPr lang="zh-CN" altLang="en-US" dirty="0"/>
-              <a:t> </a:t>
-            </a:r>
-            <a:r>
-              <a:rPr lang="en-NZ" dirty="0" err="1"/>
-              <a:t>rpc.author.submitExtrinsic</a:t>
-            </a:r>
-            <a:endParaRPr lang="en-US" dirty="0"/>
-          </a:p>
-          <a:p>
-            <a:r>
-              <a:rPr lang="zh-CN" altLang="en-US" dirty="0"/>
-              <a:t>      </a:t>
-            </a:r>
-            <a:r>
-              <a:rPr lang="en-US" altLang="zh-CN" dirty="0"/>
-              <a:t>2.</a:t>
-            </a:r>
-            <a:r>
-              <a:rPr lang="zh-CN" altLang="en-US" dirty="0"/>
-              <a:t> </a:t>
-            </a:r>
-            <a:r>
-              <a:rPr lang="en-US" altLang="zh-CN" dirty="0"/>
-              <a:t>can</a:t>
-            </a:r>
-            <a:r>
-              <a:rPr lang="zh-CN" altLang="en-US" dirty="0"/>
-              <a:t> </a:t>
-            </a:r>
-            <a:r>
-              <a:rPr lang="en-US" altLang="zh-CN" dirty="0"/>
-              <a:t>NOT</a:t>
-            </a:r>
-            <a:r>
-              <a:rPr lang="zh-CN" altLang="en-US" dirty="0"/>
-              <a:t> </a:t>
-            </a:r>
-            <a:r>
-              <a:rPr lang="en-US" altLang="zh-CN" dirty="0"/>
-              <a:t>receive</a:t>
-            </a:r>
-            <a:r>
-              <a:rPr lang="zh-CN" altLang="en-US" dirty="0"/>
-              <a:t> </a:t>
-            </a:r>
-            <a:r>
-              <a:rPr lang="en-US" altLang="zh-CN" dirty="0"/>
-              <a:t>extrinsic</a:t>
-            </a:r>
-            <a:r>
-              <a:rPr lang="zh-CN" altLang="en-US" dirty="0"/>
-              <a:t> </a:t>
-            </a:r>
-            <a:r>
-              <a:rPr lang="en-US" altLang="zh-CN" dirty="0"/>
-              <a:t>status</a:t>
-            </a:r>
-            <a:r>
-              <a:rPr lang="zh-CN" altLang="en-US" dirty="0"/>
-              <a:t>    </a:t>
-            </a:r>
-            <a:endParaRPr lang="en-NZ" altLang="zh-CN" dirty="0"/>
-          </a:p>
-          <a:p>
-            <a:endParaRPr lang="en-NZ" altLang="zh-CN" dirty="0"/>
-          </a:p>
-          <a:p>
-            <a:endParaRPr lang="en-NZ" altLang="zh-CN" dirty="0"/>
-          </a:p>
-          <a:p>
-            <a:r>
-              <a:rPr lang="en-US" altLang="zh-CN" dirty="0"/>
-              <a:t>.multi</a:t>
-            </a:r>
-            <a:r>
-              <a:rPr lang="zh-CN" altLang="en-US" dirty="0"/>
-              <a:t> </a:t>
-            </a:r>
-            <a:r>
-              <a:rPr lang="en-US" altLang="zh-CN" dirty="0"/>
-              <a:t>and</a:t>
-            </a:r>
-            <a:r>
-              <a:rPr lang="zh-CN" altLang="en-US" dirty="0"/>
-              <a:t> </a:t>
-            </a:r>
-            <a:r>
-              <a:rPr lang="en-US" altLang="zh-CN" dirty="0"/>
-              <a:t>.</a:t>
-            </a:r>
-            <a:r>
-              <a:rPr lang="en-US" altLang="zh-CN" dirty="0" err="1"/>
-              <a:t>query.xxx.yyy.multi</a:t>
-            </a:r>
-            <a:r>
-              <a:rPr lang="en-US" altLang="zh-CN" dirty="0"/>
-              <a:t>()</a:t>
-            </a:r>
-            <a:r>
-              <a:rPr lang="zh-CN" altLang="en-US" dirty="0"/>
-              <a:t> </a:t>
-            </a:r>
-            <a:r>
-              <a:rPr lang="en-US" altLang="zh-CN" dirty="0"/>
-              <a:t>=&gt;</a:t>
-            </a:r>
-          </a:p>
-          <a:p>
-            <a:r>
-              <a:rPr lang="en-US" dirty="0"/>
-              <a:t>	</a:t>
-            </a:r>
-            <a:r>
-              <a:rPr lang="en-US" altLang="zh-CN" dirty="0"/>
-              <a:t>use</a:t>
-            </a:r>
-            <a:r>
-              <a:rPr lang="zh-CN" altLang="en-US" dirty="0"/>
-              <a:t> </a:t>
-            </a:r>
-            <a:r>
-              <a:rPr lang="en-US" altLang="zh-CN" dirty="0" err="1"/>
-              <a:t>rpc.state</a:t>
-            </a:r>
-            <a:r>
-              <a:rPr lang="en-US" altLang="zh-CN" dirty="0"/>
-              <a:t>.</a:t>
-            </a:r>
-            <a:r>
-              <a:rPr lang="en-NZ" dirty="0" err="1"/>
-              <a:t>queryStorageAt</a:t>
-            </a:r>
-            <a:endParaRPr lang="en-US" dirty="0"/>
-          </a:p>
-          <a:p>
-            <a:r>
-              <a:rPr lang="zh-CN" altLang="en-US" dirty="0"/>
-              <a:t>  </a:t>
-            </a:r>
-            <a:endParaRPr lang="en-US" dirty="0"/>
-          </a:p>
-          <a:p>
-            <a:endParaRPr lang="en-US" dirty="0"/>
-          </a:p>
-          <a:p>
-            <a:endParaRPr lang="en-US" dirty="0"/>
+            <a:r>
+              <a:rPr lang="en-US" altLang="zh-CN" sz="2400" dirty="0" err="1">
+                <a:latin typeface="Droid Sans Mono Dotted for Powe" panose="020B0609030804020204" pitchFamily="49" charset="0"/>
+                <a:ea typeface="Droid Sans Mono Dotted for Powe" panose="020B0609030804020204" pitchFamily="49" charset="0"/>
+                <a:cs typeface="Droid Sans Mono Dotted for Powe" panose="020B0609030804020204" pitchFamily="49" charset="0"/>
+              </a:rPr>
+              <a:t>multi.js</a:t>
+            </a:r>
+            <a:r>
+              <a:rPr lang="en-US" altLang="zh-CN" sz="2400" dirty="0">
+                <a:latin typeface="Droid Sans Mono Dotted for Powe" panose="020B0609030804020204" pitchFamily="49" charset="0"/>
+                <a:ea typeface="Droid Sans Mono Dotted for Powe" panose="020B0609030804020204" pitchFamily="49" charset="0"/>
+                <a:cs typeface="Droid Sans Mono Dotted for Powe" panose="020B0609030804020204" pitchFamily="49" charset="0"/>
+              </a:rPr>
+              <a:t>]</a:t>
+            </a:r>
+            <a:endParaRPr lang="en-US" sz="2800" dirty="0">
+              <a:latin typeface="Droid Sans Mono Dotted for Powe" panose="020B0609030804020204" pitchFamily="49" charset="0"/>
+              <a:ea typeface="Droid Sans Mono Dotted for Powe" panose="020B0609030804020204" pitchFamily="49" charset="0"/>
+              <a:cs typeface="Droid Sans Mono Dotted for Powe" panose="020B0609030804020204" pitchFamily="49" charset="0"/>
+            </a:endParaRPr>
           </a:p>
         </p:txBody>
       </p:sp>
     </p:spTree>
     <p:extLst>
       <p:ext uri="{BB962C8B-B14F-4D97-AF65-F5344CB8AC3E}">
-        <p14:creationId xmlns:p14="http://schemas.microsoft.com/office/powerpoint/2010/main" val="4173706668"/>
+        <p14:creationId xmlns:p14="http://schemas.microsoft.com/office/powerpoint/2010/main" val="2693236486"/>
       </p:ext>
     </p:extLst>
   </p:cSld>
@@ -7131,7 +7249,7 @@
           <p:cNvPr id="2" name="Title 1">
             <a:extLst>
               <a:ext uri="{FF2B5EF4-FFF2-40B4-BE49-F238E27FC236}">
-                <a16:creationId xmlns:a16="http://schemas.microsoft.com/office/drawing/2014/main" id="{19176A8D-0EDF-E148-90D0-DFF6081F2353}"/>
+                <a16:creationId xmlns:a16="http://schemas.microsoft.com/office/drawing/2014/main" id="{F90EADDA-FBB8-204D-B8FE-87C86FB4732E}"/>
               </a:ext>
             </a:extLst>
           </p:cNvPr>
@@ -7148,34 +7266,74 @@
           <a:lstStyle/>
           <a:p>
             <a:r>
-              <a:rPr lang="en-US" cap="none" dirty="0"/>
-              <a:t>Customize </a:t>
-            </a:r>
-            <a:r>
-              <a:rPr lang="en-US" cap="none" dirty="0" err="1"/>
-              <a:t>polkadot</a:t>
-            </a:r>
-            <a:r>
-              <a:rPr lang="en-US" cap="none" dirty="0"/>
+              <a:rPr lang="en-US" altLang="zh-CN" cap="none" dirty="0"/>
+              <a:t>Subquery</a:t>
+            </a:r>
+            <a:r>
+              <a:rPr lang="zh-CN" altLang="en-US" cap="none" dirty="0"/>
               <a:t> </a:t>
             </a:r>
-            <a:r>
-              <a:rPr lang="en-US" cap="none" dirty="0" err="1"/>
-              <a:t>api</a:t>
-            </a:r>
-            <a:r>
-              <a:rPr lang="en-US" cap="none" dirty="0"/>
-              <a:t> into kitty’s own</a:t>
-            </a:r>
-          </a:p>
-        </p:txBody>
-      </p:sp>
-      <p:sp>
-        <p:nvSpPr>
-          <p:cNvPr id="3" name="TextBox 2">
+            <a:br>
+              <a:rPr lang="en-NZ" altLang="zh-CN" cap="none" dirty="0"/>
+            </a:br>
+            <a:r>
+              <a:rPr lang="en-NZ" altLang="zh-CN" cap="none" dirty="0"/>
+              <a:t>		</a:t>
+            </a:r>
+            <a:r>
+              <a:rPr lang="en-US" altLang="zh-CN" sz="2800" cap="none" dirty="0"/>
+              <a:t>supported</a:t>
+            </a:r>
+            <a:r>
+              <a:rPr lang="zh-CN" altLang="en-US" sz="2800" cap="none" dirty="0"/>
+              <a:t> </a:t>
+            </a:r>
+            <a:r>
+              <a:rPr lang="en-US" altLang="zh-CN" sz="2800" cap="none" dirty="0"/>
+              <a:t>by</a:t>
+            </a:r>
+            <a:r>
+              <a:rPr lang="zh-CN" altLang="en-US" sz="2800" cap="none" dirty="0"/>
+              <a:t> </a:t>
+            </a:r>
+            <a:r>
+              <a:rPr lang="en-US" altLang="zh-CN" sz="2800" cap="none" dirty="0"/>
+              <a:t>web3</a:t>
+            </a:r>
+            <a:r>
+              <a:rPr lang="zh-CN" altLang="en-US" sz="2800" cap="none" dirty="0"/>
+              <a:t> </a:t>
+            </a:r>
+            <a:r>
+              <a:rPr lang="en-US" altLang="zh-CN" sz="2800" cap="none" dirty="0"/>
+              <a:t>foundation</a:t>
+            </a:r>
+            <a:r>
+              <a:rPr lang="zh-CN" altLang="en-US" sz="2800" cap="none" dirty="0"/>
+              <a:t> </a:t>
+            </a:r>
+            <a:r>
+              <a:rPr lang="en-US" altLang="zh-CN" sz="2800" cap="none" dirty="0"/>
+              <a:t>grants</a:t>
+            </a:r>
+            <a:r>
+              <a:rPr lang="zh-CN" altLang="en-US" sz="2800" cap="none" dirty="0"/>
+              <a:t> </a:t>
+            </a:r>
+            <a:r>
+              <a:rPr lang="en-US" altLang="zh-CN" sz="2800" cap="none" dirty="0"/>
+              <a:t>program</a:t>
+            </a:r>
+            <a:endParaRPr lang="en-US" sz="2800" cap="none" dirty="0"/>
+          </a:p>
+        </p:txBody>
+      </p:sp>
+      <p:sp>
+        <p:nvSpPr>
+          <p:cNvPr id="4" name="TextBox 3">
             <a:extLst>
               <a:ext uri="{FF2B5EF4-FFF2-40B4-BE49-F238E27FC236}">
-                <a16:creationId xmlns:a16="http://schemas.microsoft.com/office/drawing/2014/main" id="{806E3AA9-CE84-E043-A9F7-D84693CA40A5}"/>
+                <a16:creationId xmlns:a16="http://schemas.microsoft.com/office/drawing/2014/main" id="{742E13B0-CF4D-D44C-9D02-FDE796565AF9}"/>
               </a:ext>
             </a:extLst>
           </p:cNvPr>
@@ -7184,8 +7342,8 @@
         </p:nvSpPr>
         <p:spPr>
           <a:xfrm>
-            <a:off x="1141413" y="2694423"/>
-            <a:ext cx="4525598" cy="2479974"/>
+            <a:off x="1141413" y="4343401"/>
+            <a:ext cx="5274201" cy="1200329"/>
           </a:xfrm>
           <a:prstGeom prst="rect">
             <a:avLst/>
@@ -7198,62 +7356,63 @@
           </a:bodyPr>
           <a:lstStyle/>
           <a:p>
-            <a:pPr marL="285750" indent="-285750">
-              <a:lnSpc>
-                <a:spcPct val="150000"/>
-              </a:lnSpc>
-              <a:buFont typeface="Arial" panose="020B0604020202020204" pitchFamily="34" charset="0"/>
-              <a:buChar char="•"/>
-            </a:pPr>
-            <a:r>
-              <a:rPr lang="en-US" sz="3600" dirty="0"/>
-              <a:t>Generate Types</a:t>
-            </a:r>
-          </a:p>
-          <a:p>
-            <a:pPr marL="285750" indent="-285750">
-              <a:lnSpc>
-                <a:spcPct val="150000"/>
-              </a:lnSpc>
-              <a:buFont typeface="Arial" panose="020B0604020202020204" pitchFamily="34" charset="0"/>
-              <a:buChar char="•"/>
-            </a:pPr>
-            <a:r>
-              <a:rPr lang="en-US" altLang="zh-CN" sz="3600" dirty="0"/>
-              <a:t>Metadata</a:t>
-            </a:r>
-            <a:r>
-              <a:rPr lang="zh-CN" altLang="en-US" sz="3600" dirty="0"/>
-              <a:t> </a:t>
-            </a:r>
-            <a:r>
-              <a:rPr lang="en-US" altLang="zh-CN" sz="3600" dirty="0"/>
-              <a:t>cache</a:t>
-            </a:r>
-            <a:r>
-              <a:rPr lang="en-US" sz="3600" dirty="0"/>
-              <a:t> </a:t>
-            </a:r>
-          </a:p>
-          <a:p>
-            <a:pPr marL="285750" indent="-285750">
-              <a:lnSpc>
-                <a:spcPct val="150000"/>
-              </a:lnSpc>
-              <a:buFont typeface="Arial" panose="020B0604020202020204" pitchFamily="34" charset="0"/>
-              <a:buChar char="•"/>
-            </a:pPr>
-            <a:r>
-              <a:rPr lang="en-US" sz="3600" dirty="0"/>
-              <a:t>Extend derives</a:t>
-            </a:r>
+            <a:r>
+              <a:rPr lang="en-US" dirty="0">
+                <a:hlinkClick r:id="rId2"/>
+              </a:rPr>
+              <a:t>https://github.com/</a:t>
+            </a:r>
+            <a:r>
+              <a:rPr lang="en-US" altLang="zh-CN" dirty="0">
+                <a:hlinkClick r:id="rId2"/>
+              </a:rPr>
+              <a:t>subquery</a:t>
+            </a:r>
+            <a:r>
+              <a:rPr lang="en-US" dirty="0">
+                <a:hlinkClick r:id="rId2"/>
+              </a:rPr>
+              <a:t>/subql</a:t>
+            </a:r>
+          </a:p>
+          <a:p>
+            <a:r>
+              <a:rPr lang="en-US" dirty="0">
+                <a:hlinkClick r:id="rId2"/>
+              </a:rPr>
+              <a:t>https://github.com/</a:t>
+            </a:r>
+            <a:r>
+              <a:rPr lang="en-US" altLang="zh-CN" dirty="0">
+                <a:hlinkClick r:id="rId2"/>
+              </a:rPr>
+              <a:t>subquery</a:t>
+            </a:r>
+            <a:r>
+              <a:rPr lang="en-US" dirty="0">
+                <a:hlinkClick r:id="rId2"/>
+              </a:rPr>
+              <a:t>/subql-examples</a:t>
+            </a:r>
+          </a:p>
+          <a:p>
+            <a:r>
+              <a:rPr lang="en-US" dirty="0">
+                <a:hlinkClick r:id="rId2"/>
+              </a:rPr>
+              <a:t>https://doc.subquery.network/</a:t>
+            </a:r>
+            <a:endParaRPr lang="en-US" dirty="0"/>
+          </a:p>
+          <a:p>
+            <a:endParaRPr lang="en-US" dirty="0"/>
           </a:p>
         </p:txBody>
       </p:sp>
     </p:spTree>
     <p:extLst>
       <p:ext uri="{BB962C8B-B14F-4D97-AF65-F5344CB8AC3E}">
-        <p14:creationId xmlns:p14="http://schemas.microsoft.com/office/powerpoint/2010/main" val="28337189"/>
+        <p14:creationId xmlns:p14="http://schemas.microsoft.com/office/powerpoint/2010/main" val="658405941"/>
       </p:ext>
     </p:extLst>
   </p:cSld>
@@ -7282,39 +7441,10 @@
       </p:grpSpPr>
       <p:sp>
         <p:nvSpPr>
-          <p:cNvPr id="2" name="Title 1">
+          <p:cNvPr id="2" name="TextBox 1">
             <a:extLst>
               <a:ext uri="{FF2B5EF4-FFF2-40B4-BE49-F238E27FC236}">
-                <a16:creationId xmlns:a16="http://schemas.microsoft.com/office/drawing/2014/main" id="{4BD9AC50-AD3F-F541-841C-7FCD5FBE1FE3}"/>
-              </a:ext>
-            </a:extLst>
-          </p:cNvPr>
-          <p:cNvSpPr>
-            <a:spLocks noGrp="1"/>
-          </p:cNvSpPr>
-          <p:nvPr>
-            <p:ph type="title"/>
-          </p:nvPr>
-        </p:nvSpPr>
-        <p:spPr/>
-        <p:txBody>
-          <a:bodyPr/>
-          <a:lstStyle/>
-          <a:p>
-            <a:r>
-              <a:rPr lang="en-US" altLang="zh-CN" dirty="0"/>
-              <a:t>Resources</a:t>
-            </a:r>
-            <a:endParaRPr lang="en-US" dirty="0"/>
-          </a:p>
-        </p:txBody>
-      </p:sp>
-      <p:sp>
-        <p:nvSpPr>
-          <p:cNvPr id="3" name="TextBox 2">
-            <a:extLst>
-              <a:ext uri="{FF2B5EF4-FFF2-40B4-BE49-F238E27FC236}">
-                <a16:creationId xmlns:a16="http://schemas.microsoft.com/office/drawing/2014/main" id="{57C1D4CE-473D-9A4F-B989-795B5A69F50B}"/>
+                <a16:creationId xmlns:a16="http://schemas.microsoft.com/office/drawing/2014/main" id="{17F16D52-9EC1-3943-AFD4-3A214CDD1A1B}"/>
               </a:ext>
             </a:extLst>
           </p:cNvPr>
@@ -7323,8 +7453,8 @@
         </p:nvSpPr>
         <p:spPr>
           <a:xfrm>
-            <a:off x="1063487" y="2246244"/>
-            <a:ext cx="4700326" cy="646331"/>
+            <a:off x="5215631" y="2743201"/>
+            <a:ext cx="880369" cy="584775"/>
           </a:xfrm>
           <a:prstGeom prst="rect">
             <a:avLst/>
@@ -7337,52 +7467,18 @@
           </a:bodyPr>
           <a:lstStyle/>
           <a:p>
-            <a:pPr marL="285750" indent="-285750">
-              <a:buFont typeface="Arial" panose="020B0604020202020204" pitchFamily="34" charset="0"/>
-              <a:buChar char="•"/>
-            </a:pPr>
-            <a:r>
-              <a:rPr lang="en-US" dirty="0"/>
-              <a:t>https://</a:t>
-            </a:r>
-            <a:r>
-              <a:rPr lang="en-US" dirty="0" err="1"/>
-              <a:t>polkadot.js.org</a:t>
-            </a:r>
-            <a:r>
-              <a:rPr lang="en-US" dirty="0"/>
-              <a:t>/docs/</a:t>
-            </a:r>
-            <a:r>
-              <a:rPr lang="en-US" dirty="0" err="1"/>
-              <a:t>api</a:t>
-            </a:r>
-            <a:endParaRPr lang="en-US" dirty="0"/>
-          </a:p>
-          <a:p>
-            <a:pPr marL="285750" indent="-285750">
-              <a:buFont typeface="Arial" panose="020B0604020202020204" pitchFamily="34" charset="0"/>
-              <a:buChar char="•"/>
-            </a:pPr>
-            <a:r>
-              <a:rPr lang="en-US" dirty="0"/>
-              <a:t>https://</a:t>
-            </a:r>
-            <a:r>
-              <a:rPr lang="en-US" dirty="0" err="1"/>
-              <a:t>polkadot.js.org</a:t>
-            </a:r>
-            <a:r>
-              <a:rPr lang="en-US" dirty="0"/>
-              <a:t>/docs/substrate</a:t>
-            </a:r>
+            <a:r>
+              <a:rPr lang="en-US" altLang="zh-CN" sz="3200" dirty="0"/>
+              <a:t>Tips</a:t>
+            </a:r>
+            <a:endParaRPr lang="en-US" sz="3200" dirty="0"/>
           </a:p>
         </p:txBody>
       </p:sp>
     </p:spTree>
     <p:extLst>
       <p:ext uri="{BB962C8B-B14F-4D97-AF65-F5344CB8AC3E}">
-        <p14:creationId xmlns:p14="http://schemas.microsoft.com/office/powerpoint/2010/main" val="4287890292"/>
+        <p14:creationId xmlns:p14="http://schemas.microsoft.com/office/powerpoint/2010/main" val="2643683875"/>
       </p:ext>
     </p:extLst>
   </p:cSld>
@@ -7414,7 +7510,7 @@
           <p:cNvPr id="2" name="Title 1">
             <a:extLst>
               <a:ext uri="{FF2B5EF4-FFF2-40B4-BE49-F238E27FC236}">
-                <a16:creationId xmlns:a16="http://schemas.microsoft.com/office/drawing/2014/main" id="{EEF51CDF-E950-7347-92D7-10C125260E38}"/>
+                <a16:creationId xmlns:a16="http://schemas.microsoft.com/office/drawing/2014/main" id="{FC5F89FD-1E4F-3144-A76A-2AB49E146C37}"/>
               </a:ext>
             </a:extLst>
           </p:cNvPr>
@@ -7431,9 +7527,18 @@
           <a:lstStyle/>
           <a:p>
             <a:r>
-              <a:rPr lang="en-US" cap="none" dirty="0"/>
-              <a:t>Advanced Queries</a:t>
-            </a:r>
+              <a:rPr lang="en-US" altLang="zh-CN" cap="none" dirty="0"/>
+              <a:t>Debug</a:t>
+            </a:r>
+            <a:r>
+              <a:rPr lang="zh-CN" altLang="en-US" cap="none" dirty="0"/>
+              <a:t> </a:t>
+            </a:r>
+            <a:r>
+              <a:rPr lang="en-US" altLang="zh-CN" cap="none" dirty="0" err="1"/>
+              <a:t>polkadot-api</a:t>
+            </a:r>
+            <a:endParaRPr lang="en-US" cap="none" dirty="0"/>
           </a:p>
         </p:txBody>
       </p:sp>
@@ -7442,7 +7547,7 @@
           <p:cNvPr id="3" name="TextBox 2">
             <a:extLst>
               <a:ext uri="{FF2B5EF4-FFF2-40B4-BE49-F238E27FC236}">
-                <a16:creationId xmlns:a16="http://schemas.microsoft.com/office/drawing/2014/main" id="{23C1E7E9-77EF-B641-A934-0D517D8E8B20}"/>
+                <a16:creationId xmlns:a16="http://schemas.microsoft.com/office/drawing/2014/main" id="{8CCA5926-31ED-BE4B-860A-D927144CF86D}"/>
               </a:ext>
             </a:extLst>
           </p:cNvPr>
@@ -7451,8 +7556,8 @@
         </p:nvSpPr>
         <p:spPr>
           <a:xfrm>
-            <a:off x="1141413" y="2644344"/>
-            <a:ext cx="7949612" cy="1200329"/>
+            <a:off x="1242391" y="2852530"/>
+            <a:ext cx="3958135" cy="584775"/>
           </a:xfrm>
           <a:prstGeom prst="rect">
             <a:avLst/>
@@ -7466,206 +7571,35 @@
           <a:lstStyle/>
           <a:p>
             <a:r>
-              <a:rPr lang="en-US" altLang="zh-CN" sz="3600" dirty="0">
-                <a:latin typeface="Monaco" pitchFamily="2" charset="77"/>
-              </a:rPr>
-              <a:t>Q:</a:t>
-            </a:r>
-            <a:r>
-              <a:rPr lang="zh-CN" altLang="en-US" sz="3600" dirty="0">
-                <a:latin typeface="Monaco" pitchFamily="2" charset="77"/>
-              </a:rPr>
+              <a:rPr lang="en-US" altLang="zh-CN" sz="3200" dirty="0"/>
+              <a:t>env</a:t>
+            </a:r>
+            <a:r>
+              <a:rPr lang="zh-CN" altLang="en-US" sz="3200" dirty="0"/>
               <a:t> </a:t>
             </a:r>
             <a:r>
-              <a:rPr lang="en-US" sz="3600" dirty="0">
-                <a:latin typeface="Monaco" pitchFamily="2" charset="77"/>
-              </a:rPr>
-              <a:t>How to find a kitty</a:t>
-            </a:r>
-          </a:p>
-          <a:p>
-            <a:r>
-              <a:rPr lang="en-US" sz="3600" dirty="0">
-                <a:latin typeface="Monaco" pitchFamily="2" charset="77"/>
-              </a:rPr>
-              <a:t>     if I only know </a:t>
-            </a:r>
-            <a:r>
-              <a:rPr lang="en-US" sz="3600" dirty="0" err="1">
-                <a:latin typeface="Monaco" pitchFamily="2" charset="77"/>
-              </a:rPr>
-              <a:t>KittyId</a:t>
-            </a:r>
-            <a:r>
-              <a:rPr lang="en-US" sz="3600" dirty="0">
-                <a:latin typeface="Monaco" pitchFamily="2" charset="77"/>
-              </a:rPr>
-              <a:t>?</a:t>
-            </a:r>
-          </a:p>
-        </p:txBody>
-      </p:sp>
-      <p:sp>
-        <p:nvSpPr>
-          <p:cNvPr id="5" name="TextBox 4">
-            <a:extLst>
-              <a:ext uri="{FF2B5EF4-FFF2-40B4-BE49-F238E27FC236}">
-                <a16:creationId xmlns:a16="http://schemas.microsoft.com/office/drawing/2014/main" id="{29BD65C6-AD84-D344-A5DA-01C3DEF6521B}"/>
-              </a:ext>
-            </a:extLst>
-          </p:cNvPr>
-          <p:cNvSpPr txBox="1"/>
-          <p:nvPr/>
-        </p:nvSpPr>
-        <p:spPr>
-          <a:xfrm>
-            <a:off x="1141413" y="4132445"/>
-            <a:ext cx="4344459" cy="646331"/>
-          </a:xfrm>
-          <a:prstGeom prst="rect">
-            <a:avLst/>
-          </a:prstGeom>
-          <a:noFill/>
-        </p:spPr>
-        <p:txBody>
-          <a:bodyPr wrap="none" rtlCol="0">
-            <a:spAutoFit/>
-          </a:bodyPr>
-          <a:lstStyle/>
-          <a:p>
-            <a:r>
-              <a:rPr lang="en-US" altLang="zh-CN" sz="3600" dirty="0">
-                <a:latin typeface="Monaco" pitchFamily="2" charset="77"/>
-              </a:rPr>
-              <a:t>A:</a:t>
-            </a:r>
-            <a:r>
-              <a:rPr lang="zh-CN" altLang="en-US" sz="3600" dirty="0">
-                <a:latin typeface="Monaco" pitchFamily="2" charset="77"/>
-              </a:rPr>
-              <a:t> </a:t>
-            </a:r>
-            <a:r>
-              <a:rPr lang="en-US" altLang="zh-CN" sz="3600" dirty="0">
-                <a:latin typeface="Monaco" pitchFamily="2" charset="77"/>
-              </a:rPr>
-              <a:t>Use</a:t>
-            </a:r>
-            <a:r>
-              <a:rPr lang="zh-CN" altLang="en-US" sz="3600" dirty="0">
-                <a:latin typeface="Monaco" pitchFamily="2" charset="77"/>
-              </a:rPr>
-              <a:t> </a:t>
-            </a:r>
-            <a:r>
-              <a:rPr lang="en-US" altLang="zh-CN" sz="3600" dirty="0">
-                <a:latin typeface="Monaco" pitchFamily="2" charset="77"/>
-              </a:rPr>
-              <a:t>Subquery</a:t>
-            </a:r>
-            <a:endParaRPr lang="en-US" sz="3600" dirty="0">
-              <a:latin typeface="Monaco" pitchFamily="2" charset="77"/>
-            </a:endParaRPr>
+              <a:rPr lang="en-US" sz="3200" dirty="0"/>
+              <a:t>DEBUG=</a:t>
+            </a:r>
+            <a:r>
+              <a:rPr lang="en-US" sz="3200" dirty="0" err="1"/>
+              <a:t>api-ws</a:t>
+            </a:r>
+            <a:endParaRPr lang="en-US" sz="3200" dirty="0"/>
           </a:p>
         </p:txBody>
       </p:sp>
     </p:spTree>
     <p:extLst>
       <p:ext uri="{BB962C8B-B14F-4D97-AF65-F5344CB8AC3E}">
-        <p14:creationId xmlns:p14="http://schemas.microsoft.com/office/powerpoint/2010/main" val="4051366891"/>
+        <p14:creationId xmlns:p14="http://schemas.microsoft.com/office/powerpoint/2010/main" val="885771369"/>
       </p:ext>
     </p:extLst>
   </p:cSld>
   <p:clrMapOvr>
     <a:masterClrMapping/>
   </p:clrMapOvr>
-  <p:timing>
-    <p:tnLst>
-      <p:par>
-        <p:cTn id="1" dur="indefinite" restart="never" nodeType="tmRoot">
-          <p:childTnLst>
-            <p:seq concurrent="1" nextAc="seek">
-              <p:cTn id="2" dur="indefinite" nodeType="mainSeq">
-                <p:childTnLst>
-                  <p:par>
-                    <p:cTn id="3" fill="hold">
-                      <p:stCondLst>
-                        <p:cond delay="indefinite"/>
-                      </p:stCondLst>
-                      <p:childTnLst>
-                        <p:par>
-                          <p:cTn id="4" fill="hold">
-                            <p:stCondLst>
-                              <p:cond delay="0"/>
-                            </p:stCondLst>
-                            <p:childTnLst>
-                              <p:par>
-                                <p:cTn id="5" presetID="3" presetClass="entr" presetSubtype="10" fill="hold" grpId="0" nodeType="clickEffect">
-                                  <p:stCondLst>
-                                    <p:cond delay="0"/>
-                                  </p:stCondLst>
-                                  <p:childTnLst>
-                                    <p:set>
-                                      <p:cBhvr>
-                                        <p:cTn id="6" dur="1" fill="hold">
-                                          <p:stCondLst>
-                                            <p:cond delay="0"/>
-                                          </p:stCondLst>
-                                        </p:cTn>
-                                        <p:tgtEl>
-                                          <p:spTgt spid="5"/>
-                                        </p:tgtEl>
-                                        <p:attrNameLst>
-                                          <p:attrName>style.visibility</p:attrName>
-                                        </p:attrNameLst>
-                                      </p:cBhvr>
-                                      <p:to>
-                                        <p:strVal val="visible"/>
-                                      </p:to>
-                                    </p:set>
-                                    <p:animEffect transition="in" filter="blinds(horizontal)">
-                                      <p:cBhvr>
-                                        <p:cTn id="7" dur="500"/>
-                                        <p:tgtEl>
-                                          <p:spTgt spid="5"/>
-                                        </p:tgtEl>
-                                      </p:cBhvr>
-                                    </p:animEffect>
-                                  </p:childTnLst>
-                                </p:cTn>
-                              </p:par>
-                            </p:childTnLst>
-                          </p:cTn>
-                        </p:par>
-                      </p:childTnLst>
-                    </p:cTn>
-                  </p:par>
-                </p:childTnLst>
-              </p:cTn>
-              <p:prevCondLst>
-                <p:cond evt="onPrev" delay="0">
-                  <p:tgtEl>
-                    <p:sldTgt/>
-                  </p:tgtEl>
-                </p:cond>
-              </p:prevCondLst>
-              <p:nextCondLst>
-                <p:cond evt="onNext" delay="0">
-                  <p:tgtEl>
-                    <p:sldTgt/>
-                  </p:tgtEl>
-                </p:cond>
-              </p:nextCondLst>
-            </p:seq>
-          </p:childTnLst>
-        </p:cTn>
-      </p:par>
-    </p:tnLst>
-    <p:bldLst>
-      <p:bldP spid="5" grpId="0"/>
-    </p:bldLst>
-  </p:timing>
 </p:sld>
 </file>
 
@@ -7688,149 +7622,175 @@
       </p:grpSpPr>
       <p:sp>
         <p:nvSpPr>
-          <p:cNvPr id="2" name="Title 1">
+          <p:cNvPr id="5" name="Title 1">
             <a:extLst>
               <a:ext uri="{FF2B5EF4-FFF2-40B4-BE49-F238E27FC236}">
-                <a16:creationId xmlns:a16="http://schemas.microsoft.com/office/drawing/2014/main" id="{F90EADDA-FBB8-204D-B8FE-87C86FB4732E}"/>
+                <a16:creationId xmlns:a16="http://schemas.microsoft.com/office/drawing/2014/main" id="{65B10B2C-0229-7A43-ACF5-6964F427A903}"/>
               </a:ext>
             </a:extLst>
           </p:cNvPr>
-          <p:cNvSpPr>
-            <a:spLocks noGrp="1"/>
-          </p:cNvSpPr>
-          <p:nvPr>
-            <p:ph type="title"/>
-          </p:nvPr>
-        </p:nvSpPr>
-        <p:spPr/>
-        <p:txBody>
-          <a:bodyPr/>
-          <a:lstStyle/>
-          <a:p>
-            <a:r>
-              <a:rPr lang="en-US" altLang="zh-CN" cap="none" dirty="0"/>
-              <a:t>Subquery</a:t>
-            </a:r>
-            <a:r>
-              <a:rPr lang="zh-CN" altLang="en-US" cap="none" dirty="0"/>
-              <a:t> </a:t>
-            </a:r>
-            <a:br>
-              <a:rPr lang="en-NZ" altLang="zh-CN" cap="none" dirty="0"/>
-            </a:br>
-            <a:r>
-              <a:rPr lang="en-NZ" altLang="zh-CN" cap="none" dirty="0"/>
-              <a:t>		</a:t>
-            </a:r>
-            <a:r>
-              <a:rPr lang="en-US" altLang="zh-CN" sz="2800" cap="none" dirty="0"/>
-              <a:t>supported</a:t>
-            </a:r>
-            <a:r>
-              <a:rPr lang="zh-CN" altLang="en-US" sz="2800" cap="none" dirty="0"/>
-              <a:t> </a:t>
-            </a:r>
-            <a:r>
-              <a:rPr lang="en-US" altLang="zh-CN" sz="2800" cap="none" dirty="0"/>
-              <a:t>by</a:t>
-            </a:r>
-            <a:r>
-              <a:rPr lang="zh-CN" altLang="en-US" sz="2800" cap="none" dirty="0"/>
-              <a:t> </a:t>
-            </a:r>
-            <a:r>
-              <a:rPr lang="en-US" altLang="zh-CN" sz="2800" cap="none" dirty="0"/>
-              <a:t>web3</a:t>
-            </a:r>
-            <a:r>
-              <a:rPr lang="zh-CN" altLang="en-US" sz="2800" cap="none" dirty="0"/>
-              <a:t> </a:t>
-            </a:r>
-            <a:r>
-              <a:rPr lang="en-US" altLang="zh-CN" sz="2800" cap="none" dirty="0"/>
-              <a:t>foundation</a:t>
-            </a:r>
-            <a:r>
-              <a:rPr lang="zh-CN" altLang="en-US" sz="2800" cap="none" dirty="0"/>
-              <a:t> </a:t>
-            </a:r>
-            <a:r>
-              <a:rPr lang="en-US" altLang="zh-CN" sz="2800" cap="none" dirty="0"/>
-              <a:t>grants</a:t>
-            </a:r>
-            <a:r>
-              <a:rPr lang="zh-CN" altLang="en-US" sz="2800" cap="none" dirty="0"/>
-              <a:t> </a:t>
-            </a:r>
-            <a:r>
-              <a:rPr lang="en-US" altLang="zh-CN" sz="2800" cap="none" dirty="0"/>
-              <a:t>program</a:t>
-            </a:r>
-            <a:endParaRPr lang="en-US" sz="2800" cap="none" dirty="0"/>
-          </a:p>
-        </p:txBody>
-      </p:sp>
-      <p:sp>
-        <p:nvSpPr>
-          <p:cNvPr id="4" name="TextBox 3">
-            <a:extLst>
-              <a:ext uri="{FF2B5EF4-FFF2-40B4-BE49-F238E27FC236}">
-                <a16:creationId xmlns:a16="http://schemas.microsoft.com/office/drawing/2014/main" id="{742E13B0-CF4D-D44C-9D02-FDE796565AF9}"/>
-              </a:ext>
-            </a:extLst>
-          </p:cNvPr>
-          <p:cNvSpPr txBox="1"/>
+          <p:cNvSpPr txBox="1">
+            <a:spLocks/>
+          </p:cNvSpPr>
           <p:nvPr/>
         </p:nvSpPr>
         <p:spPr>
           <a:xfrm>
-            <a:off x="1141413" y="4343401"/>
-            <a:ext cx="5612434" cy="1200329"/>
+            <a:off x="1293813" y="762000"/>
+            <a:ext cx="9905998" cy="1905000"/>
           </a:xfrm>
           <a:prstGeom prst="rect">
             <a:avLst/>
           </a:prstGeom>
-          <a:noFill/>
         </p:spPr>
         <p:txBody>
-          <a:bodyPr wrap="none" rtlCol="0">
-            <a:spAutoFit/>
+          <a:bodyPr vert="horz" lIns="91440" tIns="45720" rIns="91440" bIns="45720" rtlCol="0" anchor="ctr">
+            <a:normAutofit lnSpcReduction="10000"/>
           </a:bodyPr>
-          <a:lstStyle/>
-          <a:p>
-            <a:r>
-              <a:rPr lang="en-US" dirty="0">
-                <a:hlinkClick r:id="rId2"/>
-              </a:rPr>
-              <a:t>https://github.com/OnFinality-io/subql</a:t>
-            </a:r>
-          </a:p>
-          <a:p>
-            <a:r>
-              <a:rPr lang="en-US" dirty="0">
-                <a:hlinkClick r:id="rId2"/>
-              </a:rPr>
-              <a:t>https://github.com/OnFinality-io/subql-examples</a:t>
-            </a:r>
-          </a:p>
-          <a:p>
-            <a:r>
-              <a:rPr lang="en-US" dirty="0">
-                <a:hlinkClick r:id="rId2"/>
-              </a:rPr>
-              <a:t>https://doc.subquery.network/</a:t>
-            </a:r>
-            <a:endParaRPr lang="en-US" dirty="0"/>
-          </a:p>
-          <a:p>
-            <a:endParaRPr lang="en-US" dirty="0"/>
+          <a:lstStyle>
+            <a:lvl1pPr algn="l" defTabSz="457200" rtl="0" eaLnBrk="1" latinLnBrk="0" hangingPunct="1">
+              <a:spcBef>
+                <a:spcPct val="0"/>
+              </a:spcBef>
+              <a:buNone/>
+              <a:defRPr sz="3200" kern="1200" cap="all">
+                <a:ln w="3175" cmpd="sng">
+                  <a:noFill/>
+                </a:ln>
+                <a:gradFill flip="none" rotWithShape="1">
+                  <a:gsLst>
+                    <a:gs pos="0">
+                      <a:schemeClr val="tx1"/>
+                    </a:gs>
+                    <a:gs pos="100000">
+                      <a:schemeClr val="tx1">
+                        <a:lumMod val="65000"/>
+                      </a:schemeClr>
+                    </a:gs>
+                  </a:gsLst>
+                  <a:lin ang="5580000" scaled="0"/>
+                  <a:tileRect/>
+                </a:gradFill>
+                <a:effectLst>
+                  <a:glow rad="38100">
+                    <a:schemeClr val="bg1">
+                      <a:lumMod val="65000"/>
+                      <a:lumOff val="35000"/>
+                      <a:alpha val="40000"/>
+                    </a:schemeClr>
+                  </a:glow>
+                  <a:outerShdw blurRad="28575" dist="38100" dir="14040000" algn="tl" rotWithShape="0">
+                    <a:srgbClr val="000000">
+                      <a:alpha val="25000"/>
+                    </a:srgbClr>
+                  </a:outerShdw>
+                </a:effectLst>
+                <a:latin typeface="+mj-lt"/>
+                <a:ea typeface="+mj-ea"/>
+                <a:cs typeface="+mj-cs"/>
+              </a:defRPr>
+            </a:lvl1pPr>
+            <a:lvl2pPr eaLnBrk="1" hangingPunct="1">
+              <a:defRPr>
+                <a:solidFill>
+                  <a:schemeClr val="tx2"/>
+                </a:solidFill>
+              </a:defRPr>
+            </a:lvl2pPr>
+            <a:lvl3pPr eaLnBrk="1" hangingPunct="1">
+              <a:defRPr>
+                <a:solidFill>
+                  <a:schemeClr val="tx2"/>
+                </a:solidFill>
+              </a:defRPr>
+            </a:lvl3pPr>
+            <a:lvl4pPr eaLnBrk="1" hangingPunct="1">
+              <a:defRPr>
+                <a:solidFill>
+                  <a:schemeClr val="tx2"/>
+                </a:solidFill>
+              </a:defRPr>
+            </a:lvl4pPr>
+            <a:lvl5pPr eaLnBrk="1" hangingPunct="1">
+              <a:defRPr>
+                <a:solidFill>
+                  <a:schemeClr val="tx2"/>
+                </a:solidFill>
+              </a:defRPr>
+            </a:lvl5pPr>
+            <a:lvl6pPr eaLnBrk="1" hangingPunct="1">
+              <a:defRPr>
+                <a:solidFill>
+                  <a:schemeClr val="tx2"/>
+                </a:solidFill>
+              </a:defRPr>
+            </a:lvl6pPr>
+            <a:lvl7pPr eaLnBrk="1" hangingPunct="1">
+              <a:defRPr>
+                <a:solidFill>
+                  <a:schemeClr val="tx2"/>
+                </a:solidFill>
+              </a:defRPr>
+            </a:lvl7pPr>
+            <a:lvl8pPr eaLnBrk="1" hangingPunct="1">
+              <a:defRPr>
+                <a:solidFill>
+                  <a:schemeClr val="tx2"/>
+                </a:solidFill>
+              </a:defRPr>
+            </a:lvl8pPr>
+            <a:lvl9pPr eaLnBrk="1" hangingPunct="1">
+              <a:defRPr>
+                <a:solidFill>
+                  <a:schemeClr val="tx2"/>
+                </a:solidFill>
+              </a:defRPr>
+            </a:lvl9pPr>
+          </a:lstStyle>
+          <a:p>
+            <a:r>
+              <a:rPr lang="en-US" altLang="zh-CN" cap="none" dirty="0"/>
+              <a:t>Multi</a:t>
+            </a:r>
+            <a:r>
+              <a:rPr lang="zh-CN" altLang="en-US" cap="none" dirty="0"/>
+              <a:t> </a:t>
+            </a:r>
+            <a:r>
+              <a:rPr lang="en-US" altLang="zh-CN" cap="none" dirty="0"/>
+              <a:t>Query</a:t>
+            </a:r>
+          </a:p>
+          <a:p>
+            <a:endParaRPr lang="en-US" cap="none" dirty="0"/>
+          </a:p>
+          <a:p>
+            <a:r>
+              <a:rPr lang="en-US" altLang="zh-CN" cap="none" dirty="0" err="1"/>
+              <a:t>api.query.xxx.yyy.multi</a:t>
+            </a:r>
+            <a:r>
+              <a:rPr lang="en-US" altLang="zh-CN" cap="none" dirty="0"/>
+              <a:t>()</a:t>
+            </a:r>
+          </a:p>
+          <a:p>
+            <a:r>
+              <a:rPr lang="en-US" altLang="zh-CN" cap="none" dirty="0" err="1"/>
+              <a:t>api.queryMulti</a:t>
+            </a:r>
+            <a:r>
+              <a:rPr lang="en-US" altLang="zh-CN" cap="none" dirty="0"/>
+              <a:t>()</a:t>
+            </a:r>
+            <a:endParaRPr lang="en-US" cap="none" dirty="0"/>
           </a:p>
         </p:txBody>
       </p:sp>
     </p:spTree>
     <p:extLst>
       <p:ext uri="{BB962C8B-B14F-4D97-AF65-F5344CB8AC3E}">
-        <p14:creationId xmlns:p14="http://schemas.microsoft.com/office/powerpoint/2010/main" val="658405941"/>
+        <p14:creationId xmlns:p14="http://schemas.microsoft.com/office/powerpoint/2010/main" val="1635024853"/>
       </p:ext>
     </p:extLst>
   </p:cSld>
@@ -7857,12 +7817,141 @@
           <a:chExt cx="0" cy="0"/>
         </a:xfrm>
       </p:grpSpPr>
+      <p:sp>
+        <p:nvSpPr>
+          <p:cNvPr id="2" name="Title 1">
+            <a:extLst>
+              <a:ext uri="{FF2B5EF4-FFF2-40B4-BE49-F238E27FC236}">
+                <a16:creationId xmlns:a16="http://schemas.microsoft.com/office/drawing/2014/main" id="{4BD9AC50-AD3F-F541-841C-7FCD5FBE1FE3}"/>
+              </a:ext>
+            </a:extLst>
+          </p:cNvPr>
+          <p:cNvSpPr>
+            <a:spLocks noGrp="1"/>
+          </p:cNvSpPr>
+          <p:nvPr>
+            <p:ph type="title"/>
+          </p:nvPr>
+        </p:nvSpPr>
+        <p:spPr/>
+        <p:txBody>
+          <a:bodyPr/>
+          <a:lstStyle/>
+          <a:p>
+            <a:r>
+              <a:rPr lang="en-US" altLang="zh-CN" dirty="0"/>
+              <a:t>Resources</a:t>
+            </a:r>
+            <a:endParaRPr lang="en-US" dirty="0"/>
+          </a:p>
+        </p:txBody>
+      </p:sp>
+      <p:sp>
+        <p:nvSpPr>
+          <p:cNvPr id="3" name="TextBox 2">
+            <a:extLst>
+              <a:ext uri="{FF2B5EF4-FFF2-40B4-BE49-F238E27FC236}">
+                <a16:creationId xmlns:a16="http://schemas.microsoft.com/office/drawing/2014/main" id="{57C1D4CE-473D-9A4F-B989-795B5A69F50B}"/>
+              </a:ext>
+            </a:extLst>
+          </p:cNvPr>
+          <p:cNvSpPr txBox="1"/>
+          <p:nvPr/>
+        </p:nvSpPr>
+        <p:spPr>
+          <a:xfrm>
+            <a:off x="1063487" y="2246244"/>
+            <a:ext cx="4700326" cy="646331"/>
+          </a:xfrm>
+          <a:prstGeom prst="rect">
+            <a:avLst/>
+          </a:prstGeom>
+          <a:noFill/>
+        </p:spPr>
+        <p:txBody>
+          <a:bodyPr wrap="none" rtlCol="0">
+            <a:spAutoFit/>
+          </a:bodyPr>
+          <a:lstStyle/>
+          <a:p>
+            <a:pPr marL="285750" indent="-285750">
+              <a:buFont typeface="Arial" panose="020B0604020202020204" pitchFamily="34" charset="0"/>
+              <a:buChar char="•"/>
+            </a:pPr>
+            <a:r>
+              <a:rPr lang="en-US" dirty="0"/>
+              <a:t>https://</a:t>
+            </a:r>
+            <a:r>
+              <a:rPr lang="en-US" dirty="0" err="1"/>
+              <a:t>polkadot.js.org</a:t>
+            </a:r>
+            <a:r>
+              <a:rPr lang="en-US" dirty="0"/>
+              <a:t>/docs/</a:t>
+            </a:r>
+            <a:r>
+              <a:rPr lang="en-US" dirty="0" err="1"/>
+              <a:t>api</a:t>
+            </a:r>
+            <a:endParaRPr lang="en-US" dirty="0"/>
+          </a:p>
+          <a:p>
+            <a:pPr marL="285750" indent="-285750">
+              <a:buFont typeface="Arial" panose="020B0604020202020204" pitchFamily="34" charset="0"/>
+              <a:buChar char="•"/>
+            </a:pPr>
+            <a:r>
+              <a:rPr lang="en-US" dirty="0"/>
+              <a:t>https://</a:t>
+            </a:r>
+            <a:r>
+              <a:rPr lang="en-US" dirty="0" err="1"/>
+              <a:t>polkadot.js.org</a:t>
+            </a:r>
+            <a:r>
+              <a:rPr lang="en-US" dirty="0"/>
+              <a:t>/docs/substrate</a:t>
+            </a:r>
+          </a:p>
+        </p:txBody>
+      </p:sp>
+    </p:spTree>
+    <p:extLst>
+      <p:ext uri="{BB962C8B-B14F-4D97-AF65-F5344CB8AC3E}">
+        <p14:creationId xmlns:p14="http://schemas.microsoft.com/office/powerpoint/2010/main" val="4287890292"/>
+      </p:ext>
+    </p:extLst>
+  </p:cSld>
+  <p:clrMapOvr>
+    <a:masterClrMapping/>
+  </p:clrMapOvr>
+</p:sld>
+</file>
+
+<file path=ppt/slides/slide17.xml><?xml version="1.0" encoding="utf-8"?>
+<p:sld xmlns:a="http://schemas.openxmlformats.org/drawingml/2006/main" xmlns:r="http://schemas.openxmlformats.org/officeDocument/2006/relationships" xmlns:p="http://schemas.openxmlformats.org/presentationml/2006/main">
+  <p:cSld>
+    <p:spTree>
+      <p:nvGrpSpPr>
+        <p:cNvPr id="1" name=""/>
+        <p:cNvGrpSpPr/>
+        <p:nvPr/>
+      </p:nvGrpSpPr>
+      <p:grpSpPr>
+        <a:xfrm>
+          <a:off x="0" y="0"/>
+          <a:ext cx="0" cy="0"/>
+          <a:chOff x="0" y="0"/>
+          <a:chExt cx="0" cy="0"/>
+        </a:xfrm>
+      </p:grpSpPr>
       <p:pic>
         <p:nvPicPr>
-          <p:cNvPr id="1026" name="Picture 2">
+          <p:cNvPr id="2" name="Picture 2">
             <a:extLst>
               <a:ext uri="{FF2B5EF4-FFF2-40B4-BE49-F238E27FC236}">
-                <a16:creationId xmlns:a16="http://schemas.microsoft.com/office/drawing/2014/main" id="{F9386EFF-2263-A44F-B46A-C2221358E712}"/>
+                <a16:creationId xmlns:a16="http://schemas.microsoft.com/office/drawing/2014/main" id="{1C4B9ACF-23C6-224F-A6AC-3BEE56AA9B54}"/>
               </a:ext>
             </a:extLst>
           </p:cNvPr>
@@ -7886,7 +7975,7 @@
         </p:blipFill>
         <p:spPr bwMode="auto">
           <a:xfrm>
-            <a:off x="2368826" y="0"/>
+            <a:off x="2667000" y="0"/>
             <a:ext cx="6858000" cy="6858000"/>
           </a:xfrm>
           <a:prstGeom prst="rect">
@@ -8026,7 +8115,7 @@
         </p:nvSpPr>
         <p:spPr>
           <a:xfrm>
-            <a:off x="1141413" y="4168637"/>
+            <a:off x="2125362" y="3533803"/>
             <a:ext cx="5557932" cy="830997"/>
           </a:xfrm>
           <a:prstGeom prst="rect">
@@ -8175,6 +8264,36 @@
           </a:p>
         </p:txBody>
       </p:sp>
+      <p:pic>
+        <p:nvPicPr>
+          <p:cNvPr id="7" name="Picture 6">
+            <a:extLst>
+              <a:ext uri="{FF2B5EF4-FFF2-40B4-BE49-F238E27FC236}">
+                <a16:creationId xmlns:a16="http://schemas.microsoft.com/office/drawing/2014/main" id="{E61A7B3D-43D1-C04E-B349-4EB7ED14555F}"/>
+              </a:ext>
+            </a:extLst>
+          </p:cNvPr>
+          <p:cNvPicPr>
+            <a:picLocks noChangeAspect="1"/>
+          </p:cNvPicPr>
+          <p:nvPr/>
+        </p:nvPicPr>
+        <p:blipFill>
+          <a:blip r:embed="rId4"/>
+          <a:stretch>
+            <a:fillRect/>
+          </a:stretch>
+        </p:blipFill>
+        <p:spPr>
+          <a:xfrm>
+            <a:off x="1141413" y="3533803"/>
+            <a:ext cx="889610" cy="872568"/>
+          </a:xfrm>
+          <a:prstGeom prst="rect">
+            <a:avLst/>
+          </a:prstGeom>
+        </p:spPr>
+      </p:pic>
     </p:spTree>
     <p:extLst>
       <p:ext uri="{BB962C8B-B14F-4D97-AF65-F5344CB8AC3E}">
@@ -8487,44 +8606,10 @@
       </p:grpSpPr>
       <p:sp>
         <p:nvSpPr>
-          <p:cNvPr id="2" name="Title 1">
+          <p:cNvPr id="2" name="TextBox 1">
             <a:extLst>
               <a:ext uri="{FF2B5EF4-FFF2-40B4-BE49-F238E27FC236}">
-                <a16:creationId xmlns:a16="http://schemas.microsoft.com/office/drawing/2014/main" id="{D4376EF5-2BC9-8649-8280-0BDD65743711}"/>
-              </a:ext>
-            </a:extLst>
-          </p:cNvPr>
-          <p:cNvSpPr>
-            <a:spLocks noGrp="1"/>
-          </p:cNvSpPr>
-          <p:nvPr>
-            <p:ph type="title"/>
-          </p:nvPr>
-        </p:nvSpPr>
-        <p:spPr>
-          <a:xfrm>
-            <a:off x="589119" y="385458"/>
-            <a:ext cx="9905998" cy="1905000"/>
-          </a:xfrm>
-        </p:spPr>
-        <p:txBody>
-          <a:bodyPr anchor="t"/>
-          <a:lstStyle/>
-          <a:p>
-            <a:r>
-              <a:rPr lang="en-US" altLang="zh-CN" cap="none" dirty="0"/>
-              <a:t>Contents</a:t>
-            </a:r>
-            <a:endParaRPr lang="en-US" cap="none" dirty="0"/>
-          </a:p>
-        </p:txBody>
-      </p:sp>
-      <p:sp>
-        <p:nvSpPr>
-          <p:cNvPr id="6" name="TextBox 5">
-            <a:extLst>
-              <a:ext uri="{FF2B5EF4-FFF2-40B4-BE49-F238E27FC236}">
-                <a16:creationId xmlns:a16="http://schemas.microsoft.com/office/drawing/2014/main" id="{81BDFA56-87DC-174F-A984-C2D0FDDF58E3}"/>
+                <a16:creationId xmlns:a16="http://schemas.microsoft.com/office/drawing/2014/main" id="{186ACB34-370A-6B4D-AE41-A036B1F70D53}"/>
               </a:ext>
             </a:extLst>
           </p:cNvPr>
@@ -8533,8 +8618,8 @@
         </p:nvSpPr>
         <p:spPr>
           <a:xfrm>
-            <a:off x="693417" y="1159845"/>
-            <a:ext cx="5279009" cy="5827364"/>
+            <a:off x="422031" y="668215"/>
+            <a:ext cx="4520789" cy="584775"/>
           </a:xfrm>
           <a:prstGeom prst="rect">
             <a:avLst/>
@@ -8542,239 +8627,221 @@
           <a:noFill/>
         </p:spPr>
         <p:txBody>
-          <a:bodyPr wrap="none" rtlCol="0" anchor="ctr">
+          <a:bodyPr wrap="none" rtlCol="0">
             <a:spAutoFit/>
           </a:bodyPr>
           <a:lstStyle/>
           <a:p>
-            <a:pPr marL="285750" indent="-285750">
-              <a:lnSpc>
-                <a:spcPct val="150000"/>
-              </a:lnSpc>
-              <a:buFont typeface="Arial" panose="020B0604020202020204" pitchFamily="34" charset="0"/>
-              <a:buChar char="•"/>
-            </a:pPr>
-            <a:r>
-              <a:rPr lang="en-US" altLang="zh-CN" sz="2800" dirty="0"/>
-              <a:t>Overview</a:t>
-            </a:r>
-            <a:r>
-              <a:rPr lang="zh-CN" altLang="en-US" sz="2800" dirty="0"/>
+            <a:r>
+              <a:rPr lang="en-US" sz="3200" dirty="0"/>
+              <a:t>Assignment</a:t>
+            </a:r>
+            <a:r>
+              <a:rPr lang="zh-CN" altLang="en-US" sz="3200" dirty="0"/>
               <a:t> </a:t>
             </a:r>
             <a:r>
-              <a:rPr lang="en-US" altLang="zh-CN" sz="2800" dirty="0"/>
-              <a:t>of</a:t>
-            </a:r>
-            <a:r>
-              <a:rPr lang="zh-CN" altLang="en-US" sz="2800" dirty="0"/>
+              <a:rPr lang="en-US" altLang="zh-CN" sz="3200" dirty="0"/>
+              <a:t>5</a:t>
+            </a:r>
+            <a:r>
+              <a:rPr lang="zh-CN" altLang="en-US" sz="3200" dirty="0"/>
               <a:t> </a:t>
             </a:r>
             <a:r>
-              <a:rPr lang="en-US" altLang="zh-CN" sz="2800" dirty="0" err="1"/>
-              <a:t>PolkadotJs</a:t>
-            </a:r>
-            <a:endParaRPr lang="en-US" altLang="zh-CN" sz="2800" dirty="0"/>
-          </a:p>
-          <a:p>
-            <a:pPr marL="742950" lvl="1" indent="-285750">
-              <a:lnSpc>
-                <a:spcPct val="150000"/>
-              </a:lnSpc>
-              <a:buFont typeface="Arial" panose="020B0604020202020204" pitchFamily="34" charset="0"/>
-              <a:buChar char="•"/>
-            </a:pPr>
-            <a:r>
-              <a:rPr lang="en-US" altLang="zh-CN" sz="2800" dirty="0" err="1"/>
-              <a:t>rpc</a:t>
-            </a:r>
-            <a:r>
-              <a:rPr lang="en-US" altLang="zh-CN" sz="2800" dirty="0"/>
-              <a:t>,</a:t>
-            </a:r>
-            <a:r>
-              <a:rPr lang="zh-CN" altLang="en-US" sz="2800" dirty="0"/>
+              <a:rPr lang="en-US" altLang="zh-CN" sz="3200" dirty="0"/>
+              <a:t>Kitty</a:t>
+            </a:r>
+            <a:r>
+              <a:rPr lang="zh-CN" altLang="en-US" sz="3200" dirty="0"/>
               <a:t> </a:t>
             </a:r>
             <a:r>
-              <a:rPr lang="en-US" altLang="zh-CN" sz="2800" dirty="0"/>
-              <a:t>query,</a:t>
-            </a:r>
-            <a:r>
-              <a:rPr lang="zh-CN" altLang="en-US" sz="2800" dirty="0"/>
+              <a:rPr lang="en-US" altLang="zh-CN" sz="3200" dirty="0"/>
+              <a:t>NFT</a:t>
+            </a:r>
+            <a:endParaRPr lang="en-US" sz="3200" dirty="0"/>
+          </a:p>
+        </p:txBody>
+      </p:sp>
+      <p:sp>
+        <p:nvSpPr>
+          <p:cNvPr id="3" name="TextBox 2">
+            <a:extLst>
+              <a:ext uri="{FF2B5EF4-FFF2-40B4-BE49-F238E27FC236}">
+                <a16:creationId xmlns:a16="http://schemas.microsoft.com/office/drawing/2014/main" id="{C1A5EA57-3FD1-EB40-9FBA-2D7AC029F1B3}"/>
+              </a:ext>
+            </a:extLst>
+          </p:cNvPr>
+          <p:cNvSpPr txBox="1"/>
+          <p:nvPr/>
+        </p:nvSpPr>
+        <p:spPr>
+          <a:xfrm>
+            <a:off x="422031" y="1521069"/>
+            <a:ext cx="7696338" cy="369332"/>
+          </a:xfrm>
+          <a:prstGeom prst="rect">
+            <a:avLst/>
+          </a:prstGeom>
+          <a:noFill/>
+        </p:spPr>
+        <p:txBody>
+          <a:bodyPr wrap="none" rtlCol="0">
+            <a:spAutoFit/>
+          </a:bodyPr>
+          <a:lstStyle/>
+          <a:p>
+            <a:r>
+              <a:rPr lang="en-US" dirty="0"/>
+              <a:t>https://</a:t>
+            </a:r>
+            <a:r>
+              <a:rPr lang="en-US" dirty="0" err="1"/>
+              <a:t>github.com</a:t>
+            </a:r>
+            <a:r>
+              <a:rPr lang="en-US" dirty="0"/>
+              <a:t>/</a:t>
+            </a:r>
+            <a:r>
+              <a:rPr lang="en-US" dirty="0" err="1"/>
+              <a:t>SubstrateDevAcademy</a:t>
+            </a:r>
+            <a:r>
+              <a:rPr lang="en-US" dirty="0"/>
+              <a:t>/assignment-</a:t>
+            </a:r>
+            <a:r>
+              <a:rPr lang="en-US" altLang="zh-CN" dirty="0"/>
+              <a:t>5</a:t>
+            </a:r>
+            <a:r>
+              <a:rPr lang="en-US" dirty="0"/>
+              <a:t>-template</a:t>
+            </a:r>
+          </a:p>
+        </p:txBody>
+      </p:sp>
+      <p:sp>
+        <p:nvSpPr>
+          <p:cNvPr id="4" name="TextBox 3">
+            <a:extLst>
+              <a:ext uri="{FF2B5EF4-FFF2-40B4-BE49-F238E27FC236}">
+                <a16:creationId xmlns:a16="http://schemas.microsoft.com/office/drawing/2014/main" id="{E7CA5993-B00B-D346-AE9E-4684E5055761}"/>
+              </a:ext>
+            </a:extLst>
+          </p:cNvPr>
+          <p:cNvSpPr txBox="1"/>
+          <p:nvPr/>
+        </p:nvSpPr>
+        <p:spPr>
+          <a:xfrm>
+            <a:off x="422031" y="3059668"/>
+            <a:ext cx="8485015" cy="646331"/>
+          </a:xfrm>
+          <a:prstGeom prst="rect">
+            <a:avLst/>
+          </a:prstGeom>
+          <a:noFill/>
+        </p:spPr>
+        <p:txBody>
+          <a:bodyPr wrap="none" rtlCol="0">
+            <a:spAutoFit/>
+          </a:bodyPr>
+          <a:lstStyle/>
+          <a:p>
+            <a:r>
+              <a:rPr lang="en-US" altLang="zh-CN" dirty="0"/>
+              <a:t>Source</a:t>
+            </a:r>
+            <a:r>
+              <a:rPr lang="zh-CN" altLang="en-US" dirty="0"/>
               <a:t> </a:t>
             </a:r>
             <a:r>
-              <a:rPr lang="en-US" altLang="zh-CN" sz="2800" dirty="0" err="1"/>
-              <a:t>tx</a:t>
-            </a:r>
-            <a:r>
-              <a:rPr lang="en-US" altLang="zh-CN" sz="2800" dirty="0"/>
-              <a:t>,</a:t>
-            </a:r>
-            <a:r>
-              <a:rPr lang="zh-CN" altLang="en-US" sz="2800" dirty="0"/>
+              <a:rPr lang="en-US" altLang="zh-CN" dirty="0"/>
+              <a:t>code</a:t>
+            </a:r>
+            <a:r>
+              <a:rPr lang="zh-CN" altLang="en-US" dirty="0"/>
               <a:t> </a:t>
             </a:r>
             <a:r>
-              <a:rPr lang="en-US" altLang="zh-CN" sz="2800" dirty="0"/>
-              <a:t>derive</a:t>
-            </a:r>
-          </a:p>
-          <a:p>
-            <a:pPr marL="742950" lvl="1" indent="-285750">
-              <a:lnSpc>
-                <a:spcPct val="150000"/>
-              </a:lnSpc>
-              <a:buFont typeface="Arial" panose="020B0604020202020204" pitchFamily="34" charset="0"/>
-              <a:buChar char="•"/>
-            </a:pPr>
-            <a:r>
-              <a:rPr lang="en-US" altLang="zh-CN" sz="2800" dirty="0" err="1"/>
-              <a:t>ws</a:t>
-            </a:r>
-            <a:r>
-              <a:rPr lang="en-US" altLang="zh-CN" sz="2800" dirty="0"/>
-              <a:t>/http</a:t>
-            </a:r>
-            <a:r>
-              <a:rPr lang="zh-CN" altLang="en-US" sz="2800" dirty="0"/>
+              <a:rPr lang="en-US" altLang="zh-CN" dirty="0"/>
+              <a:t>can</a:t>
+            </a:r>
+            <a:r>
+              <a:rPr lang="zh-CN" altLang="en-US" dirty="0"/>
               <a:t> </a:t>
             </a:r>
             <a:r>
-              <a:rPr lang="en-US" altLang="zh-CN" sz="2800" dirty="0"/>
-              <a:t>provider</a:t>
-            </a:r>
-          </a:p>
-          <a:p>
-            <a:pPr marL="285750" indent="-285750">
-              <a:lnSpc>
-                <a:spcPct val="150000"/>
-              </a:lnSpc>
-              <a:buFont typeface="Arial" panose="020B0604020202020204" pitchFamily="34" charset="0"/>
-              <a:buChar char="•"/>
-            </a:pPr>
-            <a:r>
-              <a:rPr lang="en-US" altLang="zh-CN" sz="2800" dirty="0"/>
-              <a:t>Connect</a:t>
-            </a:r>
-            <a:r>
-              <a:rPr lang="zh-CN" altLang="en-US" sz="2800" dirty="0"/>
+              <a:rPr lang="en-US" altLang="zh-CN" dirty="0"/>
+              <a:t>be</a:t>
+            </a:r>
+            <a:r>
+              <a:rPr lang="zh-CN" altLang="en-US" dirty="0"/>
               <a:t> </a:t>
             </a:r>
             <a:r>
-              <a:rPr lang="en-US" altLang="zh-CN" sz="2800" dirty="0"/>
-              <a:t>to</a:t>
-            </a:r>
-            <a:r>
-              <a:rPr lang="zh-CN" altLang="en-US" sz="2800" dirty="0"/>
+              <a:rPr lang="en-US" altLang="zh-CN" dirty="0"/>
+              <a:t>found</a:t>
+            </a:r>
+            <a:r>
+              <a:rPr lang="zh-CN" altLang="en-US" dirty="0"/>
               <a:t> </a:t>
             </a:r>
-            <a:r>
-              <a:rPr lang="en-US" altLang="zh-CN" sz="2800" dirty="0"/>
-              <a:t>your</a:t>
-            </a:r>
-            <a:r>
-              <a:rPr lang="zh-CN" altLang="en-US" sz="2800" dirty="0"/>
-              <a:t> </a:t>
-            </a:r>
-            <a:r>
-              <a:rPr lang="en-US" altLang="zh-CN" sz="2800" dirty="0"/>
-              <a:t>own</a:t>
-            </a:r>
-            <a:r>
-              <a:rPr lang="zh-CN" altLang="en-US" sz="2800" dirty="0"/>
-              <a:t> </a:t>
-            </a:r>
-            <a:r>
-              <a:rPr lang="en-US" altLang="zh-CN" sz="2800" dirty="0"/>
-              <a:t>chain</a:t>
-            </a:r>
-          </a:p>
-          <a:p>
-            <a:pPr marL="742950" lvl="1" indent="-285750">
-              <a:lnSpc>
-                <a:spcPct val="150000"/>
-              </a:lnSpc>
-              <a:buFont typeface="Arial" panose="020B0604020202020204" pitchFamily="34" charset="0"/>
-              <a:buChar char="•"/>
-            </a:pPr>
-            <a:r>
-              <a:rPr lang="en-US" altLang="zh-CN" sz="2800" dirty="0"/>
-              <a:t>Type</a:t>
-            </a:r>
-            <a:r>
-              <a:rPr lang="zh-CN" altLang="en-US" sz="2800" dirty="0"/>
-              <a:t> </a:t>
-            </a:r>
-            <a:r>
-              <a:rPr lang="en-US" altLang="zh-CN" sz="2800" dirty="0"/>
-              <a:t>injection</a:t>
-            </a:r>
-          </a:p>
-          <a:p>
-            <a:pPr marL="742950" lvl="1" indent="-285750">
-              <a:lnSpc>
-                <a:spcPct val="150000"/>
-              </a:lnSpc>
-              <a:buFont typeface="Arial" panose="020B0604020202020204" pitchFamily="34" charset="0"/>
-              <a:buChar char="•"/>
-            </a:pPr>
-            <a:r>
-              <a:rPr lang="en-US" altLang="zh-CN" sz="2800" dirty="0"/>
-              <a:t>Metadata</a:t>
-            </a:r>
-            <a:r>
-              <a:rPr lang="zh-CN" altLang="en-US" sz="2800" dirty="0"/>
-              <a:t> </a:t>
-            </a:r>
-            <a:r>
-              <a:rPr lang="en-US" altLang="zh-CN" sz="2800" dirty="0"/>
-              <a:t>cache</a:t>
-            </a:r>
-          </a:p>
-          <a:p>
-            <a:pPr marL="742950" lvl="1" indent="-285750">
-              <a:lnSpc>
-                <a:spcPct val="150000"/>
-              </a:lnSpc>
-              <a:buFont typeface="Arial" panose="020B0604020202020204" pitchFamily="34" charset="0"/>
-              <a:buChar char="•"/>
-            </a:pPr>
-            <a:r>
-              <a:rPr lang="en-US" altLang="zh-CN" sz="2800" dirty="0"/>
-              <a:t>Extension</a:t>
-            </a:r>
-          </a:p>
-          <a:p>
-            <a:pPr marL="285750" indent="-285750">
-              <a:lnSpc>
-                <a:spcPct val="150000"/>
-              </a:lnSpc>
-              <a:buFont typeface="Arial" panose="020B0604020202020204" pitchFamily="34" charset="0"/>
-              <a:buChar char="•"/>
-            </a:pPr>
-            <a:r>
-              <a:rPr lang="en-US" altLang="zh-CN" sz="2800" dirty="0"/>
-              <a:t>Subquery</a:t>
-            </a:r>
-          </a:p>
-          <a:p>
-            <a:pPr marL="742950" lvl="1" indent="-285750">
-              <a:lnSpc>
-                <a:spcPct val="150000"/>
-              </a:lnSpc>
-              <a:buFont typeface="Arial" panose="020B0604020202020204" pitchFamily="34" charset="0"/>
-              <a:buChar char="•"/>
-            </a:pPr>
-            <a:endParaRPr lang="en-US" sz="2800" dirty="0"/>
+            <a:endParaRPr lang="en-US" altLang="zh-CN" dirty="0"/>
+          </a:p>
+          <a:p>
+            <a:r>
+              <a:rPr lang="en-US" dirty="0"/>
+              <a:t>	https://</a:t>
+            </a:r>
+            <a:r>
+              <a:rPr lang="en-US" dirty="0" err="1"/>
+              <a:t>github.com</a:t>
+            </a:r>
+            <a:r>
+              <a:rPr lang="en-US" dirty="0"/>
+              <a:t>/</a:t>
+            </a:r>
+            <a:r>
+              <a:rPr lang="en-US" dirty="0" err="1"/>
+              <a:t>OnFinality</a:t>
+            </a:r>
+            <a:r>
+              <a:rPr lang="en-US" dirty="0"/>
+              <a:t>-io/substrate-</a:t>
+            </a:r>
+            <a:r>
+              <a:rPr lang="en-US" dirty="0" err="1"/>
+              <a:t>acad</a:t>
+            </a:r>
+            <a:r>
+              <a:rPr lang="en-US" dirty="0"/>
+              <a:t>-workshop-</a:t>
+            </a:r>
+            <a:r>
+              <a:rPr lang="en-US" dirty="0" err="1"/>
+              <a:t>polkadot</a:t>
+            </a:r>
+            <a:r>
+              <a:rPr lang="en-US" dirty="0"/>
+              <a:t>-</a:t>
+            </a:r>
+            <a:r>
+              <a:rPr lang="en-US" dirty="0" err="1"/>
+              <a:t>js</a:t>
+            </a:r>
+            <a:endParaRPr lang="en-US" dirty="0"/>
           </a:p>
         </p:txBody>
       </p:sp>
     </p:spTree>
     <p:extLst>
       <p:ext uri="{BB962C8B-B14F-4D97-AF65-F5344CB8AC3E}">
-        <p14:creationId xmlns:p14="http://schemas.microsoft.com/office/powerpoint/2010/main" val="1549148622"/>
+        <p14:creationId xmlns:p14="http://schemas.microsoft.com/office/powerpoint/2010/main" val="2495032860"/>
       </p:ext>
     </p:extLst>
   </p:cSld>
@@ -8803,92 +8870,10 @@
       </p:grpSpPr>
       <p:sp>
         <p:nvSpPr>
-          <p:cNvPr id="2" name="Title 1">
+          <p:cNvPr id="2" name="TextBox 1">
             <a:extLst>
               <a:ext uri="{FF2B5EF4-FFF2-40B4-BE49-F238E27FC236}">
-                <a16:creationId xmlns:a16="http://schemas.microsoft.com/office/drawing/2014/main" id="{47494EEE-31B9-C44B-AA50-A3AAEA4C49C5}"/>
-              </a:ext>
-            </a:extLst>
-          </p:cNvPr>
-          <p:cNvSpPr>
-            <a:spLocks noGrp="1"/>
-          </p:cNvSpPr>
-          <p:nvPr>
-            <p:ph type="title"/>
-          </p:nvPr>
-        </p:nvSpPr>
-        <p:spPr>
-          <a:xfrm>
-            <a:off x="708927" y="584887"/>
-            <a:ext cx="9905998" cy="786713"/>
-          </a:xfrm>
-        </p:spPr>
-        <p:txBody>
-          <a:bodyPr anchor="t">
-            <a:normAutofit fontScale="90000"/>
-          </a:bodyPr>
-          <a:lstStyle/>
-          <a:p>
-            <a:r>
-              <a:rPr lang="en-US" altLang="zh-CN" cap="none" dirty="0" err="1">
-                <a:latin typeface="Droid Sans Mono Dotted for Powe" panose="020B0609030804020204" pitchFamily="49" charset="0"/>
-                <a:ea typeface="Droid Sans Mono Dotted for Powe" panose="020B0609030804020204" pitchFamily="49" charset="0"/>
-                <a:cs typeface="Droid Sans Mono Dotted for Powe" panose="020B0609030804020204" pitchFamily="49" charset="0"/>
-              </a:rPr>
-              <a:t>api.rpc</a:t>
-            </a:r>
-            <a:r>
-              <a:rPr lang="en-US" altLang="zh-CN" cap="none" dirty="0">
-                <a:latin typeface="Droid Sans Mono Dotted for Powe" panose="020B0609030804020204" pitchFamily="49" charset="0"/>
-                <a:ea typeface="Droid Sans Mono Dotted for Powe" panose="020B0609030804020204" pitchFamily="49" charset="0"/>
-                <a:cs typeface="Droid Sans Mono Dotted for Powe" panose="020B0609030804020204" pitchFamily="49" charset="0"/>
-              </a:rPr>
-              <a:t>.</a:t>
-            </a:r>
-            <a:r>
-              <a:rPr lang="zh-CN" altLang="en-US" cap="none" dirty="0">
-                <a:latin typeface="Droid Sans Mono Dotted for Powe" panose="020B0609030804020204" pitchFamily="49" charset="0"/>
-                <a:cs typeface="Droid Sans Mono Dotted for Powe" panose="020B0609030804020204" pitchFamily="49" charset="0"/>
-              </a:rPr>
-              <a:t>*</a:t>
-            </a:r>
-            <a:r>
-              <a:rPr lang="zh-CN" altLang="en-US" cap="none" dirty="0"/>
-              <a:t>  </a:t>
-            </a:r>
-            <a:r>
-              <a:rPr lang="en-US" altLang="zh-CN" cap="none" dirty="0"/>
-              <a:t>-</a:t>
-            </a:r>
-            <a:r>
-              <a:rPr lang="zh-CN" altLang="en-US" cap="none" dirty="0"/>
-              <a:t>  </a:t>
-            </a:r>
-            <a:r>
-              <a:rPr lang="en-US" altLang="zh-CN" cap="none" dirty="0"/>
-              <a:t>Low-level</a:t>
-            </a:r>
-            <a:r>
-              <a:rPr lang="zh-CN" altLang="en-US" cap="none" dirty="0"/>
-              <a:t> </a:t>
-            </a:r>
-            <a:r>
-              <a:rPr lang="en-US" altLang="zh-CN" cap="none" dirty="0"/>
-              <a:t>methods</a:t>
-            </a:r>
-            <a:br>
-              <a:rPr lang="en-US" cap="none" dirty="0"/>
-            </a:br>
-            <a:endParaRPr lang="en-US" cap="none" dirty="0"/>
-          </a:p>
-        </p:txBody>
-      </p:sp>
-      <p:sp>
-        <p:nvSpPr>
-          <p:cNvPr id="3" name="TextBox 2">
-            <a:extLst>
-              <a:ext uri="{FF2B5EF4-FFF2-40B4-BE49-F238E27FC236}">
-                <a16:creationId xmlns:a16="http://schemas.microsoft.com/office/drawing/2014/main" id="{B3B28341-5690-F846-B444-FAB1FC4AD125}"/>
+                <a16:creationId xmlns:a16="http://schemas.microsoft.com/office/drawing/2014/main" id="{A969D0CB-106E-1441-AF42-E0736B38ED14}"/>
               </a:ext>
             </a:extLst>
           </p:cNvPr>
@@ -8897,8 +8882,8 @@
         </p:nvSpPr>
         <p:spPr>
           <a:xfrm>
-            <a:off x="708927" y="1695623"/>
-            <a:ext cx="4597734" cy="3108543"/>
+            <a:off x="316523" y="641839"/>
+            <a:ext cx="5267789" cy="646331"/>
           </a:xfrm>
           <a:prstGeom prst="rect">
             <a:avLst/>
@@ -8912,107 +8897,43 @@
           <a:lstStyle/>
           <a:p>
             <a:r>
-              <a:rPr lang="en-US" altLang="zh-CN" sz="2800" dirty="0"/>
-              <a:t>Some</a:t>
-            </a:r>
-            <a:r>
-              <a:rPr lang="zh-CN" altLang="en-US" sz="2800" dirty="0"/>
+              <a:rPr lang="en-US" altLang="zh-CN" sz="3600" dirty="0"/>
+              <a:t>Connect</a:t>
+            </a:r>
+            <a:r>
+              <a:rPr lang="zh-CN" altLang="en-US" sz="3600" dirty="0"/>
               <a:t> </a:t>
             </a:r>
             <a:r>
-              <a:rPr lang="en-US" altLang="zh-CN" sz="2800" dirty="0"/>
-              <a:t>useful</a:t>
-            </a:r>
-            <a:r>
-              <a:rPr lang="zh-CN" altLang="en-US" sz="2800" dirty="0"/>
+              <a:rPr lang="en-US" altLang="zh-CN" sz="3600" dirty="0"/>
+              <a:t>to</a:t>
+            </a:r>
+            <a:r>
+              <a:rPr lang="zh-CN" altLang="en-US" sz="3600" dirty="0"/>
               <a:t> </a:t>
             </a:r>
             <a:r>
-              <a:rPr lang="en-US" altLang="zh-CN" sz="2800" dirty="0" err="1"/>
-              <a:t>rpc</a:t>
-            </a:r>
-            <a:r>
-              <a:rPr lang="zh-CN" altLang="en-US" sz="2800" dirty="0"/>
+              <a:rPr lang="en-US" altLang="zh-CN" sz="3600" dirty="0"/>
+              <a:t>your</a:t>
+            </a:r>
+            <a:r>
+              <a:rPr lang="zh-CN" altLang="en-US" sz="3600" dirty="0"/>
               <a:t> </a:t>
             </a:r>
             <a:r>
-              <a:rPr lang="en-US" altLang="zh-CN" sz="2800" dirty="0"/>
-              <a:t>methods</a:t>
-            </a:r>
-          </a:p>
-          <a:p>
-            <a:endParaRPr lang="en-NZ" sz="2800" dirty="0"/>
-          </a:p>
-          <a:p>
-            <a:pPr marL="285750" indent="-285750">
-              <a:buFont typeface="Arial" panose="020B0604020202020204" pitchFamily="34" charset="0"/>
-              <a:buChar char="•"/>
-            </a:pPr>
-            <a:r>
-              <a:rPr lang="en-NZ" sz="2800" dirty="0" err="1"/>
-              <a:t>rpc.rpc.methods</a:t>
-            </a:r>
-            <a:r>
-              <a:rPr lang="en-NZ" sz="2800" dirty="0"/>
-              <a:t>()</a:t>
-            </a:r>
-          </a:p>
-          <a:p>
-            <a:endParaRPr lang="en-NZ" sz="2800" dirty="0"/>
-          </a:p>
-          <a:p>
-            <a:pPr marL="285750" indent="-285750">
-              <a:buFont typeface="Arial" panose="020B0604020202020204" pitchFamily="34" charset="0"/>
-              <a:buChar char="•"/>
-            </a:pPr>
-            <a:r>
-              <a:rPr lang="en-US" altLang="zh-CN" sz="2800" dirty="0" err="1"/>
-              <a:t>rpc.chain</a:t>
-            </a:r>
-            <a:r>
-              <a:rPr lang="en-US" altLang="zh-CN" sz="2800" dirty="0"/>
-              <a:t>.</a:t>
-            </a:r>
-            <a:r>
-              <a:rPr lang="zh-CN" altLang="en-US" sz="2800" dirty="0"/>
-              <a:t>*</a:t>
-            </a:r>
-            <a:endParaRPr lang="en-NZ" sz="2800" dirty="0"/>
-          </a:p>
-          <a:p>
-            <a:pPr marL="285750" indent="-285750">
-              <a:buFont typeface="Arial" panose="020B0604020202020204" pitchFamily="34" charset="0"/>
-              <a:buChar char="•"/>
-            </a:pPr>
-            <a:endParaRPr lang="en-NZ" sz="2800" dirty="0"/>
-          </a:p>
-          <a:p>
-            <a:pPr marL="285750" indent="-285750">
-              <a:buFont typeface="Arial" panose="020B0604020202020204" pitchFamily="34" charset="0"/>
-              <a:buChar char="•"/>
-            </a:pPr>
-            <a:r>
-              <a:rPr lang="en-US" altLang="zh-CN" sz="2800" dirty="0" err="1"/>
-              <a:t>rpc.system</a:t>
-            </a:r>
-            <a:r>
-              <a:rPr lang="en-US" altLang="zh-CN" sz="2800" dirty="0"/>
-              <a:t>.</a:t>
-            </a:r>
-            <a:r>
-              <a:rPr lang="zh-CN" altLang="en-US" sz="2800" dirty="0"/>
-              <a:t>*</a:t>
-            </a:r>
-            <a:endParaRPr lang="en-US" sz="2800" dirty="0"/>
-          </a:p>
-        </p:txBody>
-      </p:sp>
-      <p:sp>
-        <p:nvSpPr>
-          <p:cNvPr id="5" name="TextBox 4">
+              <a:rPr lang="en-US" altLang="zh-CN" sz="3600" dirty="0"/>
+              <a:t>chain</a:t>
+            </a:r>
+            <a:endParaRPr lang="en-US" sz="3600" dirty="0"/>
+          </a:p>
+        </p:txBody>
+      </p:sp>
+      <p:sp>
+        <p:nvSpPr>
+          <p:cNvPr id="3" name="TextBox 2">
             <a:extLst>
               <a:ext uri="{FF2B5EF4-FFF2-40B4-BE49-F238E27FC236}">
-                <a16:creationId xmlns:a16="http://schemas.microsoft.com/office/drawing/2014/main" id="{3799F16C-43B4-6442-885F-36C00ECFBD3F}"/>
+                <a16:creationId xmlns:a16="http://schemas.microsoft.com/office/drawing/2014/main" id="{53F6DD01-5EE5-DA4F-A0AD-3F0B0FD65CE6}"/>
               </a:ext>
             </a:extLst>
           </p:cNvPr>
@@ -9021,8 +8942,8 @@
         </p:nvSpPr>
         <p:spPr>
           <a:xfrm>
-            <a:off x="708927" y="5399902"/>
-            <a:ext cx="4988866" cy="369332"/>
+            <a:off x="316523" y="1802423"/>
+            <a:ext cx="3334567" cy="2862322"/>
           </a:xfrm>
           <a:prstGeom prst="rect">
             <a:avLst/>
@@ -9035,33 +8956,144 @@
           </a:bodyPr>
           <a:lstStyle/>
           <a:p>
+            <a:pPr marL="342900" indent="-342900">
+              <a:buAutoNum type="arabicPeriod"/>
+            </a:pPr>
+            <a:r>
+              <a:rPr lang="en-US" altLang="zh-CN" dirty="0"/>
+              <a:t>Type</a:t>
+            </a:r>
+            <a:r>
+              <a:rPr lang="zh-CN" altLang="en-US" dirty="0"/>
+              <a:t> </a:t>
+            </a:r>
+            <a:r>
+              <a:rPr lang="en-US" altLang="zh-CN" dirty="0"/>
+              <a:t>definitions</a:t>
+            </a:r>
+          </a:p>
+          <a:p>
+            <a:pPr marL="342900" indent="-342900">
+              <a:buAutoNum type="arabicPeriod"/>
+            </a:pPr>
+            <a:r>
+              <a:rPr lang="en-US" altLang="zh-CN" dirty="0"/>
+              <a:t>Metadata</a:t>
+            </a:r>
+          </a:p>
+          <a:p>
+            <a:pPr marL="342900" indent="-342900">
+              <a:buAutoNum type="arabicPeriod"/>
+            </a:pPr>
+            <a:r>
+              <a:rPr lang="en-US" altLang="zh-CN" dirty="0"/>
+              <a:t>Generation</a:t>
+            </a:r>
+            <a:r>
+              <a:rPr lang="zh-CN" altLang="en-US" dirty="0"/>
+              <a:t> </a:t>
+            </a:r>
+            <a:r>
+              <a:rPr lang="en-US" altLang="zh-CN" dirty="0"/>
+              <a:t>Interfaces</a:t>
+            </a:r>
+          </a:p>
+          <a:p>
+            <a:pPr marL="342900" indent="-342900">
+              <a:buAutoNum type="arabicPeriod"/>
+            </a:pPr>
+            <a:r>
+              <a:rPr lang="en-US" altLang="zh-CN" dirty="0"/>
+              <a:t>Init</a:t>
+            </a:r>
+            <a:r>
+              <a:rPr lang="zh-CN" altLang="en-US" dirty="0"/>
+              <a:t> </a:t>
+            </a:r>
+            <a:r>
+              <a:rPr lang="en-US" altLang="zh-CN" dirty="0" err="1"/>
+              <a:t>ApiPromise</a:t>
+            </a:r>
+            <a:r>
+              <a:rPr lang="zh-CN" altLang="en-US" dirty="0"/>
+              <a:t> </a:t>
+            </a:r>
+            <a:r>
+              <a:rPr lang="en-US" altLang="zh-CN" dirty="0"/>
+              <a:t>with</a:t>
+            </a:r>
+            <a:r>
+              <a:rPr lang="zh-CN" altLang="en-US" dirty="0"/>
+              <a:t> </a:t>
+            </a:r>
+            <a:r>
+              <a:rPr lang="en-US" altLang="zh-CN" dirty="0"/>
+              <a:t>types</a:t>
+            </a:r>
+          </a:p>
+          <a:p>
+            <a:pPr marL="342900" indent="-342900">
+              <a:buAutoNum type="arabicPeriod"/>
+            </a:pPr>
+            <a:endParaRPr lang="en-US" dirty="0"/>
+          </a:p>
+          <a:p>
+            <a:r>
+              <a:rPr lang="en-US" altLang="zh-CN" dirty="0"/>
+              <a:t>More</a:t>
+            </a:r>
+          </a:p>
+          <a:p>
+            <a:endParaRPr lang="en-US" dirty="0"/>
+          </a:p>
+          <a:p>
+            <a:pPr marL="342900" indent="-342900">
+              <a:buAutoNum type="arabicPeriod"/>
+            </a:pPr>
+            <a:r>
+              <a:rPr lang="en-US" altLang="zh-CN" dirty="0"/>
+              <a:t>Metadata</a:t>
+            </a:r>
+            <a:r>
+              <a:rPr lang="zh-CN" altLang="en-US" dirty="0"/>
+              <a:t> </a:t>
+            </a:r>
+            <a:r>
+              <a:rPr lang="en-US" altLang="zh-CN" dirty="0"/>
+              <a:t>cache</a:t>
+            </a:r>
             <a:r>
               <a:rPr lang="en-US" dirty="0"/>
-              <a:t>https://</a:t>
-            </a:r>
-            <a:r>
-              <a:rPr lang="en-US" dirty="0" err="1"/>
-              <a:t>polkadot.js.org</a:t>
-            </a:r>
-            <a:r>
-              <a:rPr lang="en-US" dirty="0"/>
-              <a:t>/docs/substrate/</a:t>
-            </a:r>
-            <a:r>
-              <a:rPr lang="en-US" dirty="0" err="1"/>
-              <a:t>rpc</a:t>
-            </a:r>
-            <a:r>
-              <a:rPr lang="en-US" dirty="0"/>
-              <a:t>/</a:t>
-            </a:r>
+              <a:t> </a:t>
+            </a:r>
+          </a:p>
+          <a:p>
+            <a:pPr marL="342900" indent="-342900">
+              <a:buAutoNum type="arabicPeriod"/>
+            </a:pPr>
+            <a:r>
+              <a:rPr lang="en-US" altLang="zh-CN" dirty="0"/>
+              <a:t>Extend</a:t>
+            </a:r>
+            <a:r>
+              <a:rPr lang="zh-CN" altLang="en-US" dirty="0"/>
+              <a:t> </a:t>
+            </a:r>
+            <a:r>
+              <a:rPr lang="en-US" altLang="zh-CN" dirty="0"/>
+              <a:t>derives</a:t>
+            </a:r>
+            <a:endParaRPr lang="en-US" dirty="0"/>
+          </a:p>
+          <a:p>
+            <a:endParaRPr lang="en-US" dirty="0"/>
           </a:p>
         </p:txBody>
       </p:sp>
     </p:spTree>
     <p:extLst>
       <p:ext uri="{BB962C8B-B14F-4D97-AF65-F5344CB8AC3E}">
-        <p14:creationId xmlns:p14="http://schemas.microsoft.com/office/powerpoint/2010/main" val="2862239770"/>
+        <p14:creationId xmlns:p14="http://schemas.microsoft.com/office/powerpoint/2010/main" val="1227922953"/>
       </p:ext>
     </p:extLst>
   </p:cSld>
@@ -9090,92 +9122,10 @@
       </p:grpSpPr>
       <p:sp>
         <p:nvSpPr>
-          <p:cNvPr id="2" name="Title 1">
+          <p:cNvPr id="2" name="TextBox 1">
             <a:extLst>
               <a:ext uri="{FF2B5EF4-FFF2-40B4-BE49-F238E27FC236}">
-                <a16:creationId xmlns:a16="http://schemas.microsoft.com/office/drawing/2014/main" id="{47494EEE-31B9-C44B-AA50-A3AAEA4C49C5}"/>
-              </a:ext>
-            </a:extLst>
-          </p:cNvPr>
-          <p:cNvSpPr>
-            <a:spLocks noGrp="1"/>
-          </p:cNvSpPr>
-          <p:nvPr>
-            <p:ph type="title"/>
-          </p:nvPr>
-        </p:nvSpPr>
-        <p:spPr>
-          <a:xfrm>
-            <a:off x="708927" y="584887"/>
-            <a:ext cx="9905998" cy="786713"/>
-          </a:xfrm>
-        </p:spPr>
-        <p:txBody>
-          <a:bodyPr anchor="t">
-            <a:normAutofit fontScale="90000"/>
-          </a:bodyPr>
-          <a:lstStyle/>
-          <a:p>
-            <a:r>
-              <a:rPr lang="en-US" altLang="zh-CN" cap="none" dirty="0" err="1">
-                <a:latin typeface="Droid Sans Mono Dotted for Powe" panose="020B0609030804020204" pitchFamily="49" charset="0"/>
-                <a:ea typeface="Droid Sans Mono Dotted for Powe" panose="020B0609030804020204" pitchFamily="49" charset="0"/>
-                <a:cs typeface="Droid Sans Mono Dotted for Powe" panose="020B0609030804020204" pitchFamily="49" charset="0"/>
-              </a:rPr>
-              <a:t>api.query</a:t>
-            </a:r>
-            <a:r>
-              <a:rPr lang="en-US" altLang="zh-CN" cap="none" dirty="0">
-                <a:latin typeface="Droid Sans Mono Dotted for Powe" panose="020B0609030804020204" pitchFamily="49" charset="0"/>
-                <a:ea typeface="Droid Sans Mono Dotted for Powe" panose="020B0609030804020204" pitchFamily="49" charset="0"/>
-                <a:cs typeface="Droid Sans Mono Dotted for Powe" panose="020B0609030804020204" pitchFamily="49" charset="0"/>
-              </a:rPr>
-              <a:t>.</a:t>
-            </a:r>
-            <a:r>
-              <a:rPr lang="zh-CN" altLang="en-US" cap="none" dirty="0">
-                <a:latin typeface="Droid Sans Mono Dotted for Powe" panose="020B0609030804020204" pitchFamily="49" charset="0"/>
-                <a:cs typeface="Droid Sans Mono Dotted for Powe" panose="020B0609030804020204" pitchFamily="49" charset="0"/>
-              </a:rPr>
-              <a:t>*</a:t>
-            </a:r>
-            <a:r>
-              <a:rPr lang="zh-CN" altLang="en-US" cap="none" dirty="0"/>
-              <a:t>  </a:t>
-            </a:r>
-            <a:r>
-              <a:rPr lang="en-US" altLang="zh-CN" cap="none" dirty="0"/>
-              <a:t>-</a:t>
-            </a:r>
-            <a:r>
-              <a:rPr lang="zh-CN" altLang="en-US" dirty="0"/>
-              <a:t>  </a:t>
-            </a:r>
-            <a:r>
-              <a:rPr lang="en-US" altLang="zh-CN" cap="none" dirty="0"/>
-              <a:t>Storage</a:t>
-            </a:r>
-            <a:r>
-              <a:rPr lang="zh-CN" altLang="en-US" cap="none" dirty="0"/>
-              <a:t> </a:t>
-            </a:r>
-            <a:r>
-              <a:rPr lang="en-US" altLang="zh-CN" cap="none" dirty="0"/>
-              <a:t>queries</a:t>
-            </a:r>
-            <a:br>
-              <a:rPr lang="en-US" dirty="0"/>
-            </a:br>
-            <a:endParaRPr lang="en-US" cap="none" dirty="0"/>
-          </a:p>
-        </p:txBody>
-      </p:sp>
-      <p:sp>
-        <p:nvSpPr>
-          <p:cNvPr id="3" name="TextBox 2">
-            <a:extLst>
-              <a:ext uri="{FF2B5EF4-FFF2-40B4-BE49-F238E27FC236}">
-                <a16:creationId xmlns:a16="http://schemas.microsoft.com/office/drawing/2014/main" id="{B3B28341-5690-F846-B444-FAB1FC4AD125}"/>
+                <a16:creationId xmlns:a16="http://schemas.microsoft.com/office/drawing/2014/main" id="{6F755124-BBF0-DA45-9624-BCBAC5E528F1}"/>
               </a:ext>
             </a:extLst>
           </p:cNvPr>
@@ -9184,8 +9134,8 @@
         </p:nvSpPr>
         <p:spPr>
           <a:xfrm>
-            <a:off x="708927" y="1460845"/>
-            <a:ext cx="9028197" cy="3046988"/>
+            <a:off x="439616" y="835270"/>
+            <a:ext cx="6389891" cy="584775"/>
           </a:xfrm>
           <a:prstGeom prst="rect">
             <a:avLst/>
@@ -9193,365 +9143,355 @@
           <a:noFill/>
         </p:spPr>
         <p:txBody>
-          <a:bodyPr wrap="square" rtlCol="0">
+          <a:bodyPr wrap="none" rtlCol="0">
             <a:spAutoFit/>
           </a:bodyPr>
           <a:lstStyle/>
           <a:p>
             <a:r>
-              <a:rPr lang="en-US" altLang="zh-CN" sz="2800" dirty="0"/>
-              <a:t>Some</a:t>
-            </a:r>
-            <a:r>
-              <a:rPr lang="zh-CN" altLang="en-US" sz="2800" dirty="0"/>
+              <a:rPr lang="en-US" sz="3200" dirty="0"/>
+              <a:t>Query</a:t>
+            </a:r>
+            <a:r>
+              <a:rPr lang="zh-CN" altLang="en-US" sz="3200" dirty="0"/>
               <a:t> </a:t>
             </a:r>
             <a:r>
-              <a:rPr lang="en-US" altLang="zh-CN" sz="2800" dirty="0"/>
-              <a:t>tips</a:t>
-            </a:r>
-            <a:r>
-              <a:rPr lang="zh-CN" altLang="en-US" sz="2800" dirty="0"/>
+              <a:rPr lang="en-US" altLang="zh-CN" sz="3200" dirty="0"/>
+              <a:t>Basic</a:t>
+            </a:r>
+            <a:r>
+              <a:rPr lang="zh-CN" altLang="en-US" sz="3200" dirty="0"/>
               <a:t> </a:t>
             </a:r>
             <a:r>
-              <a:rPr lang="en-US" altLang="zh-CN" sz="2800" dirty="0"/>
-              <a:t>(</a:t>
-            </a:r>
-            <a:r>
-              <a:rPr lang="en-US" altLang="zh-CN" sz="2800" dirty="0" err="1"/>
-              <a:t>api.query</a:t>
-            </a:r>
-            <a:r>
-              <a:rPr lang="en-US" altLang="zh-CN" sz="2800" dirty="0"/>
+              <a:rPr lang="en-US" altLang="zh-CN" sz="3200" dirty="0"/>
+              <a:t>Chain</a:t>
+            </a:r>
+            <a:r>
+              <a:rPr lang="zh-CN" altLang="en-US" sz="3200" dirty="0"/>
+              <a:t> </a:t>
+            </a:r>
+            <a:r>
+              <a:rPr lang="en-US" altLang="zh-CN" sz="3200" dirty="0" err="1"/>
+              <a:t>Informations</a:t>
+            </a:r>
+            <a:endParaRPr lang="en-US" sz="3200" dirty="0"/>
+          </a:p>
+        </p:txBody>
+      </p:sp>
+      <p:sp>
+        <p:nvSpPr>
+          <p:cNvPr id="3" name="TextBox 2">
+            <a:extLst>
+              <a:ext uri="{FF2B5EF4-FFF2-40B4-BE49-F238E27FC236}">
+                <a16:creationId xmlns:a16="http://schemas.microsoft.com/office/drawing/2014/main" id="{8D586D9A-571E-7F44-92B3-0AA05796F2EF}"/>
+              </a:ext>
+            </a:extLst>
+          </p:cNvPr>
+          <p:cNvSpPr txBox="1"/>
+          <p:nvPr/>
+        </p:nvSpPr>
+        <p:spPr>
+          <a:xfrm>
+            <a:off x="659423" y="1855177"/>
+            <a:ext cx="6639959" cy="1200329"/>
+          </a:xfrm>
+          <a:prstGeom prst="rect">
+            <a:avLst/>
+          </a:prstGeom>
+          <a:noFill/>
+        </p:spPr>
+        <p:txBody>
+          <a:bodyPr wrap="none" rtlCol="0">
+            <a:spAutoFit/>
+          </a:bodyPr>
+          <a:lstStyle/>
+          <a:p>
+            <a:r>
+              <a:rPr lang="en-US" altLang="zh-CN" dirty="0"/>
+              <a:t>Chain</a:t>
+            </a:r>
+            <a:r>
+              <a:rPr lang="zh-CN" altLang="en-US" dirty="0"/>
+              <a:t> </a:t>
+            </a:r>
+            <a:r>
+              <a:rPr lang="en-US" altLang="zh-CN" dirty="0"/>
+              <a:t>Name</a:t>
+            </a:r>
+            <a:r>
+              <a:rPr lang="zh-CN" altLang="en-US" dirty="0"/>
+              <a:t>          </a:t>
+            </a:r>
+            <a:r>
+              <a:rPr lang="en-US" altLang="zh-CN" dirty="0" err="1"/>
+              <a:t>api.runtimeChain</a:t>
+            </a:r>
+            <a:endParaRPr lang="en-US" altLang="zh-CN" dirty="0"/>
+          </a:p>
+          <a:p>
+            <a:r>
+              <a:rPr lang="en-US" altLang="zh-CN" dirty="0"/>
+              <a:t>Genesis</a:t>
+            </a:r>
+            <a:r>
+              <a:rPr lang="zh-CN" altLang="en-US" dirty="0"/>
+              <a:t> </a:t>
+            </a:r>
+            <a:r>
+              <a:rPr lang="en-US" altLang="zh-CN" dirty="0"/>
+              <a:t>block</a:t>
+            </a:r>
+            <a:r>
+              <a:rPr lang="zh-CN" altLang="en-US" dirty="0"/>
+              <a:t>        </a:t>
+            </a:r>
+            <a:r>
+              <a:rPr lang="en-NZ" altLang="zh-CN" dirty="0" err="1"/>
+              <a:t>api.genesisHash</a:t>
+            </a:r>
+            <a:endParaRPr lang="en-US" altLang="zh-CN" dirty="0"/>
+          </a:p>
+          <a:p>
+            <a:r>
+              <a:rPr lang="en-US" altLang="zh-CN" dirty="0"/>
+              <a:t>Block</a:t>
+            </a:r>
+            <a:r>
+              <a:rPr lang="zh-CN" altLang="en-US" dirty="0"/>
+              <a:t> </a:t>
+            </a:r>
+            <a:r>
+              <a:rPr lang="en-US" altLang="zh-CN" dirty="0"/>
+              <a:t>time</a:t>
+            </a:r>
+            <a:r>
+              <a:rPr lang="zh-CN" altLang="en-US" dirty="0"/>
+              <a:t>              </a:t>
+            </a:r>
+            <a:r>
+              <a:rPr lang="en-NZ" altLang="zh-CN" dirty="0" err="1"/>
+              <a:t>api.consts.babe.expectedBlockTim</a:t>
+            </a:r>
+            <a:r>
+              <a:rPr lang="en-US" altLang="zh-CN" dirty="0"/>
+              <a:t>e</a:t>
+            </a:r>
+            <a:r>
+              <a:rPr lang="zh-CN" altLang="en-US" dirty="0"/>
+              <a:t>    </a:t>
+            </a:r>
+            <a:endParaRPr lang="en-US" altLang="zh-CN" dirty="0"/>
+          </a:p>
+          <a:p>
+            <a:r>
+              <a:rPr lang="en-US" altLang="zh-CN" dirty="0" err="1"/>
+              <a:t>RuntimeVersion</a:t>
+            </a:r>
+            <a:r>
+              <a:rPr lang="zh-CN" altLang="en-US" dirty="0"/>
+              <a:t>     </a:t>
+            </a:r>
+            <a:r>
+              <a:rPr lang="en-US" altLang="zh-CN" dirty="0" err="1"/>
+              <a:t>api.runtimeVersion</a:t>
+            </a:r>
+            <a:endParaRPr lang="en-US" dirty="0"/>
+          </a:p>
+        </p:txBody>
+      </p:sp>
+      <p:sp>
+        <p:nvSpPr>
+          <p:cNvPr id="5" name="TextBox 4">
+            <a:extLst>
+              <a:ext uri="{FF2B5EF4-FFF2-40B4-BE49-F238E27FC236}">
+                <a16:creationId xmlns:a16="http://schemas.microsoft.com/office/drawing/2014/main" id="{108DE6F2-732A-C046-97AE-F80F95D94699}"/>
+              </a:ext>
+            </a:extLst>
+          </p:cNvPr>
+          <p:cNvSpPr txBox="1"/>
+          <p:nvPr/>
+        </p:nvSpPr>
+        <p:spPr>
+          <a:xfrm>
+            <a:off x="439616" y="3617829"/>
+            <a:ext cx="2177199" cy="369332"/>
+          </a:xfrm>
+          <a:prstGeom prst="rect">
+            <a:avLst/>
+          </a:prstGeom>
+          <a:noFill/>
+        </p:spPr>
+        <p:txBody>
+          <a:bodyPr wrap="none" rtlCol="0">
+            <a:spAutoFit/>
+          </a:bodyPr>
+          <a:lstStyle/>
+          <a:p>
+            <a:r>
+              <a:rPr lang="en-US" altLang="zh-CN" dirty="0"/>
+              <a:t>Node</a:t>
+            </a:r>
+            <a:r>
+              <a:rPr lang="zh-CN" altLang="en-US" dirty="0"/>
+              <a:t> </a:t>
+            </a:r>
+            <a:r>
+              <a:rPr lang="en-US" altLang="zh-CN" dirty="0" err="1"/>
+              <a:t>Infomations</a:t>
+            </a:r>
+            <a:endParaRPr lang="en-US" dirty="0"/>
+          </a:p>
+        </p:txBody>
+      </p:sp>
+      <p:sp>
+        <p:nvSpPr>
+          <p:cNvPr id="6" name="TextBox 5">
+            <a:extLst>
+              <a:ext uri="{FF2B5EF4-FFF2-40B4-BE49-F238E27FC236}">
+                <a16:creationId xmlns:a16="http://schemas.microsoft.com/office/drawing/2014/main" id="{B6486A40-B85E-2841-93F7-0A07B2987CD1}"/>
+              </a:ext>
+            </a:extLst>
+          </p:cNvPr>
+          <p:cNvSpPr txBox="1"/>
+          <p:nvPr/>
+        </p:nvSpPr>
+        <p:spPr>
+          <a:xfrm>
+            <a:off x="659422" y="4170485"/>
+            <a:ext cx="5591595" cy="1200329"/>
+          </a:xfrm>
+          <a:prstGeom prst="rect">
+            <a:avLst/>
+          </a:prstGeom>
+          <a:noFill/>
+        </p:spPr>
+        <p:txBody>
+          <a:bodyPr wrap="none" rtlCol="0">
+            <a:spAutoFit/>
+          </a:bodyPr>
+          <a:lstStyle/>
+          <a:p>
+            <a:r>
+              <a:rPr lang="en-US" altLang="zh-CN" dirty="0"/>
+              <a:t>Peers</a:t>
+            </a:r>
+            <a:r>
+              <a:rPr lang="zh-CN" altLang="en-US" dirty="0"/>
+              <a:t>                       </a:t>
+            </a:r>
+            <a:r>
+              <a:rPr lang="en-US" altLang="zh-CN" dirty="0" err="1"/>
+              <a:t>api.rpc.system.peers</a:t>
+            </a:r>
+            <a:r>
+              <a:rPr lang="en-US" altLang="zh-CN" dirty="0"/>
+              <a:t>()</a:t>
+            </a:r>
+          </a:p>
+          <a:p>
+            <a:r>
+              <a:rPr lang="en-US" altLang="zh-CN" dirty="0"/>
+              <a:t>Network</a:t>
+            </a:r>
+            <a:r>
+              <a:rPr lang="zh-CN" altLang="en-US" dirty="0"/>
+              <a:t>                  </a:t>
+            </a:r>
+            <a:r>
+              <a:rPr lang="en-NZ" altLang="zh-CN" dirty="0" err="1"/>
+              <a:t>api</a:t>
+            </a:r>
+            <a:r>
+              <a:rPr lang="en-NZ" altLang="zh-CN" dirty="0"/>
               <a:t>.</a:t>
             </a:r>
             <a:r>
-              <a:rPr lang="zh-CN" altLang="en-US" sz="2800" dirty="0"/>
-              <a:t>*</a:t>
-            </a:r>
-            <a:r>
-              <a:rPr lang="en-US" altLang="zh-CN" sz="2800" dirty="0"/>
+              <a:rPr lang="en-US" altLang="zh-CN" dirty="0" err="1"/>
+              <a:t>rpc.system.networkState</a:t>
+            </a:r>
+            <a:r>
+              <a:rPr lang="en-US" altLang="zh-CN" dirty="0"/>
+              <a:t>()</a:t>
+            </a:r>
+          </a:p>
+          <a:p>
+            <a:r>
+              <a:rPr lang="en-US" altLang="zh-CN" dirty="0"/>
+              <a:t>Node</a:t>
+            </a:r>
+            <a:r>
+              <a:rPr lang="zh-CN" altLang="en-US" dirty="0"/>
+              <a:t> </a:t>
+            </a:r>
+            <a:r>
+              <a:rPr lang="en-US" altLang="zh-CN" dirty="0"/>
+              <a:t>Role</a:t>
+            </a:r>
+            <a:r>
+              <a:rPr lang="zh-CN" altLang="en-US" dirty="0"/>
+              <a:t>              </a:t>
+            </a:r>
+            <a:r>
+              <a:rPr lang="en-NZ" altLang="zh-CN" dirty="0" err="1"/>
+              <a:t>api</a:t>
+            </a:r>
+            <a:r>
+              <a:rPr lang="en-NZ" altLang="zh-CN" dirty="0"/>
               <a:t>.</a:t>
             </a:r>
             <a:r>
-              <a:rPr lang="zh-CN" altLang="en-US" sz="2800" dirty="0"/>
-              <a:t>*</a:t>
-            </a:r>
-            <a:r>
-              <a:rPr lang="en-US" altLang="zh-CN" sz="2800" dirty="0"/>
-              <a:t>):</a:t>
-            </a:r>
-          </a:p>
-          <a:p>
-            <a:r>
-              <a:rPr lang="en-US" altLang="zh-CN" sz="2800" dirty="0"/>
-              <a:t>#</a:t>
-            </a:r>
-            <a:r>
-              <a:rPr lang="zh-CN" altLang="en-US" sz="2800" dirty="0"/>
+              <a:rPr lang="en-US" altLang="zh-CN" dirty="0" err="1"/>
+              <a:t>rpc.system.nodeRoles</a:t>
+            </a:r>
+            <a:r>
+              <a:rPr lang="en-US" altLang="zh-CN" dirty="0"/>
+              <a:t>()</a:t>
+            </a:r>
+            <a:r>
+              <a:rPr lang="zh-CN" altLang="en-US" dirty="0"/>
+              <a:t>    </a:t>
+            </a:r>
+            <a:endParaRPr lang="en-US" altLang="zh-CN" dirty="0"/>
+          </a:p>
+          <a:p>
+            <a:r>
+              <a:rPr lang="en-US" altLang="zh-CN" dirty="0"/>
+              <a:t>Health</a:t>
+            </a:r>
+            <a:r>
+              <a:rPr lang="zh-CN" altLang="en-US" dirty="0"/>
+              <a:t>                     </a:t>
+            </a:r>
+            <a:r>
+              <a:rPr lang="en-US" altLang="zh-CN" dirty="0" err="1"/>
+              <a:t>api</a:t>
+            </a:r>
+            <a:r>
+              <a:rPr lang="en-NZ" altLang="zh-CN" dirty="0"/>
+              <a:t>.</a:t>
+            </a:r>
+            <a:r>
+              <a:rPr lang="en-US" altLang="zh-CN" dirty="0" err="1"/>
+              <a:t>rpc.system.health</a:t>
+            </a:r>
+            <a:r>
+              <a:rPr lang="en-US" altLang="zh-CN" dirty="0"/>
+              <a:t>()</a:t>
+            </a:r>
+            <a:r>
+              <a:rPr lang="zh-CN" altLang="en-US" dirty="0"/>
               <a:t> </a:t>
             </a:r>
-            <a:r>
-              <a:rPr lang="en-US" altLang="zh-CN" sz="2800" dirty="0"/>
-              <a:t>query</a:t>
-            </a:r>
-            <a:r>
-              <a:rPr lang="zh-CN" altLang="en-US" sz="2800" dirty="0"/>
-              <a:t> </a:t>
-            </a:r>
-            <a:r>
-              <a:rPr lang="en-US" altLang="zh-CN" sz="2800" dirty="0"/>
-              <a:t>historical</a:t>
-            </a:r>
-            <a:r>
-              <a:rPr lang="zh-CN" altLang="en-US" sz="2800" dirty="0"/>
-              <a:t> </a:t>
-            </a:r>
-            <a:r>
-              <a:rPr lang="en-US" altLang="zh-CN" sz="2800" dirty="0"/>
-              <a:t>states</a:t>
-            </a:r>
-            <a:endParaRPr lang="en-NZ" sz="2800" dirty="0"/>
-          </a:p>
-          <a:p>
-            <a:r>
-              <a:rPr lang="zh-CN" altLang="en-US" sz="2800" dirty="0">
-                <a:latin typeface="Droid Sans Mono Dotted for Powe" panose="020B0609030804020204" pitchFamily="49" charset="0"/>
-                <a:ea typeface="Droid Sans Mono Dotted for Powe" panose="020B0609030804020204" pitchFamily="49" charset="0"/>
-                <a:cs typeface="Droid Sans Mono Dotted for Powe" panose="020B0609030804020204" pitchFamily="49" charset="0"/>
-              </a:rPr>
-              <a:t>  </a:t>
-            </a:r>
-            <a:r>
-              <a:rPr lang="en-US" altLang="zh-CN" sz="2400" dirty="0">
-                <a:latin typeface="Droid Sans Mono Dotted for Powe" panose="020B0609030804020204" pitchFamily="49" charset="0"/>
-                <a:ea typeface="Droid Sans Mono Dotted for Powe" panose="020B0609030804020204" pitchFamily="49" charset="0"/>
-                <a:cs typeface="Droid Sans Mono Dotted for Powe" panose="020B0609030804020204" pitchFamily="49" charset="0"/>
-              </a:rPr>
-              <a:t>.at(hash: Hash, arg1?: </a:t>
-            </a:r>
-            <a:r>
-              <a:rPr lang="en-US" altLang="zh-CN" sz="2400" dirty="0" err="1">
-                <a:latin typeface="Droid Sans Mono Dotted for Powe" panose="020B0609030804020204" pitchFamily="49" charset="0"/>
-                <a:ea typeface="Droid Sans Mono Dotted for Powe" panose="020B0609030804020204" pitchFamily="49" charset="0"/>
-                <a:cs typeface="Droid Sans Mono Dotted for Powe" panose="020B0609030804020204" pitchFamily="49" charset="0"/>
-              </a:rPr>
-              <a:t>Arg</a:t>
-            </a:r>
-            <a:r>
-              <a:rPr lang="en-US" altLang="zh-CN" sz="2400" dirty="0">
-                <a:latin typeface="Droid Sans Mono Dotted for Powe" panose="020B0609030804020204" pitchFamily="49" charset="0"/>
-                <a:ea typeface="Droid Sans Mono Dotted for Powe" panose="020B0609030804020204" pitchFamily="49" charset="0"/>
-                <a:cs typeface="Droid Sans Mono Dotted for Powe" panose="020B0609030804020204" pitchFamily="49" charset="0"/>
-              </a:rPr>
-              <a:t>, arg2?: </a:t>
-            </a:r>
-            <a:r>
-              <a:rPr lang="en-US" altLang="zh-CN" sz="2400" dirty="0" err="1">
-                <a:latin typeface="Droid Sans Mono Dotted for Powe" panose="020B0609030804020204" pitchFamily="49" charset="0"/>
-                <a:ea typeface="Droid Sans Mono Dotted for Powe" panose="020B0609030804020204" pitchFamily="49" charset="0"/>
-                <a:cs typeface="Droid Sans Mono Dotted for Powe" panose="020B0609030804020204" pitchFamily="49" charset="0"/>
-              </a:rPr>
-              <a:t>Arg</a:t>
-            </a:r>
-            <a:r>
-              <a:rPr lang="en-US" altLang="zh-CN" sz="2400" dirty="0">
-                <a:latin typeface="Droid Sans Mono Dotted for Powe" panose="020B0609030804020204" pitchFamily="49" charset="0"/>
-                <a:ea typeface="Droid Sans Mono Dotted for Powe" panose="020B0609030804020204" pitchFamily="49" charset="0"/>
-                <a:cs typeface="Droid Sans Mono Dotted for Powe" panose="020B0609030804020204" pitchFamily="49" charset="0"/>
-              </a:rPr>
-              <a:t>)</a:t>
-            </a:r>
-          </a:p>
-          <a:p>
-            <a:r>
-              <a:rPr lang="en-US" altLang="zh-CN" sz="2800" dirty="0"/>
-              <a:t>#</a:t>
-            </a:r>
-            <a:r>
-              <a:rPr lang="zh-CN" altLang="en-US" sz="2800" dirty="0"/>
-              <a:t> </a:t>
-            </a:r>
-            <a:r>
-              <a:rPr lang="en-US" altLang="zh-CN" sz="2800" dirty="0"/>
-              <a:t>get</a:t>
-            </a:r>
-            <a:r>
-              <a:rPr lang="zh-CN" altLang="en-US" sz="2800" dirty="0"/>
-              <a:t> </a:t>
-            </a:r>
-            <a:r>
-              <a:rPr lang="en-US" altLang="zh-CN" sz="2800" dirty="0"/>
-              <a:t>the</a:t>
-            </a:r>
-            <a:r>
-              <a:rPr lang="zh-CN" altLang="en-US" sz="2800" dirty="0"/>
-              <a:t> </a:t>
-            </a:r>
-            <a:r>
-              <a:rPr lang="en-US" altLang="zh-CN" sz="2800" dirty="0"/>
-              <a:t>storage</a:t>
-            </a:r>
-            <a:r>
-              <a:rPr lang="zh-CN" altLang="en-US" sz="2800" dirty="0"/>
-              <a:t> </a:t>
-            </a:r>
-            <a:r>
-              <a:rPr lang="en-US" altLang="zh-CN" sz="2800" dirty="0"/>
-              <a:t>key</a:t>
-            </a:r>
-            <a:r>
-              <a:rPr lang="zh-CN" altLang="en-US" sz="2800" dirty="0"/>
-              <a:t> </a:t>
-            </a:r>
-            <a:r>
-              <a:rPr lang="en-US" altLang="zh-CN" sz="2800" dirty="0"/>
-              <a:t>(not</a:t>
-            </a:r>
-            <a:r>
-              <a:rPr lang="zh-CN" altLang="en-US" sz="2800" dirty="0"/>
-              <a:t> </a:t>
-            </a:r>
-            <a:r>
-              <a:rPr lang="en-US" altLang="zh-CN" sz="2800" dirty="0"/>
-              <a:t>perform</a:t>
-            </a:r>
-            <a:r>
-              <a:rPr lang="zh-CN" altLang="en-US" sz="2800" dirty="0"/>
-              <a:t> </a:t>
-            </a:r>
-            <a:r>
-              <a:rPr lang="en-US" altLang="zh-CN" sz="2800" dirty="0"/>
-              <a:t>query)</a:t>
-            </a:r>
-            <a:endParaRPr lang="en-NZ" altLang="zh-CN" sz="2800" dirty="0"/>
-          </a:p>
-          <a:p>
-            <a:r>
-              <a:rPr lang="en-NZ" sz="2800" dirty="0"/>
-              <a:t>	</a:t>
-            </a:r>
-            <a:r>
-              <a:rPr lang="en-US" altLang="zh-CN" sz="2400" dirty="0">
-                <a:latin typeface="Droid Sans Mono Dotted for Powe" panose="020B0609030804020204" pitchFamily="49" charset="0"/>
-                <a:ea typeface="Droid Sans Mono Dotted for Powe" panose="020B0609030804020204" pitchFamily="49" charset="0"/>
-                <a:cs typeface="Droid Sans Mono Dotted for Powe" panose="020B0609030804020204" pitchFamily="49" charset="0"/>
-              </a:rPr>
-              <a:t>.key(</a:t>
-            </a:r>
-            <a:r>
-              <a:rPr lang="en-NZ" sz="2400" dirty="0">
-                <a:latin typeface="Droid Sans Mono Dotted for Powe" panose="020B0609030804020204" pitchFamily="49" charset="0"/>
-                <a:ea typeface="Droid Sans Mono Dotted for Powe" panose="020B0609030804020204" pitchFamily="49" charset="0"/>
-                <a:cs typeface="Droid Sans Mono Dotted for Powe" panose="020B0609030804020204" pitchFamily="49" charset="0"/>
-              </a:rPr>
-              <a:t>arg1?: </a:t>
-            </a:r>
-            <a:r>
-              <a:rPr lang="en-NZ" sz="2400" dirty="0" err="1">
-                <a:latin typeface="Droid Sans Mono Dotted for Powe" panose="020B0609030804020204" pitchFamily="49" charset="0"/>
-                <a:ea typeface="Droid Sans Mono Dotted for Powe" panose="020B0609030804020204" pitchFamily="49" charset="0"/>
-                <a:cs typeface="Droid Sans Mono Dotted for Powe" panose="020B0609030804020204" pitchFamily="49" charset="0"/>
-              </a:rPr>
-              <a:t>Arg</a:t>
-            </a:r>
-            <a:r>
-              <a:rPr lang="en-NZ" sz="2400" dirty="0">
-                <a:latin typeface="Droid Sans Mono Dotted for Powe" panose="020B0609030804020204" pitchFamily="49" charset="0"/>
-                <a:ea typeface="Droid Sans Mono Dotted for Powe" panose="020B0609030804020204" pitchFamily="49" charset="0"/>
-                <a:cs typeface="Droid Sans Mono Dotted for Powe" panose="020B0609030804020204" pitchFamily="49" charset="0"/>
-              </a:rPr>
-              <a:t>, arg2?: </a:t>
-            </a:r>
-            <a:r>
-              <a:rPr lang="en-NZ" sz="2400" dirty="0" err="1">
-                <a:latin typeface="Droid Sans Mono Dotted for Powe" panose="020B0609030804020204" pitchFamily="49" charset="0"/>
-                <a:ea typeface="Droid Sans Mono Dotted for Powe" panose="020B0609030804020204" pitchFamily="49" charset="0"/>
-                <a:cs typeface="Droid Sans Mono Dotted for Powe" panose="020B0609030804020204" pitchFamily="49" charset="0"/>
-              </a:rPr>
-              <a:t>Arg</a:t>
-            </a:r>
-            <a:r>
-              <a:rPr lang="en-US" altLang="zh-CN" sz="2400" dirty="0">
-                <a:latin typeface="Droid Sans Mono Dotted for Powe" panose="020B0609030804020204" pitchFamily="49" charset="0"/>
-                <a:ea typeface="Droid Sans Mono Dotted for Powe" panose="020B0609030804020204" pitchFamily="49" charset="0"/>
-                <a:cs typeface="Droid Sans Mono Dotted for Powe" panose="020B0609030804020204" pitchFamily="49" charset="0"/>
-              </a:rPr>
-              <a:t>)</a:t>
-            </a:r>
-          </a:p>
-          <a:p>
-            <a:r>
-              <a:rPr lang="en-US" altLang="zh-CN" sz="2400" dirty="0">
-                <a:latin typeface="Droid Sans Mono Dotted for Powe" panose="020B0609030804020204" pitchFamily="49" charset="0"/>
-                <a:ea typeface="Droid Sans Mono Dotted for Powe" panose="020B0609030804020204" pitchFamily="49" charset="0"/>
-                <a:cs typeface="Droid Sans Mono Dotted for Powe" panose="020B0609030804020204" pitchFamily="49" charset="0"/>
-              </a:rPr>
-              <a:t>#</a:t>
-            </a:r>
-            <a:r>
-              <a:rPr lang="zh-CN" altLang="en-US" sz="2400" dirty="0">
-                <a:latin typeface="Droid Sans Mono Dotted for Powe" panose="020B0609030804020204" pitchFamily="49" charset="0"/>
-                <a:ea typeface="Droid Sans Mono Dotted for Powe" panose="020B0609030804020204" pitchFamily="49" charset="0"/>
-                <a:cs typeface="Droid Sans Mono Dotted for Powe" panose="020B0609030804020204" pitchFamily="49" charset="0"/>
-              </a:rPr>
-              <a:t> </a:t>
-            </a:r>
-            <a:r>
-              <a:rPr lang="en-US" altLang="zh-CN" sz="2400" dirty="0">
-                <a:latin typeface="Droid Sans Mono Dotted for Powe" panose="020B0609030804020204" pitchFamily="49" charset="0"/>
-                <a:ea typeface="Droid Sans Mono Dotted for Powe" panose="020B0609030804020204" pitchFamily="49" charset="0"/>
-                <a:cs typeface="Droid Sans Mono Dotted for Powe" panose="020B0609030804020204" pitchFamily="49" charset="0"/>
-              </a:rPr>
-              <a:t>batch</a:t>
-            </a:r>
-            <a:r>
-              <a:rPr lang="zh-CN" altLang="en-US" sz="2400" dirty="0">
-                <a:latin typeface="Droid Sans Mono Dotted for Powe" panose="020B0609030804020204" pitchFamily="49" charset="0"/>
-                <a:ea typeface="Droid Sans Mono Dotted for Powe" panose="020B0609030804020204" pitchFamily="49" charset="0"/>
-                <a:cs typeface="Droid Sans Mono Dotted for Powe" panose="020B0609030804020204" pitchFamily="49" charset="0"/>
-              </a:rPr>
-              <a:t> </a:t>
-            </a:r>
-            <a:r>
-              <a:rPr lang="en-US" altLang="zh-CN" sz="2400" dirty="0">
-                <a:latin typeface="Droid Sans Mono Dotted for Powe" panose="020B0609030804020204" pitchFamily="49" charset="0"/>
-                <a:ea typeface="Droid Sans Mono Dotted for Powe" panose="020B0609030804020204" pitchFamily="49" charset="0"/>
-                <a:cs typeface="Droid Sans Mono Dotted for Powe" panose="020B0609030804020204" pitchFamily="49" charset="0"/>
-              </a:rPr>
-              <a:t>query</a:t>
-            </a:r>
-          </a:p>
-          <a:p>
-            <a:r>
-              <a:rPr lang="en-US" sz="2400" dirty="0">
-                <a:latin typeface="Droid Sans Mono Dotted for Powe" panose="020B0609030804020204" pitchFamily="49" charset="0"/>
-                <a:ea typeface="Droid Sans Mono Dotted for Powe" panose="020B0609030804020204" pitchFamily="49" charset="0"/>
-                <a:cs typeface="Droid Sans Mono Dotted for Powe" panose="020B0609030804020204" pitchFamily="49" charset="0"/>
-              </a:rPr>
-              <a:t>	</a:t>
-            </a:r>
-            <a:r>
-              <a:rPr lang="en-US" altLang="zh-CN" sz="2400" dirty="0">
-                <a:latin typeface="Droid Sans Mono Dotted for Powe" panose="020B0609030804020204" pitchFamily="49" charset="0"/>
-                <a:ea typeface="Droid Sans Mono Dotted for Powe" panose="020B0609030804020204" pitchFamily="49" charset="0"/>
-                <a:cs typeface="Droid Sans Mono Dotted for Powe" panose="020B0609030804020204" pitchFamily="49" charset="0"/>
-              </a:rPr>
-              <a:t>.multi()</a:t>
-            </a:r>
-            <a:r>
-              <a:rPr lang="zh-CN" altLang="en-US" sz="2400" dirty="0">
-                <a:latin typeface="Droid Sans Mono Dotted for Powe" panose="020B0609030804020204" pitchFamily="49" charset="0"/>
-                <a:ea typeface="Droid Sans Mono Dotted for Powe" panose="020B0609030804020204" pitchFamily="49" charset="0"/>
-                <a:cs typeface="Droid Sans Mono Dotted for Powe" panose="020B0609030804020204" pitchFamily="49" charset="0"/>
-              </a:rPr>
-              <a:t>   </a:t>
-            </a:r>
-            <a:r>
-              <a:rPr lang="en-US" altLang="zh-CN" sz="2400" dirty="0">
-                <a:latin typeface="Droid Sans Mono Dotted for Powe" panose="020B0609030804020204" pitchFamily="49" charset="0"/>
-                <a:ea typeface="Droid Sans Mono Dotted for Powe" panose="020B0609030804020204" pitchFamily="49" charset="0"/>
-                <a:cs typeface="Droid Sans Mono Dotted for Powe" panose="020B0609030804020204" pitchFamily="49" charset="0"/>
-              </a:rPr>
-              <a:t>[see</a:t>
-            </a:r>
-            <a:r>
-              <a:rPr lang="zh-CN" altLang="en-US" sz="2400" dirty="0">
-                <a:latin typeface="Droid Sans Mono Dotted for Powe" panose="020B0609030804020204" pitchFamily="49" charset="0"/>
-                <a:ea typeface="Droid Sans Mono Dotted for Powe" panose="020B0609030804020204" pitchFamily="49" charset="0"/>
-                <a:cs typeface="Droid Sans Mono Dotted for Powe" panose="020B0609030804020204" pitchFamily="49" charset="0"/>
-              </a:rPr>
-              <a:t> </a:t>
-            </a:r>
-            <a:r>
-              <a:rPr lang="en-US" altLang="zh-CN" sz="2400" dirty="0" err="1">
-                <a:latin typeface="Droid Sans Mono Dotted for Powe" panose="020B0609030804020204" pitchFamily="49" charset="0"/>
-                <a:ea typeface="Droid Sans Mono Dotted for Powe" panose="020B0609030804020204" pitchFamily="49" charset="0"/>
-                <a:cs typeface="Droid Sans Mono Dotted for Powe" panose="020B0609030804020204" pitchFamily="49" charset="0"/>
-              </a:rPr>
-              <a:t>multi.js</a:t>
-            </a:r>
-            <a:r>
-              <a:rPr lang="en-US" altLang="zh-CN" sz="2400" dirty="0">
-                <a:latin typeface="Droid Sans Mono Dotted for Powe" panose="020B0609030804020204" pitchFamily="49" charset="0"/>
-                <a:ea typeface="Droid Sans Mono Dotted for Powe" panose="020B0609030804020204" pitchFamily="49" charset="0"/>
-                <a:cs typeface="Droid Sans Mono Dotted for Powe" panose="020B0609030804020204" pitchFamily="49" charset="0"/>
-              </a:rPr>
-              <a:t>]</a:t>
-            </a:r>
-            <a:endParaRPr lang="en-US" sz="2800" dirty="0">
-              <a:latin typeface="Droid Sans Mono Dotted for Powe" panose="020B0609030804020204" pitchFamily="49" charset="0"/>
-              <a:ea typeface="Droid Sans Mono Dotted for Powe" panose="020B0609030804020204" pitchFamily="49" charset="0"/>
-              <a:cs typeface="Droid Sans Mono Dotted for Powe" panose="020B0609030804020204" pitchFamily="49" charset="0"/>
-            </a:endParaRPr>
+            <a:endParaRPr lang="en-US" dirty="0"/>
           </a:p>
         </p:txBody>
       </p:sp>
     </p:spTree>
     <p:extLst>
       <p:ext uri="{BB962C8B-B14F-4D97-AF65-F5344CB8AC3E}">
-        <p14:creationId xmlns:p14="http://schemas.microsoft.com/office/powerpoint/2010/main" val="2693236486"/>
+        <p14:creationId xmlns:p14="http://schemas.microsoft.com/office/powerpoint/2010/main" val="4186095757"/>
       </p:ext>
     </p:extLst>
   </p:cSld>
@@ -9580,89 +9520,10 @@
       </p:grpSpPr>
       <p:sp>
         <p:nvSpPr>
-          <p:cNvPr id="2" name="Title 1">
+          <p:cNvPr id="2" name="TextBox 1">
             <a:extLst>
               <a:ext uri="{FF2B5EF4-FFF2-40B4-BE49-F238E27FC236}">
-                <a16:creationId xmlns:a16="http://schemas.microsoft.com/office/drawing/2014/main" id="{47494EEE-31B9-C44B-AA50-A3AAEA4C49C5}"/>
-              </a:ext>
-            </a:extLst>
-          </p:cNvPr>
-          <p:cNvSpPr>
-            <a:spLocks noGrp="1"/>
-          </p:cNvSpPr>
-          <p:nvPr>
-            <p:ph type="title"/>
-          </p:nvPr>
-        </p:nvSpPr>
-        <p:spPr>
-          <a:xfrm>
-            <a:off x="708927" y="584887"/>
-            <a:ext cx="9905998" cy="786713"/>
-          </a:xfrm>
-        </p:spPr>
-        <p:txBody>
-          <a:bodyPr anchor="t">
-            <a:normAutofit/>
-          </a:bodyPr>
-          <a:lstStyle/>
-          <a:p>
-            <a:r>
-              <a:rPr lang="en-US" altLang="zh-CN" cap="none" dirty="0" err="1">
-                <a:latin typeface="Droid Sans Mono Dotted for Powe" panose="020B0609030804020204" pitchFamily="49" charset="0"/>
-                <a:ea typeface="Droid Sans Mono Dotted for Powe" panose="020B0609030804020204" pitchFamily="49" charset="0"/>
-                <a:cs typeface="Droid Sans Mono Dotted for Powe" panose="020B0609030804020204" pitchFamily="49" charset="0"/>
-              </a:rPr>
-              <a:t>api.tx</a:t>
-            </a:r>
-            <a:r>
-              <a:rPr lang="en-US" altLang="zh-CN" cap="none" dirty="0">
-                <a:latin typeface="Droid Sans Mono Dotted for Powe" panose="020B0609030804020204" pitchFamily="49" charset="0"/>
-                <a:ea typeface="Droid Sans Mono Dotted for Powe" panose="020B0609030804020204" pitchFamily="49" charset="0"/>
-                <a:cs typeface="Droid Sans Mono Dotted for Powe" panose="020B0609030804020204" pitchFamily="49" charset="0"/>
-              </a:rPr>
-              <a:t>.</a:t>
-            </a:r>
-            <a:r>
-              <a:rPr lang="zh-CN" altLang="en-US" cap="none" dirty="0">
-                <a:latin typeface="Droid Sans Mono Dotted for Powe" panose="020B0609030804020204" pitchFamily="49" charset="0"/>
-                <a:cs typeface="Droid Sans Mono Dotted for Powe" panose="020B0609030804020204" pitchFamily="49" charset="0"/>
-              </a:rPr>
-              <a:t>*</a:t>
-            </a:r>
-            <a:r>
-              <a:rPr lang="zh-CN" altLang="en-US" cap="none" dirty="0"/>
-              <a:t>  </a:t>
-            </a:r>
-            <a:r>
-              <a:rPr lang="en-US" altLang="zh-CN" cap="none" dirty="0"/>
-              <a:t>-</a:t>
-            </a:r>
-            <a:r>
-              <a:rPr lang="zh-CN" altLang="en-US" dirty="0"/>
-              <a:t>  </a:t>
-            </a:r>
-            <a:r>
-              <a:rPr lang="en-US" altLang="zh-CN" cap="none" dirty="0"/>
-              <a:t>Submit</a:t>
-            </a:r>
-            <a:r>
-              <a:rPr lang="zh-CN" altLang="en-US" cap="none" dirty="0"/>
-              <a:t> </a:t>
-            </a:r>
-            <a:r>
-              <a:rPr lang="en-US" altLang="zh-CN" cap="none" dirty="0"/>
-              <a:t>Transaction</a:t>
-            </a:r>
-            <a:endParaRPr lang="en-US" cap="none" dirty="0"/>
-          </a:p>
-        </p:txBody>
-      </p:sp>
-      <p:sp>
-        <p:nvSpPr>
-          <p:cNvPr id="3" name="TextBox 2">
-            <a:extLst>
-              <a:ext uri="{FF2B5EF4-FFF2-40B4-BE49-F238E27FC236}">
-                <a16:creationId xmlns:a16="http://schemas.microsoft.com/office/drawing/2014/main" id="{B3B28341-5690-F846-B444-FAB1FC4AD125}"/>
+                <a16:creationId xmlns:a16="http://schemas.microsoft.com/office/drawing/2014/main" id="{73CC714D-4BF4-4B4E-8DAE-8138FE84CFAD}"/>
               </a:ext>
             </a:extLst>
           </p:cNvPr>
@@ -9671,8 +9532,8 @@
         </p:nvSpPr>
         <p:spPr>
           <a:xfrm>
-            <a:off x="708927" y="1460845"/>
-            <a:ext cx="9028197" cy="1815882"/>
+            <a:off x="703385" y="1037492"/>
+            <a:ext cx="1220206" cy="584775"/>
           </a:xfrm>
           <a:prstGeom prst="rect">
             <a:avLst/>
@@ -9680,328 +9541,151 @@
           <a:noFill/>
         </p:spPr>
         <p:txBody>
-          <a:bodyPr wrap="square" rtlCol="0">
+          <a:bodyPr wrap="none" rtlCol="0">
             <a:spAutoFit/>
           </a:bodyPr>
           <a:lstStyle/>
           <a:p>
             <a:r>
-              <a:rPr lang="en-US" altLang="zh-CN" sz="2800" dirty="0">
+              <a:rPr lang="en-US" altLang="zh-CN" sz="3200" dirty="0"/>
+              <a:t>More</a:t>
+            </a:r>
+            <a:endParaRPr lang="en-US" sz="3200" dirty="0"/>
+          </a:p>
+        </p:txBody>
+      </p:sp>
+      <p:sp>
+        <p:nvSpPr>
+          <p:cNvPr id="3" name="TextBox 2">
+            <a:extLst>
+              <a:ext uri="{FF2B5EF4-FFF2-40B4-BE49-F238E27FC236}">
+                <a16:creationId xmlns:a16="http://schemas.microsoft.com/office/drawing/2014/main" id="{C411CD68-C2A5-DE41-A8C2-03EDB2B792CB}"/>
+              </a:ext>
+            </a:extLst>
+          </p:cNvPr>
+          <p:cNvSpPr txBox="1"/>
+          <p:nvPr/>
+        </p:nvSpPr>
+        <p:spPr>
+          <a:xfrm>
+            <a:off x="931985" y="2215662"/>
+            <a:ext cx="4435830" cy="923330"/>
+          </a:xfrm>
+          <a:prstGeom prst="rect">
+            <a:avLst/>
+          </a:prstGeom>
+          <a:noFill/>
+        </p:spPr>
+        <p:txBody>
+          <a:bodyPr wrap="none" rtlCol="0">
+            <a:spAutoFit/>
+          </a:bodyPr>
+          <a:lstStyle/>
+          <a:p>
+            <a:r>
+              <a:rPr lang="en-US" altLang="zh-CN" dirty="0" err="1">
                 <a:latin typeface="Droid Sans Mono Dotted for Powe" panose="020B0609030804020204" pitchFamily="49" charset="0"/>
                 <a:ea typeface="Droid Sans Mono Dotted for Powe" panose="020B0609030804020204" pitchFamily="49" charset="0"/>
                 <a:cs typeface="Droid Sans Mono Dotted for Powe" panose="020B0609030804020204" pitchFamily="49" charset="0"/>
               </a:rPr>
-              <a:t>Need</a:t>
-            </a:r>
-            <a:r>
-              <a:rPr lang="zh-CN" altLang="en-US" sz="2800" dirty="0">
+              <a:t>api.rpc</a:t>
+            </a:r>
+            <a:r>
+              <a:rPr lang="en-US" altLang="zh-CN" dirty="0">
                 <a:latin typeface="Droid Sans Mono Dotted for Powe" panose="020B0609030804020204" pitchFamily="49" charset="0"/>
                 <a:ea typeface="Droid Sans Mono Dotted for Powe" panose="020B0609030804020204" pitchFamily="49" charset="0"/>
                 <a:cs typeface="Droid Sans Mono Dotted for Powe" panose="020B0609030804020204" pitchFamily="49" charset="0"/>
               </a:rPr>
+              <a:t>.</a:t>
+            </a:r>
+            <a:r>
+              <a:rPr lang="zh-CN" altLang="en-US" dirty="0">
+                <a:latin typeface="Droid Sans Mono Dotted for Powe" panose="020B0609030804020204" pitchFamily="49" charset="0"/>
+                <a:cs typeface="Droid Sans Mono Dotted for Powe" panose="020B0609030804020204" pitchFamily="49" charset="0"/>
+              </a:rPr>
+              <a:t>*</a:t>
+            </a:r>
+            <a:r>
+              <a:rPr lang="zh-CN" altLang="en-US" dirty="0"/>
+              <a:t>           </a:t>
+            </a:r>
+            <a:r>
+              <a:rPr lang="en-US" altLang="zh-CN" dirty="0"/>
+              <a:t>-</a:t>
+            </a:r>
+            <a:r>
+              <a:rPr lang="zh-CN" altLang="en-US" dirty="0"/>
+              <a:t>  </a:t>
+            </a:r>
+            <a:r>
+              <a:rPr lang="en-US" altLang="zh-CN" dirty="0"/>
+              <a:t>Low-level</a:t>
+            </a:r>
+            <a:r>
+              <a:rPr lang="zh-CN" altLang="en-US" dirty="0"/>
               <a:t> </a:t>
             </a:r>
             <a:r>
-              <a:rPr lang="en-US" altLang="zh-CN" sz="2800" dirty="0">
+              <a:rPr lang="en-US" altLang="zh-CN" dirty="0"/>
+              <a:t>methods</a:t>
+            </a:r>
+          </a:p>
+          <a:p>
+            <a:r>
+              <a:rPr lang="en-US" altLang="zh-CN" dirty="0" err="1">
                 <a:latin typeface="Droid Sans Mono Dotted for Powe" panose="020B0609030804020204" pitchFamily="49" charset="0"/>
                 <a:ea typeface="Droid Sans Mono Dotted for Powe" panose="020B0609030804020204" pitchFamily="49" charset="0"/>
                 <a:cs typeface="Droid Sans Mono Dotted for Powe" panose="020B0609030804020204" pitchFamily="49" charset="0"/>
               </a:rPr>
-              <a:t>to</a:t>
-            </a:r>
-            <a:r>
-              <a:rPr lang="zh-CN" altLang="en-US" sz="2800" dirty="0">
+              <a:t>api.derive</a:t>
+            </a:r>
+            <a:r>
+              <a:rPr lang="en-US" altLang="zh-CN" dirty="0">
                 <a:latin typeface="Droid Sans Mono Dotted for Powe" panose="020B0609030804020204" pitchFamily="49" charset="0"/>
                 <a:ea typeface="Droid Sans Mono Dotted for Powe" panose="020B0609030804020204" pitchFamily="49" charset="0"/>
                 <a:cs typeface="Droid Sans Mono Dotted for Powe" panose="020B0609030804020204" pitchFamily="49" charset="0"/>
               </a:rPr>
+              <a:t>.</a:t>
+            </a:r>
+            <a:r>
+              <a:rPr lang="zh-CN" altLang="en-US" dirty="0">
+                <a:latin typeface="Droid Sans Mono Dotted for Powe" panose="020B0609030804020204" pitchFamily="49" charset="0"/>
+                <a:cs typeface="Droid Sans Mono Dotted for Powe" panose="020B0609030804020204" pitchFamily="49" charset="0"/>
+              </a:rPr>
+              <a:t>*  </a:t>
+            </a:r>
+            <a:r>
+              <a:rPr lang="en-US" altLang="zh-CN" dirty="0">
+                <a:latin typeface="Droid Sans Mono Dotted for Powe" panose="020B0609030804020204" pitchFamily="49" charset="0"/>
+                <a:cs typeface="Droid Sans Mono Dotted for Powe" panose="020B0609030804020204" pitchFamily="49" charset="0"/>
+              </a:rPr>
+              <a:t>-</a:t>
+            </a:r>
+            <a:r>
+              <a:rPr lang="zh-CN" altLang="en-US" dirty="0">
+                <a:latin typeface="Droid Sans Mono Dotted for Powe" panose="020B0609030804020204" pitchFamily="49" charset="0"/>
+                <a:cs typeface="Droid Sans Mono Dotted for Powe" panose="020B0609030804020204" pitchFamily="49" charset="0"/>
+              </a:rPr>
               <a:t> </a:t>
             </a:r>
             <a:r>
-              <a:rPr lang="en-US" altLang="zh-CN" sz="2800" dirty="0">
+              <a:rPr lang="en-US" altLang="zh-CN" dirty="0">
                 <a:latin typeface="Droid Sans Mono Dotted for Powe" panose="020B0609030804020204" pitchFamily="49" charset="0"/>
-                <a:ea typeface="Droid Sans Mono Dotted for Powe" panose="020B0609030804020204" pitchFamily="49" charset="0"/>
                 <a:cs typeface="Droid Sans Mono Dotted for Powe" panose="020B0609030804020204" pitchFamily="49" charset="0"/>
               </a:rPr>
-              <a:t>use</a:t>
-            </a:r>
-            <a:r>
-              <a:rPr lang="zh-CN" altLang="en-US" sz="2800" dirty="0">
-                <a:latin typeface="Droid Sans Mono Dotted for Powe" panose="020B0609030804020204" pitchFamily="49" charset="0"/>
-                <a:ea typeface="Droid Sans Mono Dotted for Powe" panose="020B0609030804020204" pitchFamily="49" charset="0"/>
-                <a:cs typeface="Droid Sans Mono Dotted for Powe" panose="020B0609030804020204" pitchFamily="49" charset="0"/>
-              </a:rPr>
-              <a:t> </a:t>
-            </a:r>
-            <a:r>
-              <a:rPr lang="en-US" altLang="zh-CN" sz="2800" dirty="0">
-                <a:latin typeface="Droid Sans Mono Dotted for Powe" panose="020B0609030804020204" pitchFamily="49" charset="0"/>
-                <a:ea typeface="Droid Sans Mono Dotted for Powe" panose="020B0609030804020204" pitchFamily="49" charset="0"/>
-                <a:cs typeface="Droid Sans Mono Dotted for Powe" panose="020B0609030804020204" pitchFamily="49" charset="0"/>
-              </a:rPr>
-              <a:t>a</a:t>
-            </a:r>
-            <a:r>
-              <a:rPr lang="zh-CN" altLang="en-US" sz="2800" dirty="0">
-                <a:latin typeface="Droid Sans Mono Dotted for Powe" panose="020B0609030804020204" pitchFamily="49" charset="0"/>
-                <a:ea typeface="Droid Sans Mono Dotted for Powe" panose="020B0609030804020204" pitchFamily="49" charset="0"/>
-                <a:cs typeface="Droid Sans Mono Dotted for Powe" panose="020B0609030804020204" pitchFamily="49" charset="0"/>
-              </a:rPr>
-              <a:t> </a:t>
-            </a:r>
-            <a:r>
-              <a:rPr lang="en-US" altLang="zh-CN" sz="2800" dirty="0">
-                <a:latin typeface="Droid Sans Mono Dotted for Powe" panose="020B0609030804020204" pitchFamily="49" charset="0"/>
-                <a:ea typeface="Droid Sans Mono Dotted for Powe" panose="020B0609030804020204" pitchFamily="49" charset="0"/>
-                <a:cs typeface="Droid Sans Mono Dotted for Powe" panose="020B0609030804020204" pitchFamily="49" charset="0"/>
-              </a:rPr>
-              <a:t>signer,</a:t>
-            </a:r>
-            <a:r>
-              <a:rPr lang="zh-CN" altLang="en-US" sz="2800" dirty="0">
-                <a:latin typeface="Droid Sans Mono Dotted for Powe" panose="020B0609030804020204" pitchFamily="49" charset="0"/>
-                <a:ea typeface="Droid Sans Mono Dotted for Powe" panose="020B0609030804020204" pitchFamily="49" charset="0"/>
-                <a:cs typeface="Droid Sans Mono Dotted for Powe" panose="020B0609030804020204" pitchFamily="49" charset="0"/>
-              </a:rPr>
-              <a:t> </a:t>
-            </a:r>
-            <a:endParaRPr lang="en-NZ" altLang="zh-CN" sz="2800" dirty="0">
-              <a:latin typeface="Droid Sans Mono Dotted for Powe" panose="020B0609030804020204" pitchFamily="49" charset="0"/>
-              <a:ea typeface="Droid Sans Mono Dotted for Powe" panose="020B0609030804020204" pitchFamily="49" charset="0"/>
-              <a:cs typeface="Droid Sans Mono Dotted for Powe" panose="020B0609030804020204" pitchFamily="49" charset="0"/>
-            </a:endParaRPr>
-          </a:p>
-          <a:p>
-            <a:r>
-              <a:rPr lang="en-US" altLang="zh-CN" sz="2800" dirty="0">
-                <a:latin typeface="Droid Sans Mono Dotted for Powe" panose="020B0609030804020204" pitchFamily="49" charset="0"/>
-                <a:ea typeface="Droid Sans Mono Dotted for Powe" panose="020B0609030804020204" pitchFamily="49" charset="0"/>
-                <a:cs typeface="Droid Sans Mono Dotted for Powe" panose="020B0609030804020204" pitchFamily="49" charset="0"/>
-              </a:rPr>
-              <a:t>On</a:t>
-            </a:r>
-            <a:r>
-              <a:rPr lang="zh-CN" altLang="en-US" sz="2800" dirty="0">
-                <a:latin typeface="Droid Sans Mono Dotted for Powe" panose="020B0609030804020204" pitchFamily="49" charset="0"/>
-                <a:ea typeface="Droid Sans Mono Dotted for Powe" panose="020B0609030804020204" pitchFamily="49" charset="0"/>
-                <a:cs typeface="Droid Sans Mono Dotted for Powe" panose="020B0609030804020204" pitchFamily="49" charset="0"/>
-              </a:rPr>
-              <a:t> </a:t>
-            </a:r>
-            <a:r>
-              <a:rPr lang="en-US" altLang="zh-CN" sz="2800" dirty="0">
-                <a:latin typeface="Droid Sans Mono Dotted for Powe" panose="020B0609030804020204" pitchFamily="49" charset="0"/>
-                <a:ea typeface="Droid Sans Mono Dotted for Powe" panose="020B0609030804020204" pitchFamily="49" charset="0"/>
-                <a:cs typeface="Droid Sans Mono Dotted for Powe" panose="020B0609030804020204" pitchFamily="49" charset="0"/>
-              </a:rPr>
-              <a:t>browsers,</a:t>
-            </a:r>
-            <a:r>
-              <a:rPr lang="zh-CN" altLang="en-US" sz="2800" dirty="0">
-                <a:latin typeface="Droid Sans Mono Dotted for Powe" panose="020B0609030804020204" pitchFamily="49" charset="0"/>
-                <a:ea typeface="Droid Sans Mono Dotted for Powe" panose="020B0609030804020204" pitchFamily="49" charset="0"/>
-                <a:cs typeface="Droid Sans Mono Dotted for Powe" panose="020B0609030804020204" pitchFamily="49" charset="0"/>
-              </a:rPr>
-              <a:t> </a:t>
-            </a:r>
-            <a:r>
-              <a:rPr lang="en-US" altLang="zh-CN" sz="2800" dirty="0">
-                <a:latin typeface="Droid Sans Mono Dotted for Powe" panose="020B0609030804020204" pitchFamily="49" charset="0"/>
-                <a:ea typeface="Droid Sans Mono Dotted for Powe" panose="020B0609030804020204" pitchFamily="49" charset="0"/>
-                <a:cs typeface="Droid Sans Mono Dotted for Powe" panose="020B0609030804020204" pitchFamily="49" charset="0"/>
-              </a:rPr>
-              <a:t>can</a:t>
-            </a:r>
-            <a:r>
-              <a:rPr lang="zh-CN" altLang="en-US" sz="2800" dirty="0">
-                <a:latin typeface="Droid Sans Mono Dotted for Powe" panose="020B0609030804020204" pitchFamily="49" charset="0"/>
-                <a:ea typeface="Droid Sans Mono Dotted for Powe" panose="020B0609030804020204" pitchFamily="49" charset="0"/>
-                <a:cs typeface="Droid Sans Mono Dotted for Powe" panose="020B0609030804020204" pitchFamily="49" charset="0"/>
-              </a:rPr>
-              <a:t> </a:t>
-            </a:r>
-            <a:r>
-              <a:rPr lang="en-US" altLang="zh-CN" sz="2800" dirty="0">
-                <a:latin typeface="Droid Sans Mono Dotted for Powe" panose="020B0609030804020204" pitchFamily="49" charset="0"/>
-                <a:ea typeface="Droid Sans Mono Dotted for Powe" panose="020B0609030804020204" pitchFamily="49" charset="0"/>
-                <a:cs typeface="Droid Sans Mono Dotted for Powe" panose="020B0609030804020204" pitchFamily="49" charset="0"/>
-              </a:rPr>
-              <a:t>use</a:t>
-            </a:r>
-            <a:r>
-              <a:rPr lang="zh-CN" altLang="en-US" sz="2800" dirty="0">
-                <a:latin typeface="Droid Sans Mono Dotted for Powe" panose="020B0609030804020204" pitchFamily="49" charset="0"/>
-                <a:ea typeface="Droid Sans Mono Dotted for Powe" panose="020B0609030804020204" pitchFamily="49" charset="0"/>
-                <a:cs typeface="Droid Sans Mono Dotted for Powe" panose="020B0609030804020204" pitchFamily="49" charset="0"/>
-              </a:rPr>
-              <a:t> </a:t>
-            </a:r>
-            <a:r>
-              <a:rPr lang="en-US" altLang="zh-CN" sz="2800" dirty="0" err="1">
-                <a:latin typeface="Droid Sans Mono Dotted for Powe" panose="020B0609030804020204" pitchFamily="49" charset="0"/>
-                <a:ea typeface="Droid Sans Mono Dotted for Powe" panose="020B0609030804020204" pitchFamily="49" charset="0"/>
-                <a:cs typeface="Droid Sans Mono Dotted for Powe" panose="020B0609030804020204" pitchFamily="49" charset="0"/>
-              </a:rPr>
-              <a:t>polkadot</a:t>
-            </a:r>
-            <a:r>
-              <a:rPr lang="en-US" altLang="zh-CN" sz="2800" dirty="0">
-                <a:latin typeface="Droid Sans Mono Dotted for Powe" panose="020B0609030804020204" pitchFamily="49" charset="0"/>
-                <a:ea typeface="Droid Sans Mono Dotted for Powe" panose="020B0609030804020204" pitchFamily="49" charset="0"/>
-                <a:cs typeface="Droid Sans Mono Dotted for Powe" panose="020B0609030804020204" pitchFamily="49" charset="0"/>
-              </a:rPr>
-              <a:t>-extension</a:t>
-            </a:r>
-          </a:p>
-          <a:p>
-            <a:r>
-              <a:rPr lang="en-US" altLang="zh-CN" sz="2800" dirty="0">
-                <a:latin typeface="Droid Sans Mono Dotted for Powe" panose="020B0609030804020204" pitchFamily="49" charset="0"/>
-                <a:ea typeface="Droid Sans Mono Dotted for Powe" panose="020B0609030804020204" pitchFamily="49" charset="0"/>
-                <a:cs typeface="Droid Sans Mono Dotted for Powe" panose="020B0609030804020204" pitchFamily="49" charset="0"/>
-              </a:rPr>
-              <a:t>On</a:t>
-            </a:r>
-            <a:r>
-              <a:rPr lang="zh-CN" altLang="en-US" sz="2800" dirty="0">
-                <a:latin typeface="Droid Sans Mono Dotted for Powe" panose="020B0609030804020204" pitchFamily="49" charset="0"/>
-                <a:ea typeface="Droid Sans Mono Dotted for Powe" panose="020B0609030804020204" pitchFamily="49" charset="0"/>
-                <a:cs typeface="Droid Sans Mono Dotted for Powe" panose="020B0609030804020204" pitchFamily="49" charset="0"/>
-              </a:rPr>
-              <a:t> </a:t>
-            </a:r>
-            <a:r>
-              <a:rPr lang="en-US" altLang="zh-CN" sz="2800" dirty="0">
-                <a:latin typeface="Droid Sans Mono Dotted for Powe" panose="020B0609030804020204" pitchFamily="49" charset="0"/>
-                <a:ea typeface="Droid Sans Mono Dotted for Powe" panose="020B0609030804020204" pitchFamily="49" charset="0"/>
-                <a:cs typeface="Droid Sans Mono Dotted for Powe" panose="020B0609030804020204" pitchFamily="49" charset="0"/>
-              </a:rPr>
-              <a:t>mobile,</a:t>
-            </a:r>
-            <a:r>
-              <a:rPr lang="zh-CN" altLang="en-US" sz="2800" dirty="0">
-                <a:latin typeface="Droid Sans Mono Dotted for Powe" panose="020B0609030804020204" pitchFamily="49" charset="0"/>
-                <a:ea typeface="Droid Sans Mono Dotted for Powe" panose="020B0609030804020204" pitchFamily="49" charset="0"/>
-                <a:cs typeface="Droid Sans Mono Dotted for Powe" panose="020B0609030804020204" pitchFamily="49" charset="0"/>
-              </a:rPr>
-              <a:t> </a:t>
-            </a:r>
-            <a:r>
-              <a:rPr lang="en-US" altLang="zh-CN" sz="2800" dirty="0">
-                <a:latin typeface="Droid Sans Mono Dotted for Powe" panose="020B0609030804020204" pitchFamily="49" charset="0"/>
-                <a:ea typeface="Droid Sans Mono Dotted for Powe" panose="020B0609030804020204" pitchFamily="49" charset="0"/>
-                <a:cs typeface="Droid Sans Mono Dotted for Powe" panose="020B0609030804020204" pitchFamily="49" charset="0"/>
-              </a:rPr>
-              <a:t>you</a:t>
-            </a:r>
-            <a:r>
-              <a:rPr lang="zh-CN" altLang="en-US" sz="2800" dirty="0">
-                <a:latin typeface="Droid Sans Mono Dotted for Powe" panose="020B0609030804020204" pitchFamily="49" charset="0"/>
-                <a:ea typeface="Droid Sans Mono Dotted for Powe" panose="020B0609030804020204" pitchFamily="49" charset="0"/>
-                <a:cs typeface="Droid Sans Mono Dotted for Powe" panose="020B0609030804020204" pitchFamily="49" charset="0"/>
-              </a:rPr>
-              <a:t> </a:t>
-            </a:r>
-            <a:r>
-              <a:rPr lang="en-US" altLang="zh-CN" sz="2800" dirty="0">
-                <a:latin typeface="Droid Sans Mono Dotted for Powe" panose="020B0609030804020204" pitchFamily="49" charset="0"/>
-                <a:ea typeface="Droid Sans Mono Dotted for Powe" panose="020B0609030804020204" pitchFamily="49" charset="0"/>
-                <a:cs typeface="Droid Sans Mono Dotted for Powe" panose="020B0609030804020204" pitchFamily="49" charset="0"/>
-              </a:rPr>
-              <a:t>might</a:t>
-            </a:r>
-            <a:r>
-              <a:rPr lang="zh-CN" altLang="en-US" sz="2800" dirty="0">
-                <a:latin typeface="Droid Sans Mono Dotted for Powe" panose="020B0609030804020204" pitchFamily="49" charset="0"/>
-                <a:ea typeface="Droid Sans Mono Dotted for Powe" panose="020B0609030804020204" pitchFamily="49" charset="0"/>
-                <a:cs typeface="Droid Sans Mono Dotted for Powe" panose="020B0609030804020204" pitchFamily="49" charset="0"/>
-              </a:rPr>
-              <a:t> </a:t>
-            </a:r>
-            <a:r>
-              <a:rPr lang="en-US" altLang="zh-CN" sz="2800" dirty="0">
-                <a:latin typeface="Droid Sans Mono Dotted for Powe" panose="020B0609030804020204" pitchFamily="49" charset="0"/>
-                <a:ea typeface="Droid Sans Mono Dotted for Powe" panose="020B0609030804020204" pitchFamily="49" charset="0"/>
-                <a:cs typeface="Droid Sans Mono Dotted for Powe" panose="020B0609030804020204" pitchFamily="49" charset="0"/>
-              </a:rPr>
-              <a:t>need</a:t>
-            </a:r>
-            <a:r>
-              <a:rPr lang="zh-CN" altLang="en-US" sz="2800" dirty="0">
-                <a:latin typeface="Droid Sans Mono Dotted for Powe" panose="020B0609030804020204" pitchFamily="49" charset="0"/>
-                <a:ea typeface="Droid Sans Mono Dotted for Powe" panose="020B0609030804020204" pitchFamily="49" charset="0"/>
-                <a:cs typeface="Droid Sans Mono Dotted for Powe" panose="020B0609030804020204" pitchFamily="49" charset="0"/>
-              </a:rPr>
-              <a:t> </a:t>
-            </a:r>
-            <a:r>
-              <a:rPr lang="en-US" altLang="zh-CN" sz="2800" dirty="0">
-                <a:latin typeface="Droid Sans Mono Dotted for Powe" panose="020B0609030804020204" pitchFamily="49" charset="0"/>
-                <a:ea typeface="Droid Sans Mono Dotted for Powe" panose="020B0609030804020204" pitchFamily="49" charset="0"/>
-                <a:cs typeface="Droid Sans Mono Dotted for Powe" panose="020B0609030804020204" pitchFamily="49" charset="0"/>
-              </a:rPr>
-              <a:t>to</a:t>
-            </a:r>
-            <a:r>
-              <a:rPr lang="zh-CN" altLang="en-US" sz="2800" dirty="0">
-                <a:latin typeface="Droid Sans Mono Dotted for Powe" panose="020B0609030804020204" pitchFamily="49" charset="0"/>
-                <a:ea typeface="Droid Sans Mono Dotted for Powe" panose="020B0609030804020204" pitchFamily="49" charset="0"/>
-                <a:cs typeface="Droid Sans Mono Dotted for Powe" panose="020B0609030804020204" pitchFamily="49" charset="0"/>
-              </a:rPr>
-              <a:t> </a:t>
-            </a:r>
-            <a:r>
-              <a:rPr lang="en-US" altLang="zh-CN" sz="2800" dirty="0">
-                <a:latin typeface="Droid Sans Mono Dotted for Powe" panose="020B0609030804020204" pitchFamily="49" charset="0"/>
-                <a:ea typeface="Droid Sans Mono Dotted for Powe" panose="020B0609030804020204" pitchFamily="49" charset="0"/>
-                <a:cs typeface="Droid Sans Mono Dotted for Powe" panose="020B0609030804020204" pitchFamily="49" charset="0"/>
-              </a:rPr>
-              <a:t>implement</a:t>
-            </a:r>
-            <a:r>
-              <a:rPr lang="zh-CN" altLang="en-US" sz="2800" dirty="0">
-                <a:latin typeface="Droid Sans Mono Dotted for Powe" panose="020B0609030804020204" pitchFamily="49" charset="0"/>
-                <a:ea typeface="Droid Sans Mono Dotted for Powe" panose="020B0609030804020204" pitchFamily="49" charset="0"/>
-                <a:cs typeface="Droid Sans Mono Dotted for Powe" panose="020B0609030804020204" pitchFamily="49" charset="0"/>
-              </a:rPr>
-              <a:t> </a:t>
-            </a:r>
-            <a:r>
-              <a:rPr lang="en-US" altLang="zh-CN" sz="2800" dirty="0">
-                <a:latin typeface="Droid Sans Mono Dotted for Powe" panose="020B0609030804020204" pitchFamily="49" charset="0"/>
-                <a:ea typeface="Droid Sans Mono Dotted for Powe" panose="020B0609030804020204" pitchFamily="49" charset="0"/>
-                <a:cs typeface="Droid Sans Mono Dotted for Powe" panose="020B0609030804020204" pitchFamily="49" charset="0"/>
-              </a:rPr>
-              <a:t>your</a:t>
-            </a:r>
-            <a:r>
-              <a:rPr lang="zh-CN" altLang="en-US" sz="2800" dirty="0">
-                <a:latin typeface="Droid Sans Mono Dotted for Powe" panose="020B0609030804020204" pitchFamily="49" charset="0"/>
-                <a:ea typeface="Droid Sans Mono Dotted for Powe" panose="020B0609030804020204" pitchFamily="49" charset="0"/>
-                <a:cs typeface="Droid Sans Mono Dotted for Powe" panose="020B0609030804020204" pitchFamily="49" charset="0"/>
-              </a:rPr>
-              <a:t> </a:t>
-            </a:r>
-            <a:r>
-              <a:rPr lang="en-US" altLang="zh-CN" sz="2800" dirty="0">
-                <a:latin typeface="Droid Sans Mono Dotted for Powe" panose="020B0609030804020204" pitchFamily="49" charset="0"/>
-                <a:ea typeface="Droid Sans Mono Dotted for Powe" panose="020B0609030804020204" pitchFamily="49" charset="0"/>
-                <a:cs typeface="Droid Sans Mono Dotted for Powe" panose="020B0609030804020204" pitchFamily="49" charset="0"/>
-              </a:rPr>
-              <a:t>own.</a:t>
-            </a:r>
-            <a:endParaRPr lang="en-US" sz="2800" dirty="0">
-              <a:latin typeface="Droid Sans Mono Dotted for Powe" panose="020B0609030804020204" pitchFamily="49" charset="0"/>
-              <a:ea typeface="Droid Sans Mono Dotted for Powe" panose="020B0609030804020204" pitchFamily="49" charset="0"/>
-              <a:cs typeface="Droid Sans Mono Dotted for Powe" panose="020B0609030804020204" pitchFamily="49" charset="0"/>
-            </a:endParaRPr>
+              <a:t>Cookbook</a:t>
+            </a:r>
+            <a:br>
+              <a:rPr lang="en-US" dirty="0"/>
+            </a:br>
+            <a:endParaRPr lang="en-US" dirty="0"/>
           </a:p>
         </p:txBody>
       </p:sp>
     </p:spTree>
     <p:extLst>
       <p:ext uri="{BB962C8B-B14F-4D97-AF65-F5344CB8AC3E}">
-        <p14:creationId xmlns:p14="http://schemas.microsoft.com/office/powerpoint/2010/main" val="3923862337"/>
+        <p14:creationId xmlns:p14="http://schemas.microsoft.com/office/powerpoint/2010/main" val="2795458110"/>
       </p:ext>
     </p:extLst>
   </p:cSld>
@@ -10057,76 +9741,51 @@
           <a:lstStyle/>
           <a:p>
             <a:r>
+              <a:rPr lang="en-US" altLang="zh-CN" cap="none" dirty="0" err="1">
+                <a:latin typeface="Droid Sans Mono Dotted for Powe" panose="020B0609030804020204" pitchFamily="49" charset="0"/>
+                <a:ea typeface="Droid Sans Mono Dotted for Powe" panose="020B0609030804020204" pitchFamily="49" charset="0"/>
+                <a:cs typeface="Droid Sans Mono Dotted for Powe" panose="020B0609030804020204" pitchFamily="49" charset="0"/>
+              </a:rPr>
+              <a:t>api.tx</a:t>
+            </a:r>
+            <a:r>
               <a:rPr lang="en-US" altLang="zh-CN" cap="none" dirty="0">
                 <a:latin typeface="Droid Sans Mono Dotted for Powe" panose="020B0609030804020204" pitchFamily="49" charset="0"/>
                 <a:ea typeface="Droid Sans Mono Dotted for Powe" panose="020B0609030804020204" pitchFamily="49" charset="0"/>
                 <a:cs typeface="Droid Sans Mono Dotted for Powe" panose="020B0609030804020204" pitchFamily="49" charset="0"/>
               </a:rPr>
-              <a:t>Signer</a:t>
+              <a:t>.</a:t>
             </a:r>
             <a:r>
               <a:rPr lang="zh-CN" altLang="en-US" cap="none" dirty="0">
                 <a:latin typeface="Droid Sans Mono Dotted for Powe" panose="020B0609030804020204" pitchFamily="49" charset="0"/>
-                <a:ea typeface="Droid Sans Mono Dotted for Powe" panose="020B0609030804020204" pitchFamily="49" charset="0"/>
                 <a:cs typeface="Droid Sans Mono Dotted for Powe" panose="020B0609030804020204" pitchFamily="49" charset="0"/>
               </a:rPr>
+              <a:t>*</a:t>
+            </a:r>
+            <a:r>
+              <a:rPr lang="zh-CN" altLang="en-US" cap="none" dirty="0"/>
+              <a:t>  </a:t>
+            </a:r>
+            <a:r>
+              <a:rPr lang="en-US" altLang="zh-CN" cap="none" dirty="0"/>
+              <a:t>-</a:t>
+            </a:r>
+            <a:r>
+              <a:rPr lang="zh-CN" altLang="en-US" dirty="0"/>
+              <a:t>  </a:t>
+            </a:r>
+            <a:r>
+              <a:rPr lang="en-US" altLang="zh-CN" cap="none" dirty="0"/>
+              <a:t>Submit</a:t>
+            </a:r>
+            <a:r>
+              <a:rPr lang="zh-CN" altLang="en-US" cap="none" dirty="0"/>
               <a:t> </a:t>
             </a:r>
             <a:r>
-              <a:rPr lang="en-US" altLang="zh-CN" cap="none" dirty="0">
-                <a:latin typeface="Droid Sans Mono Dotted for Powe" panose="020B0609030804020204" pitchFamily="49" charset="0"/>
-                <a:ea typeface="Droid Sans Mono Dotted for Powe" panose="020B0609030804020204" pitchFamily="49" charset="0"/>
-                <a:cs typeface="Droid Sans Mono Dotted for Powe" panose="020B0609030804020204" pitchFamily="49" charset="0"/>
-              </a:rPr>
-              <a:t>&amp;</a:t>
-            </a:r>
-            <a:r>
-              <a:rPr lang="zh-CN" altLang="en-US" cap="none" dirty="0">
-                <a:latin typeface="Droid Sans Mono Dotted for Powe" panose="020B0609030804020204" pitchFamily="49" charset="0"/>
-                <a:ea typeface="Droid Sans Mono Dotted for Powe" panose="020B0609030804020204" pitchFamily="49" charset="0"/>
-                <a:cs typeface="Droid Sans Mono Dotted for Powe" panose="020B0609030804020204" pitchFamily="49" charset="0"/>
-              </a:rPr>
-              <a:t> </a:t>
-            </a:r>
-            <a:r>
-              <a:rPr lang="en-US" altLang="zh-CN" cap="none" dirty="0" err="1">
-                <a:latin typeface="Droid Sans Mono Dotted for Powe" panose="020B0609030804020204" pitchFamily="49" charset="0"/>
-                <a:ea typeface="Droid Sans Mono Dotted for Powe" panose="020B0609030804020204" pitchFamily="49" charset="0"/>
-                <a:cs typeface="Droid Sans Mono Dotted for Powe" panose="020B0609030804020204" pitchFamily="49" charset="0"/>
-              </a:rPr>
-              <a:t>PolkadotJS</a:t>
-            </a:r>
-            <a:r>
-              <a:rPr lang="zh-CN" altLang="en-US" cap="none" dirty="0">
-                <a:latin typeface="Droid Sans Mono Dotted for Powe" panose="020B0609030804020204" pitchFamily="49" charset="0"/>
-                <a:ea typeface="Droid Sans Mono Dotted for Powe" panose="020B0609030804020204" pitchFamily="49" charset="0"/>
-                <a:cs typeface="Droid Sans Mono Dotted for Powe" panose="020B0609030804020204" pitchFamily="49" charset="0"/>
-              </a:rPr>
-              <a:t> </a:t>
-            </a:r>
-            <a:r>
-              <a:rPr lang="en-US" altLang="zh-CN" cap="none" dirty="0">
-                <a:latin typeface="Droid Sans Mono Dotted for Powe" panose="020B0609030804020204" pitchFamily="49" charset="0"/>
-                <a:ea typeface="Droid Sans Mono Dotted for Powe" panose="020B0609030804020204" pitchFamily="49" charset="0"/>
-                <a:cs typeface="Droid Sans Mono Dotted for Powe" panose="020B0609030804020204" pitchFamily="49" charset="0"/>
-              </a:rPr>
-              <a:t>Chrome</a:t>
-            </a:r>
-            <a:r>
-              <a:rPr lang="zh-CN" altLang="en-US" cap="none" dirty="0">
-                <a:latin typeface="Droid Sans Mono Dotted for Powe" panose="020B0609030804020204" pitchFamily="49" charset="0"/>
-                <a:ea typeface="Droid Sans Mono Dotted for Powe" panose="020B0609030804020204" pitchFamily="49" charset="0"/>
-                <a:cs typeface="Droid Sans Mono Dotted for Powe" panose="020B0609030804020204" pitchFamily="49" charset="0"/>
-              </a:rPr>
-              <a:t> </a:t>
-            </a:r>
-            <a:r>
-              <a:rPr lang="en-US" altLang="zh-CN" cap="none" dirty="0">
-                <a:latin typeface="Droid Sans Mono Dotted for Powe" panose="020B0609030804020204" pitchFamily="49" charset="0"/>
-                <a:ea typeface="Droid Sans Mono Dotted for Powe" panose="020B0609030804020204" pitchFamily="49" charset="0"/>
-                <a:cs typeface="Droid Sans Mono Dotted for Powe" panose="020B0609030804020204" pitchFamily="49" charset="0"/>
-              </a:rPr>
-              <a:t>Extension</a:t>
+              <a:rPr lang="en-US" altLang="zh-CN" cap="none" dirty="0"/>
+              <a:t>Transaction</a:t>
             </a:r>
             <a:endParaRPr lang="en-US" cap="none" dirty="0"/>
           </a:p>
@@ -10147,7 +9806,7 @@
         <p:spPr>
           <a:xfrm>
             <a:off x="708927" y="1460845"/>
-            <a:ext cx="9028197" cy="523220"/>
+            <a:ext cx="9028197" cy="1815882"/>
           </a:xfrm>
           <a:prstGeom prst="rect">
             <a:avLst/>
@@ -10166,7 +9825,7 @@
                 <a:ea typeface="Droid Sans Mono Dotted for Powe" panose="020B0609030804020204" pitchFamily="49" charset="0"/>
                 <a:cs typeface="Droid Sans Mono Dotted for Powe" panose="020B0609030804020204" pitchFamily="49" charset="0"/>
               </a:rPr>
-              <a:t>[see</a:t>
+              <a:t>Need</a:t>
             </a:r>
             <a:r>
               <a:rPr lang="zh-CN" altLang="en-US" sz="2800" dirty="0">
@@ -10177,12 +9836,147 @@
               <a:t> </a:t>
             </a:r>
             <a:r>
+              <a:rPr lang="en-US" altLang="zh-CN" sz="2800" dirty="0">
+                <a:latin typeface="Droid Sans Mono Dotted for Powe" panose="020B0609030804020204" pitchFamily="49" charset="0"/>
+                <a:ea typeface="Droid Sans Mono Dotted for Powe" panose="020B0609030804020204" pitchFamily="49" charset="0"/>
+                <a:cs typeface="Droid Sans Mono Dotted for Powe" panose="020B0609030804020204" pitchFamily="49" charset="0"/>
+              </a:rPr>
+              <a:t>to</a:t>
+            </a:r>
+            <a:r>
+              <a:rPr lang="zh-CN" altLang="en-US" sz="2800" dirty="0">
+                <a:latin typeface="Droid Sans Mono Dotted for Powe" panose="020B0609030804020204" pitchFamily="49" charset="0"/>
+                <a:ea typeface="Droid Sans Mono Dotted for Powe" panose="020B0609030804020204" pitchFamily="49" charset="0"/>
+                <a:cs typeface="Droid Sans Mono Dotted for Powe" panose="020B0609030804020204" pitchFamily="49" charset="0"/>
+              </a:rPr>
+              <a:t> </a:t>
+            </a:r>
+            <a:r>
+              <a:rPr lang="en-US" altLang="zh-CN" sz="2800" dirty="0">
+                <a:latin typeface="Droid Sans Mono Dotted for Powe" panose="020B0609030804020204" pitchFamily="49" charset="0"/>
+                <a:ea typeface="Droid Sans Mono Dotted for Powe" panose="020B0609030804020204" pitchFamily="49" charset="0"/>
+                <a:cs typeface="Droid Sans Mono Dotted for Powe" panose="020B0609030804020204" pitchFamily="49" charset="0"/>
+              </a:rPr>
+              <a:t>use</a:t>
+            </a:r>
+            <a:r>
+              <a:rPr lang="zh-CN" altLang="en-US" sz="2800" dirty="0">
+                <a:latin typeface="Droid Sans Mono Dotted for Powe" panose="020B0609030804020204" pitchFamily="49" charset="0"/>
+                <a:ea typeface="Droid Sans Mono Dotted for Powe" panose="020B0609030804020204" pitchFamily="49" charset="0"/>
+                <a:cs typeface="Droid Sans Mono Dotted for Powe" panose="020B0609030804020204" pitchFamily="49" charset="0"/>
+              </a:rPr>
+              <a:t> </a:t>
+            </a:r>
+            <a:r>
+              <a:rPr lang="en-US" altLang="zh-CN" sz="2800" dirty="0">
+                <a:latin typeface="Droid Sans Mono Dotted for Powe" panose="020B0609030804020204" pitchFamily="49" charset="0"/>
+                <a:ea typeface="Droid Sans Mono Dotted for Powe" panose="020B0609030804020204" pitchFamily="49" charset="0"/>
+                <a:cs typeface="Droid Sans Mono Dotted for Powe" panose="020B0609030804020204" pitchFamily="49" charset="0"/>
+              </a:rPr>
+              <a:t>a</a:t>
+            </a:r>
+            <a:r>
+              <a:rPr lang="zh-CN" altLang="en-US" sz="2800" dirty="0">
+                <a:latin typeface="Droid Sans Mono Dotted for Powe" panose="020B0609030804020204" pitchFamily="49" charset="0"/>
+                <a:ea typeface="Droid Sans Mono Dotted for Powe" panose="020B0609030804020204" pitchFamily="49" charset="0"/>
+                <a:cs typeface="Droid Sans Mono Dotted for Powe" panose="020B0609030804020204" pitchFamily="49" charset="0"/>
+              </a:rPr>
+              <a:t> </a:t>
+            </a:r>
+            <a:r>
+              <a:rPr lang="en-US" altLang="zh-CN" sz="2800" dirty="0">
+                <a:latin typeface="Droid Sans Mono Dotted for Powe" panose="020B0609030804020204" pitchFamily="49" charset="0"/>
+                <a:ea typeface="Droid Sans Mono Dotted for Powe" panose="020B0609030804020204" pitchFamily="49" charset="0"/>
+                <a:cs typeface="Droid Sans Mono Dotted for Powe" panose="020B0609030804020204" pitchFamily="49" charset="0"/>
+              </a:rPr>
+              <a:t>signer,</a:t>
+            </a:r>
+            <a:r>
+              <a:rPr lang="zh-CN" altLang="en-US" sz="2800" dirty="0">
+                <a:latin typeface="Droid Sans Mono Dotted for Powe" panose="020B0609030804020204" pitchFamily="49" charset="0"/>
+                <a:ea typeface="Droid Sans Mono Dotted for Powe" panose="020B0609030804020204" pitchFamily="49" charset="0"/>
+                <a:cs typeface="Droid Sans Mono Dotted for Powe" panose="020B0609030804020204" pitchFamily="49" charset="0"/>
+              </a:rPr>
+              <a:t> </a:t>
+            </a:r>
+            <a:endParaRPr lang="en-NZ" altLang="zh-CN" sz="2800" dirty="0">
+              <a:latin typeface="Droid Sans Mono Dotted for Powe" panose="020B0609030804020204" pitchFamily="49" charset="0"/>
+              <a:ea typeface="Droid Sans Mono Dotted for Powe" panose="020B0609030804020204" pitchFamily="49" charset="0"/>
+              <a:cs typeface="Droid Sans Mono Dotted for Powe" panose="020B0609030804020204" pitchFamily="49" charset="0"/>
+            </a:endParaRPr>
+          </a:p>
+          <a:p>
+            <a:r>
+              <a:rPr lang="en-US" altLang="zh-CN" sz="2800" dirty="0">
+                <a:latin typeface="Droid Sans Mono Dotted for Powe" panose="020B0609030804020204" pitchFamily="49" charset="0"/>
+                <a:ea typeface="Droid Sans Mono Dotted for Powe" panose="020B0609030804020204" pitchFamily="49" charset="0"/>
+                <a:cs typeface="Droid Sans Mono Dotted for Powe" panose="020B0609030804020204" pitchFamily="49" charset="0"/>
+              </a:rPr>
+              <a:t>On</a:t>
+            </a:r>
+            <a:r>
+              <a:rPr lang="zh-CN" altLang="en-US" sz="2800" dirty="0">
+                <a:latin typeface="Droid Sans Mono Dotted for Powe" panose="020B0609030804020204" pitchFamily="49" charset="0"/>
+                <a:ea typeface="Droid Sans Mono Dotted for Powe" panose="020B0609030804020204" pitchFamily="49" charset="0"/>
+                <a:cs typeface="Droid Sans Mono Dotted for Powe" panose="020B0609030804020204" pitchFamily="49" charset="0"/>
+              </a:rPr>
+              <a:t> </a:t>
+            </a:r>
+            <a:r>
+              <a:rPr lang="en-US" altLang="zh-CN" sz="2800" dirty="0">
+                <a:latin typeface="Droid Sans Mono Dotted for Powe" panose="020B0609030804020204" pitchFamily="49" charset="0"/>
+                <a:ea typeface="Droid Sans Mono Dotted for Powe" panose="020B0609030804020204" pitchFamily="49" charset="0"/>
+                <a:cs typeface="Droid Sans Mono Dotted for Powe" panose="020B0609030804020204" pitchFamily="49" charset="0"/>
+              </a:rPr>
+              <a:t>browsers,</a:t>
+            </a:r>
+            <a:r>
+              <a:rPr lang="zh-CN" altLang="en-US" sz="2800" dirty="0">
+                <a:latin typeface="Droid Sans Mono Dotted for Powe" panose="020B0609030804020204" pitchFamily="49" charset="0"/>
+                <a:ea typeface="Droid Sans Mono Dotted for Powe" panose="020B0609030804020204" pitchFamily="49" charset="0"/>
+                <a:cs typeface="Droid Sans Mono Dotted for Powe" panose="020B0609030804020204" pitchFamily="49" charset="0"/>
+              </a:rPr>
+              <a:t> </a:t>
+            </a:r>
+            <a:r>
+              <a:rPr lang="en-US" altLang="zh-CN" sz="2800" dirty="0">
+                <a:latin typeface="Droid Sans Mono Dotted for Powe" panose="020B0609030804020204" pitchFamily="49" charset="0"/>
+                <a:ea typeface="Droid Sans Mono Dotted for Powe" panose="020B0609030804020204" pitchFamily="49" charset="0"/>
+                <a:cs typeface="Droid Sans Mono Dotted for Powe" panose="020B0609030804020204" pitchFamily="49" charset="0"/>
+              </a:rPr>
+              <a:t>can</a:t>
+            </a:r>
+            <a:r>
+              <a:rPr lang="zh-CN" altLang="en-US" sz="2800" dirty="0">
+                <a:latin typeface="Droid Sans Mono Dotted for Powe" panose="020B0609030804020204" pitchFamily="49" charset="0"/>
+                <a:ea typeface="Droid Sans Mono Dotted for Powe" panose="020B0609030804020204" pitchFamily="49" charset="0"/>
+                <a:cs typeface="Droid Sans Mono Dotted for Powe" panose="020B0609030804020204" pitchFamily="49" charset="0"/>
+              </a:rPr>
+              <a:t> </a:t>
+            </a:r>
+            <a:r>
+              <a:rPr lang="en-US" altLang="zh-CN" sz="2800" dirty="0">
+                <a:latin typeface="Droid Sans Mono Dotted for Powe" panose="020B0609030804020204" pitchFamily="49" charset="0"/>
+                <a:ea typeface="Droid Sans Mono Dotted for Powe" panose="020B0609030804020204" pitchFamily="49" charset="0"/>
+                <a:cs typeface="Droid Sans Mono Dotted for Powe" panose="020B0609030804020204" pitchFamily="49" charset="0"/>
+              </a:rPr>
+              <a:t>use</a:t>
+            </a:r>
+            <a:r>
+              <a:rPr lang="zh-CN" altLang="en-US" sz="2800" dirty="0">
+                <a:latin typeface="Droid Sans Mono Dotted for Powe" panose="020B0609030804020204" pitchFamily="49" charset="0"/>
+                <a:ea typeface="Droid Sans Mono Dotted for Powe" panose="020B0609030804020204" pitchFamily="49" charset="0"/>
+                <a:cs typeface="Droid Sans Mono Dotted for Powe" panose="020B0609030804020204" pitchFamily="49" charset="0"/>
+              </a:rPr>
+              <a:t> </a:t>
+            </a:r>
+            <a:r>
               <a:rPr lang="en-US" altLang="zh-CN" sz="2800" dirty="0" err="1">
                 <a:latin typeface="Droid Sans Mono Dotted for Powe" panose="020B0609030804020204" pitchFamily="49" charset="0"/>
                 <a:ea typeface="Droid Sans Mono Dotted for Powe" panose="020B0609030804020204" pitchFamily="49" charset="0"/>
                 <a:cs typeface="Droid Sans Mono Dotted for Powe" panose="020B0609030804020204" pitchFamily="49" charset="0"/>
               </a:rPr>
-              <a:t>signer.js</a:t>
+              <a:t>polkadot</a:t>
             </a:r>
             <a:r>
               <a:rPr lang="en-US" altLang="zh-CN" sz="2800" dirty="0">
@@ -10190,7 +9984,145 @@
                 <a:ea typeface="Droid Sans Mono Dotted for Powe" panose="020B0609030804020204" pitchFamily="49" charset="0"/>
                 <a:cs typeface="Droid Sans Mono Dotted for Powe" panose="020B0609030804020204" pitchFamily="49" charset="0"/>
               </a:rPr>
-              <a:t>]</a:t>
+              <a:t>-extension</a:t>
+            </a:r>
+          </a:p>
+          <a:p>
+            <a:r>
+              <a:rPr lang="en-US" altLang="zh-CN" sz="2800" dirty="0">
+                <a:latin typeface="Droid Sans Mono Dotted for Powe" panose="020B0609030804020204" pitchFamily="49" charset="0"/>
+                <a:ea typeface="Droid Sans Mono Dotted for Powe" panose="020B0609030804020204" pitchFamily="49" charset="0"/>
+                <a:cs typeface="Droid Sans Mono Dotted for Powe" panose="020B0609030804020204" pitchFamily="49" charset="0"/>
+              </a:rPr>
+              <a:t>On</a:t>
+            </a:r>
+            <a:r>
+              <a:rPr lang="zh-CN" altLang="en-US" sz="2800" dirty="0">
+                <a:latin typeface="Droid Sans Mono Dotted for Powe" panose="020B0609030804020204" pitchFamily="49" charset="0"/>
+                <a:ea typeface="Droid Sans Mono Dotted for Powe" panose="020B0609030804020204" pitchFamily="49" charset="0"/>
+                <a:cs typeface="Droid Sans Mono Dotted for Powe" panose="020B0609030804020204" pitchFamily="49" charset="0"/>
+              </a:rPr>
+              <a:t> </a:t>
+            </a:r>
+            <a:r>
+              <a:rPr lang="en-US" altLang="zh-CN" sz="2800" dirty="0">
+                <a:latin typeface="Droid Sans Mono Dotted for Powe" panose="020B0609030804020204" pitchFamily="49" charset="0"/>
+                <a:ea typeface="Droid Sans Mono Dotted for Powe" panose="020B0609030804020204" pitchFamily="49" charset="0"/>
+                <a:cs typeface="Droid Sans Mono Dotted for Powe" panose="020B0609030804020204" pitchFamily="49" charset="0"/>
+              </a:rPr>
+              <a:t>mobile,</a:t>
+            </a:r>
+            <a:r>
+              <a:rPr lang="zh-CN" altLang="en-US" sz="2800" dirty="0">
+                <a:latin typeface="Droid Sans Mono Dotted for Powe" panose="020B0609030804020204" pitchFamily="49" charset="0"/>
+                <a:ea typeface="Droid Sans Mono Dotted for Powe" panose="020B0609030804020204" pitchFamily="49" charset="0"/>
+                <a:cs typeface="Droid Sans Mono Dotted for Powe" panose="020B0609030804020204" pitchFamily="49" charset="0"/>
+              </a:rPr>
+              <a:t> </a:t>
+            </a:r>
+            <a:r>
+              <a:rPr lang="en-US" altLang="zh-CN" sz="2800" dirty="0">
+                <a:latin typeface="Droid Sans Mono Dotted for Powe" panose="020B0609030804020204" pitchFamily="49" charset="0"/>
+                <a:ea typeface="Droid Sans Mono Dotted for Powe" panose="020B0609030804020204" pitchFamily="49" charset="0"/>
+                <a:cs typeface="Droid Sans Mono Dotted for Powe" panose="020B0609030804020204" pitchFamily="49" charset="0"/>
+              </a:rPr>
+              <a:t>you</a:t>
+            </a:r>
+            <a:r>
+              <a:rPr lang="zh-CN" altLang="en-US" sz="2800" dirty="0">
+                <a:latin typeface="Droid Sans Mono Dotted for Powe" panose="020B0609030804020204" pitchFamily="49" charset="0"/>
+                <a:ea typeface="Droid Sans Mono Dotted for Powe" panose="020B0609030804020204" pitchFamily="49" charset="0"/>
+                <a:cs typeface="Droid Sans Mono Dotted for Powe" panose="020B0609030804020204" pitchFamily="49" charset="0"/>
+              </a:rPr>
+              <a:t> </a:t>
+            </a:r>
+            <a:r>
+              <a:rPr lang="en-US" altLang="zh-CN" sz="2800" dirty="0">
+                <a:latin typeface="Droid Sans Mono Dotted for Powe" panose="020B0609030804020204" pitchFamily="49" charset="0"/>
+                <a:ea typeface="Droid Sans Mono Dotted for Powe" panose="020B0609030804020204" pitchFamily="49" charset="0"/>
+                <a:cs typeface="Droid Sans Mono Dotted for Powe" panose="020B0609030804020204" pitchFamily="49" charset="0"/>
+              </a:rPr>
+              <a:t>might</a:t>
+            </a:r>
+            <a:r>
+              <a:rPr lang="zh-CN" altLang="en-US" sz="2800" dirty="0">
+                <a:latin typeface="Droid Sans Mono Dotted for Powe" panose="020B0609030804020204" pitchFamily="49" charset="0"/>
+                <a:ea typeface="Droid Sans Mono Dotted for Powe" panose="020B0609030804020204" pitchFamily="49" charset="0"/>
+                <a:cs typeface="Droid Sans Mono Dotted for Powe" panose="020B0609030804020204" pitchFamily="49" charset="0"/>
+              </a:rPr>
+              <a:t> </a:t>
+            </a:r>
+            <a:r>
+              <a:rPr lang="en-US" altLang="zh-CN" sz="2800" dirty="0">
+                <a:latin typeface="Droid Sans Mono Dotted for Powe" panose="020B0609030804020204" pitchFamily="49" charset="0"/>
+                <a:ea typeface="Droid Sans Mono Dotted for Powe" panose="020B0609030804020204" pitchFamily="49" charset="0"/>
+                <a:cs typeface="Droid Sans Mono Dotted for Powe" panose="020B0609030804020204" pitchFamily="49" charset="0"/>
+              </a:rPr>
+              <a:t>need</a:t>
+            </a:r>
+            <a:r>
+              <a:rPr lang="zh-CN" altLang="en-US" sz="2800" dirty="0">
+                <a:latin typeface="Droid Sans Mono Dotted for Powe" panose="020B0609030804020204" pitchFamily="49" charset="0"/>
+                <a:ea typeface="Droid Sans Mono Dotted for Powe" panose="020B0609030804020204" pitchFamily="49" charset="0"/>
+                <a:cs typeface="Droid Sans Mono Dotted for Powe" panose="020B0609030804020204" pitchFamily="49" charset="0"/>
+              </a:rPr>
+              <a:t> </a:t>
+            </a:r>
+            <a:r>
+              <a:rPr lang="en-US" altLang="zh-CN" sz="2800" dirty="0">
+                <a:latin typeface="Droid Sans Mono Dotted for Powe" panose="020B0609030804020204" pitchFamily="49" charset="0"/>
+                <a:ea typeface="Droid Sans Mono Dotted for Powe" panose="020B0609030804020204" pitchFamily="49" charset="0"/>
+                <a:cs typeface="Droid Sans Mono Dotted for Powe" panose="020B0609030804020204" pitchFamily="49" charset="0"/>
+              </a:rPr>
+              <a:t>to</a:t>
+            </a:r>
+            <a:r>
+              <a:rPr lang="zh-CN" altLang="en-US" sz="2800" dirty="0">
+                <a:latin typeface="Droid Sans Mono Dotted for Powe" panose="020B0609030804020204" pitchFamily="49" charset="0"/>
+                <a:ea typeface="Droid Sans Mono Dotted for Powe" panose="020B0609030804020204" pitchFamily="49" charset="0"/>
+                <a:cs typeface="Droid Sans Mono Dotted for Powe" panose="020B0609030804020204" pitchFamily="49" charset="0"/>
+              </a:rPr>
+              <a:t> </a:t>
+            </a:r>
+            <a:r>
+              <a:rPr lang="en-US" altLang="zh-CN" sz="2800" dirty="0">
+                <a:latin typeface="Droid Sans Mono Dotted for Powe" panose="020B0609030804020204" pitchFamily="49" charset="0"/>
+                <a:ea typeface="Droid Sans Mono Dotted for Powe" panose="020B0609030804020204" pitchFamily="49" charset="0"/>
+                <a:cs typeface="Droid Sans Mono Dotted for Powe" panose="020B0609030804020204" pitchFamily="49" charset="0"/>
+              </a:rPr>
+              <a:t>implement</a:t>
+            </a:r>
+            <a:r>
+              <a:rPr lang="zh-CN" altLang="en-US" sz="2800" dirty="0">
+                <a:latin typeface="Droid Sans Mono Dotted for Powe" panose="020B0609030804020204" pitchFamily="49" charset="0"/>
+                <a:ea typeface="Droid Sans Mono Dotted for Powe" panose="020B0609030804020204" pitchFamily="49" charset="0"/>
+                <a:cs typeface="Droid Sans Mono Dotted for Powe" panose="020B0609030804020204" pitchFamily="49" charset="0"/>
+              </a:rPr>
+              <a:t> </a:t>
+            </a:r>
+            <a:r>
+              <a:rPr lang="en-US" altLang="zh-CN" sz="2800" dirty="0">
+                <a:latin typeface="Droid Sans Mono Dotted for Powe" panose="020B0609030804020204" pitchFamily="49" charset="0"/>
+                <a:ea typeface="Droid Sans Mono Dotted for Powe" panose="020B0609030804020204" pitchFamily="49" charset="0"/>
+                <a:cs typeface="Droid Sans Mono Dotted for Powe" panose="020B0609030804020204" pitchFamily="49" charset="0"/>
+              </a:rPr>
+              <a:t>your</a:t>
+            </a:r>
+            <a:r>
+              <a:rPr lang="zh-CN" altLang="en-US" sz="2800" dirty="0">
+                <a:latin typeface="Droid Sans Mono Dotted for Powe" panose="020B0609030804020204" pitchFamily="49" charset="0"/>
+                <a:ea typeface="Droid Sans Mono Dotted for Powe" panose="020B0609030804020204" pitchFamily="49" charset="0"/>
+                <a:cs typeface="Droid Sans Mono Dotted for Powe" panose="020B0609030804020204" pitchFamily="49" charset="0"/>
+              </a:rPr>
+              <a:t> </a:t>
+            </a:r>
+            <a:r>
+              <a:rPr lang="en-US" altLang="zh-CN" sz="2800" dirty="0">
+                <a:latin typeface="Droid Sans Mono Dotted for Powe" panose="020B0609030804020204" pitchFamily="49" charset="0"/>
+                <a:ea typeface="Droid Sans Mono Dotted for Powe" panose="020B0609030804020204" pitchFamily="49" charset="0"/>
+                <a:cs typeface="Droid Sans Mono Dotted for Powe" panose="020B0609030804020204" pitchFamily="49" charset="0"/>
+              </a:rPr>
+              <a:t>own.</a:t>
             </a:r>
             <a:endParaRPr lang="en-US" sz="2800" dirty="0">
               <a:latin typeface="Droid Sans Mono Dotted for Powe" panose="020B0609030804020204" pitchFamily="49" charset="0"/>
@@ -10203,7 +10135,7 @@
     </p:spTree>
     <p:extLst>
       <p:ext uri="{BB962C8B-B14F-4D97-AF65-F5344CB8AC3E}">
-        <p14:creationId xmlns:p14="http://schemas.microsoft.com/office/powerpoint/2010/main" val="3392758164"/>
+        <p14:creationId xmlns:p14="http://schemas.microsoft.com/office/powerpoint/2010/main" val="3923862337"/>
       </p:ext>
     </p:extLst>
   </p:cSld>
@@ -10259,12 +10191,52 @@
           <a:lstStyle/>
           <a:p>
             <a:r>
+              <a:rPr lang="en-US" altLang="zh-CN" cap="none" dirty="0">
+                <a:latin typeface="Droid Sans Mono Dotted for Powe" panose="020B0609030804020204" pitchFamily="49" charset="0"/>
+                <a:ea typeface="Droid Sans Mono Dotted for Powe" panose="020B0609030804020204" pitchFamily="49" charset="0"/>
+                <a:cs typeface="Droid Sans Mono Dotted for Powe" panose="020B0609030804020204" pitchFamily="49" charset="0"/>
+              </a:rPr>
+              <a:t>Signer</a:t>
+            </a:r>
+            <a:r>
+              <a:rPr lang="zh-CN" altLang="en-US" cap="none" dirty="0">
+                <a:latin typeface="Droid Sans Mono Dotted for Powe" panose="020B0609030804020204" pitchFamily="49" charset="0"/>
+                <a:ea typeface="Droid Sans Mono Dotted for Powe" panose="020B0609030804020204" pitchFamily="49" charset="0"/>
+                <a:cs typeface="Droid Sans Mono Dotted for Powe" panose="020B0609030804020204" pitchFamily="49" charset="0"/>
+              </a:rPr>
+              <a:t> </a:t>
+            </a:r>
+            <a:r>
+              <a:rPr lang="en-US" altLang="zh-CN" cap="none" dirty="0">
+                <a:latin typeface="Droid Sans Mono Dotted for Powe" panose="020B0609030804020204" pitchFamily="49" charset="0"/>
+                <a:ea typeface="Droid Sans Mono Dotted for Powe" panose="020B0609030804020204" pitchFamily="49" charset="0"/>
+                <a:cs typeface="Droid Sans Mono Dotted for Powe" panose="020B0609030804020204" pitchFamily="49" charset="0"/>
+              </a:rPr>
+              <a:t>&amp;</a:t>
+            </a:r>
+            <a:r>
+              <a:rPr lang="zh-CN" altLang="en-US" cap="none" dirty="0">
+                <a:latin typeface="Droid Sans Mono Dotted for Powe" panose="020B0609030804020204" pitchFamily="49" charset="0"/>
+                <a:ea typeface="Droid Sans Mono Dotted for Powe" panose="020B0609030804020204" pitchFamily="49" charset="0"/>
+                <a:cs typeface="Droid Sans Mono Dotted for Powe" panose="020B0609030804020204" pitchFamily="49" charset="0"/>
+              </a:rPr>
+              <a:t> </a:t>
+            </a:r>
+            <a:r>
               <a:rPr lang="en-US" altLang="zh-CN" cap="none" dirty="0" err="1">
                 <a:latin typeface="Droid Sans Mono Dotted for Powe" panose="020B0609030804020204" pitchFamily="49" charset="0"/>
                 <a:ea typeface="Droid Sans Mono Dotted for Powe" panose="020B0609030804020204" pitchFamily="49" charset="0"/>
                 <a:cs typeface="Droid Sans Mono Dotted for Powe" panose="020B0609030804020204" pitchFamily="49" charset="0"/>
               </a:rPr>
-              <a:t>api.derive</a:t>
+              <a:t>PolkadotJS</a:t>
+            </a:r>
+            <a:r>
+              <a:rPr lang="zh-CN" altLang="en-US" cap="none" dirty="0">
+                <a:latin typeface="Droid Sans Mono Dotted for Powe" panose="020B0609030804020204" pitchFamily="49" charset="0"/>
+                <a:ea typeface="Droid Sans Mono Dotted for Powe" panose="020B0609030804020204" pitchFamily="49" charset="0"/>
+                <a:cs typeface="Droid Sans Mono Dotted for Powe" panose="020B0609030804020204" pitchFamily="49" charset="0"/>
+              </a:rPr>
+              <a:t> </a:t>
             </a:r>
             <a:r>
               <a:rPr lang="en-US" altLang="zh-CN" cap="none" dirty="0">
@@ -10272,32 +10244,23 @@
                 <a:ea typeface="Droid Sans Mono Dotted for Powe" panose="020B0609030804020204" pitchFamily="49" charset="0"/>
                 <a:cs typeface="Droid Sans Mono Dotted for Powe" panose="020B0609030804020204" pitchFamily="49" charset="0"/>
               </a:rPr>
-              <a:t>.</a:t>
+              <a:t>Chrome</a:t>
             </a:r>
             <a:r>
               <a:rPr lang="zh-CN" altLang="en-US" cap="none" dirty="0">
                 <a:latin typeface="Droid Sans Mono Dotted for Powe" panose="020B0609030804020204" pitchFamily="49" charset="0"/>
+                <a:ea typeface="Droid Sans Mono Dotted for Powe" panose="020B0609030804020204" pitchFamily="49" charset="0"/>
                 <a:cs typeface="Droid Sans Mono Dotted for Powe" panose="020B0609030804020204" pitchFamily="49" charset="0"/>
               </a:rPr>
-              <a:t>*</a:t>
-            </a:r>
-            <a:r>
-              <a:rPr lang="zh-CN" altLang="en-US" cap="none" dirty="0"/>
-              <a:t>  </a:t>
-            </a:r>
-            <a:r>
-              <a:rPr lang="en-US" altLang="zh-CN" cap="none" dirty="0"/>
-              <a:t>-</a:t>
-            </a:r>
-            <a:r>
-              <a:rPr lang="zh-CN" altLang="en-US" dirty="0"/>
               <a:t> </a:t>
             </a:r>
             <a:r>
-              <a:rPr lang="en-NZ" cap="none" dirty="0">
-                <a:effectLst/>
-              </a:rPr>
-              <a:t>Treasure-house</a:t>
+              <a:rPr lang="en-US" altLang="zh-CN" cap="none" dirty="0">
+                <a:latin typeface="Droid Sans Mono Dotted for Powe" panose="020B0609030804020204" pitchFamily="49" charset="0"/>
+                <a:ea typeface="Droid Sans Mono Dotted for Powe" panose="020B0609030804020204" pitchFamily="49" charset="0"/>
+                <a:cs typeface="Droid Sans Mono Dotted for Powe" panose="020B0609030804020204" pitchFamily="49" charset="0"/>
+              </a:rPr>
+              <a:t>Extension</a:t>
             </a:r>
             <a:endParaRPr lang="en-US" cap="none" dirty="0"/>
           </a:p>
@@ -10337,7 +10300,7 @@
                 <a:ea typeface="Droid Sans Mono Dotted for Powe" panose="020B0609030804020204" pitchFamily="49" charset="0"/>
                 <a:cs typeface="Droid Sans Mono Dotted for Powe" panose="020B0609030804020204" pitchFamily="49" charset="0"/>
               </a:rPr>
-              <a:t>See</a:t>
+              <a:t>[see</a:t>
             </a:r>
             <a:r>
               <a:rPr lang="zh-CN" altLang="en-US" sz="2800" dirty="0">
@@ -10348,20 +10311,12 @@
               <a:t> </a:t>
             </a:r>
             <a:r>
-              <a:rPr lang="en-US" altLang="zh-CN" sz="2800" dirty="0">
-                <a:latin typeface="Droid Sans Mono Dotted for Powe" panose="020B0609030804020204" pitchFamily="49" charset="0"/>
-                <a:ea typeface="Droid Sans Mono Dotted for Powe" panose="020B0609030804020204" pitchFamily="49" charset="0"/>
-                <a:cs typeface="Droid Sans Mono Dotted for Powe" panose="020B0609030804020204" pitchFamily="49" charset="0"/>
-              </a:rPr>
-              <a:t>[</a:t>
-            </a:r>
-            <a:r>
               <a:rPr lang="en-US" altLang="zh-CN" sz="2800" dirty="0" err="1">
                 <a:latin typeface="Droid Sans Mono Dotted for Powe" panose="020B0609030804020204" pitchFamily="49" charset="0"/>
                 <a:ea typeface="Droid Sans Mono Dotted for Powe" panose="020B0609030804020204" pitchFamily="49" charset="0"/>
                 <a:cs typeface="Droid Sans Mono Dotted for Powe" panose="020B0609030804020204" pitchFamily="49" charset="0"/>
               </a:rPr>
-              <a:t>derives.js</a:t>
+              <a:t>signer.js</a:t>
             </a:r>
             <a:r>
               <a:rPr lang="en-US" altLang="zh-CN" sz="2800" dirty="0">
@@ -10382,7 +10337,7 @@
     </p:spTree>
     <p:extLst>
       <p:ext uri="{BB962C8B-B14F-4D97-AF65-F5344CB8AC3E}">
-        <p14:creationId xmlns:p14="http://schemas.microsoft.com/office/powerpoint/2010/main" val="3657649420"/>
+        <p14:creationId xmlns:p14="http://schemas.microsoft.com/office/powerpoint/2010/main" val="3392758164"/>
       </p:ext>
     </p:extLst>
   </p:cSld>
